--- a/powerpoints/Day_26.pptx
+++ b/powerpoints/Day_26.pptx
@@ -5,7 +5,7 @@
     <p:sldMasterId id="2147483661" r:id="rId1"/>
   </p:sldMasterIdLst>
   <p:notesMasterIdLst>
-    <p:notesMasterId r:id="rId10"/>
+    <p:notesMasterId r:id="rId17"/>
   </p:notesMasterIdLst>
   <p:sldIdLst>
     <p:sldId id="256" r:id="rId2"/>
@@ -15,7 +15,14 @@
     <p:sldId id="333" r:id="rId6"/>
     <p:sldId id="332" r:id="rId7"/>
     <p:sldId id="331" r:id="rId8"/>
-    <p:sldId id="270" r:id="rId9"/>
+    <p:sldId id="335" r:id="rId9"/>
+    <p:sldId id="336" r:id="rId10"/>
+    <p:sldId id="342" r:id="rId11"/>
+    <p:sldId id="345" r:id="rId12"/>
+    <p:sldId id="346" r:id="rId13"/>
+    <p:sldId id="344" r:id="rId14"/>
+    <p:sldId id="343" r:id="rId15"/>
+    <p:sldId id="270" r:id="rId16"/>
   </p:sldIdLst>
   <p:sldSz cx="9144000" cy="6858000" type="screen4x3"/>
   <p:notesSz cx="7010400" cy="9296400"/>
@@ -25112,6 +25119,6883 @@
 </p:sld>
 </file>
 
+<file path=ppt/slides/slide10.xml><?xml version="1.0" encoding="utf-8"?>
+<p:sld xmlns:a="http://schemas.openxmlformats.org/drawingml/2006/main" xmlns:r="http://schemas.openxmlformats.org/officeDocument/2006/relationships" xmlns:p="http://schemas.openxmlformats.org/presentationml/2006/main">
+  <p:cSld>
+    <p:spTree>
+      <p:nvGrpSpPr>
+        <p:cNvPr id="1" name=""/>
+        <p:cNvGrpSpPr/>
+        <p:nvPr/>
+      </p:nvGrpSpPr>
+      <p:grpSpPr>
+        <a:xfrm>
+          <a:off x="0" y="0"/>
+          <a:ext cx="0" cy="0"/>
+          <a:chOff x="0" y="0"/>
+          <a:chExt cx="0" cy="0"/>
+        </a:xfrm>
+      </p:grpSpPr>
+      <p:sp>
+        <p:nvSpPr>
+          <p:cNvPr id="2" name="Title 1">
+            <a:extLst>
+              <a:ext uri="{FF2B5EF4-FFF2-40B4-BE49-F238E27FC236}">
+                <a16:creationId xmlns:a16="http://schemas.microsoft.com/office/drawing/2014/main" id="{03BFDB46-CB77-43BD-8935-38A4C3F6FA6B}"/>
+              </a:ext>
+            </a:extLst>
+          </p:cNvPr>
+          <p:cNvSpPr>
+            <a:spLocks noGrp="1"/>
+          </p:cNvSpPr>
+          <p:nvPr>
+            <p:ph type="title"/>
+          </p:nvPr>
+        </p:nvSpPr>
+        <p:spPr/>
+        <p:txBody>
+          <a:bodyPr/>
+          <a:lstStyle/>
+          <a:p>
+            <a:r>
+              <a:rPr lang="en-US" dirty="0"/>
+              <a:t>DAO Implementation – Add (insert)</a:t>
+            </a:r>
+          </a:p>
+        </p:txBody>
+      </p:sp>
+      <p:sp>
+        <p:nvSpPr>
+          <p:cNvPr id="4" name="Slide Number Placeholder 3">
+            <a:extLst>
+              <a:ext uri="{FF2B5EF4-FFF2-40B4-BE49-F238E27FC236}">
+                <a16:creationId xmlns:a16="http://schemas.microsoft.com/office/drawing/2014/main" id="{9B226E6F-12C5-41EC-BF9D-EAF162B65B12}"/>
+              </a:ext>
+            </a:extLst>
+          </p:cNvPr>
+          <p:cNvSpPr>
+            <a:spLocks noGrp="1"/>
+          </p:cNvSpPr>
+          <p:nvPr>
+            <p:ph type="sldNum" idx="12"/>
+          </p:nvPr>
+        </p:nvSpPr>
+        <p:spPr/>
+        <p:txBody>
+          <a:bodyPr/>
+          <a:lstStyle/>
+          <a:p>
+            <a:pPr marL="0" lvl="0" indent="0" algn="r" rtl="0">
+              <a:spcBef>
+                <a:spcPts val="0"/>
+              </a:spcBef>
+              <a:spcAft>
+                <a:spcPts val="0"/>
+              </a:spcAft>
+              <a:buNone/>
+            </a:pPr>
+            <a:fld id="{00000000-1234-1234-1234-123412341234}" type="slidenum">
+              <a:rPr lang="en-US" smtClean="0"/>
+              <a:t>9</a:t>
+            </a:fld>
+            <a:endParaRPr lang="en-US"/>
+          </a:p>
+        </p:txBody>
+      </p:sp>
+      <p:sp>
+        <p:nvSpPr>
+          <p:cNvPr id="6" name="Rectangle 5">
+            <a:extLst>
+              <a:ext uri="{FF2B5EF4-FFF2-40B4-BE49-F238E27FC236}">
+                <a16:creationId xmlns:a16="http://schemas.microsoft.com/office/drawing/2014/main" id="{CE78F680-6395-4351-ADEA-1FBB36C882BE}"/>
+              </a:ext>
+            </a:extLst>
+          </p:cNvPr>
+          <p:cNvSpPr/>
+          <p:nvPr/>
+        </p:nvSpPr>
+        <p:spPr>
+          <a:xfrm>
+            <a:off x="589722" y="1401762"/>
+            <a:ext cx="7964555" cy="5327075"/>
+          </a:xfrm>
+          <a:prstGeom prst="rect">
+            <a:avLst/>
+          </a:prstGeom>
+        </p:spPr>
+        <p:style>
+          <a:lnRef idx="1">
+            <a:schemeClr val="accent2"/>
+          </a:lnRef>
+          <a:fillRef idx="2">
+            <a:schemeClr val="accent2"/>
+          </a:fillRef>
+          <a:effectRef idx="1">
+            <a:schemeClr val="accent2"/>
+          </a:effectRef>
+          <a:fontRef idx="minor">
+            <a:schemeClr val="dk1"/>
+          </a:fontRef>
+        </p:style>
+        <p:txBody>
+          <a:bodyPr rtlCol="0" anchor="ctr">
+            <a:normAutofit fontScale="70000" lnSpcReduction="20000"/>
+          </a:bodyPr>
+          <a:lstStyle/>
+          <a:p>
+            <a:pPr algn="l"/>
+            <a:r>
+              <a:rPr lang="en-US" sz="1800" b="1" dirty="0">
+                <a:solidFill>
+                  <a:srgbClr val="7F0055"/>
+                </a:solidFill>
+                <a:latin typeface="Consolas" panose="020B0609020204030204" pitchFamily="49" charset="0"/>
+              </a:rPr>
+              <a:t>public</a:t>
+            </a:r>
+            <a:r>
+              <a:rPr lang="en-US" sz="1800" b="1" dirty="0">
+                <a:solidFill>
+                  <a:srgbClr val="000000"/>
+                </a:solidFill>
+                <a:latin typeface="Consolas" panose="020B0609020204030204" pitchFamily="49" charset="0"/>
+              </a:rPr>
+              <a:t> </a:t>
+            </a:r>
+            <a:r>
+              <a:rPr lang="en-US" sz="1800" b="1" dirty="0">
+                <a:solidFill>
+                  <a:srgbClr val="7F0055"/>
+                </a:solidFill>
+                <a:latin typeface="Consolas" panose="020B0609020204030204" pitchFamily="49" charset="0"/>
+              </a:rPr>
+              <a:t>class</a:t>
+            </a:r>
+            <a:r>
+              <a:rPr lang="en-US" sz="1800" b="1" dirty="0">
+                <a:solidFill>
+                  <a:srgbClr val="000000"/>
+                </a:solidFill>
+                <a:latin typeface="Consolas" panose="020B0609020204030204" pitchFamily="49" charset="0"/>
+              </a:rPr>
+              <a:t> </a:t>
+            </a:r>
+            <a:r>
+              <a:rPr lang="en-US" sz="1800" b="1" dirty="0" err="1">
+                <a:solidFill>
+                  <a:srgbClr val="000000"/>
+                </a:solidFill>
+                <a:latin typeface="Consolas" panose="020B0609020204030204" pitchFamily="49" charset="0"/>
+              </a:rPr>
+              <a:t>EmployeeDAOImpl</a:t>
+            </a:r>
+            <a:r>
+              <a:rPr lang="en-US" sz="1800" b="1" dirty="0">
+                <a:solidFill>
+                  <a:srgbClr val="000000"/>
+                </a:solidFill>
+                <a:latin typeface="Consolas" panose="020B0609020204030204" pitchFamily="49" charset="0"/>
+              </a:rPr>
+              <a:t> </a:t>
+            </a:r>
+            <a:r>
+              <a:rPr lang="en-US" sz="1800" b="1" dirty="0">
+                <a:solidFill>
+                  <a:srgbClr val="7F0055"/>
+                </a:solidFill>
+                <a:latin typeface="Consolas" panose="020B0609020204030204" pitchFamily="49" charset="0"/>
+              </a:rPr>
+              <a:t>implements</a:t>
+            </a:r>
+            <a:r>
+              <a:rPr lang="en-US" sz="1800" b="1" dirty="0">
+                <a:solidFill>
+                  <a:srgbClr val="000000"/>
+                </a:solidFill>
+                <a:latin typeface="Consolas" panose="020B0609020204030204" pitchFamily="49" charset="0"/>
+              </a:rPr>
+              <a:t> </a:t>
+            </a:r>
+            <a:r>
+              <a:rPr lang="en-US" sz="1800" b="1" dirty="0" err="1">
+                <a:solidFill>
+                  <a:srgbClr val="000000"/>
+                </a:solidFill>
+                <a:latin typeface="Consolas" panose="020B0609020204030204" pitchFamily="49" charset="0"/>
+              </a:rPr>
+              <a:t>EmployeeDAO</a:t>
+            </a:r>
+            <a:r>
+              <a:rPr lang="en-US" sz="1800" b="1" dirty="0">
+                <a:solidFill>
+                  <a:srgbClr val="000000"/>
+                </a:solidFill>
+                <a:latin typeface="Consolas" panose="020B0609020204030204" pitchFamily="49" charset="0"/>
+              </a:rPr>
+              <a:t> {</a:t>
+            </a:r>
+          </a:p>
+          <a:p>
+            <a:pPr algn="l"/>
+            <a:endParaRPr lang="en-US" sz="1800" dirty="0">
+              <a:latin typeface="Consolas" panose="020B0609020204030204" pitchFamily="49" charset="0"/>
+            </a:endParaRPr>
+          </a:p>
+          <a:p>
+            <a:pPr algn="l"/>
+            <a:r>
+              <a:rPr lang="en-US" sz="1800" dirty="0">
+                <a:solidFill>
+                  <a:srgbClr val="3F7F5F"/>
+                </a:solidFill>
+                <a:latin typeface="Consolas" panose="020B0609020204030204" pitchFamily="49" charset="0"/>
+              </a:rPr>
+              <a:t>// other code...</a:t>
+            </a:r>
+          </a:p>
+          <a:p>
+            <a:pPr algn="l"/>
+            <a:endParaRPr lang="en-US" sz="1800" dirty="0">
+              <a:latin typeface="Consolas" panose="020B0609020204030204" pitchFamily="49" charset="0"/>
+            </a:endParaRPr>
+          </a:p>
+          <a:p>
+            <a:pPr algn="l"/>
+            <a:r>
+              <a:rPr lang="en-US" sz="1800" dirty="0">
+                <a:solidFill>
+                  <a:srgbClr val="646464"/>
+                </a:solidFill>
+                <a:latin typeface="Consolas" panose="020B0609020204030204" pitchFamily="49" charset="0"/>
+              </a:rPr>
+              <a:t>    @Override</a:t>
+            </a:r>
+          </a:p>
+          <a:p>
+            <a:pPr algn="l"/>
+            <a:r>
+              <a:rPr lang="en-US" sz="1800" b="1" dirty="0">
+                <a:solidFill>
+                  <a:srgbClr val="7F0055"/>
+                </a:solidFill>
+                <a:latin typeface="Consolas" panose="020B0609020204030204" pitchFamily="49" charset="0"/>
+              </a:rPr>
+              <a:t>    public</a:t>
+            </a:r>
+            <a:r>
+              <a:rPr lang="en-US" sz="1800" b="1" dirty="0">
+                <a:solidFill>
+                  <a:srgbClr val="000000"/>
+                </a:solidFill>
+                <a:latin typeface="Consolas" panose="020B0609020204030204" pitchFamily="49" charset="0"/>
+              </a:rPr>
+              <a:t> </a:t>
+            </a:r>
+            <a:r>
+              <a:rPr lang="en-US" sz="1800" b="1" dirty="0" err="1">
+                <a:solidFill>
+                  <a:srgbClr val="7F0055"/>
+                </a:solidFill>
+                <a:latin typeface="Consolas" panose="020B0609020204030204" pitchFamily="49" charset="0"/>
+              </a:rPr>
+              <a:t>boolean</a:t>
+            </a:r>
+            <a:r>
+              <a:rPr lang="en-US" sz="1800" b="1" dirty="0">
+                <a:solidFill>
+                  <a:srgbClr val="000000"/>
+                </a:solidFill>
+                <a:latin typeface="Consolas" panose="020B0609020204030204" pitchFamily="49" charset="0"/>
+              </a:rPr>
+              <a:t> </a:t>
+            </a:r>
+            <a:r>
+              <a:rPr lang="en-US" sz="1800" b="1" dirty="0" err="1">
+                <a:solidFill>
+                  <a:srgbClr val="000000"/>
+                </a:solidFill>
+                <a:latin typeface="Consolas" panose="020B0609020204030204" pitchFamily="49" charset="0"/>
+              </a:rPr>
+              <a:t>insertIntoEmployees</a:t>
+            </a:r>
+            <a:r>
+              <a:rPr lang="en-US" sz="1800" b="1" dirty="0">
+                <a:solidFill>
+                  <a:srgbClr val="000000"/>
+                </a:solidFill>
+                <a:latin typeface="Consolas" panose="020B0609020204030204" pitchFamily="49" charset="0"/>
+              </a:rPr>
+              <a:t>(Employee </a:t>
+            </a:r>
+            <a:r>
+              <a:rPr lang="en-US" sz="1800" b="1" dirty="0">
+                <a:solidFill>
+                  <a:srgbClr val="6A3E3E"/>
+                </a:solidFill>
+                <a:latin typeface="Consolas" panose="020B0609020204030204" pitchFamily="49" charset="0"/>
+              </a:rPr>
+              <a:t>emp</a:t>
+            </a:r>
+            <a:r>
+              <a:rPr lang="en-US" sz="1800" b="1" dirty="0">
+                <a:solidFill>
+                  <a:srgbClr val="000000"/>
+                </a:solidFill>
+                <a:latin typeface="Consolas" panose="020B0609020204030204" pitchFamily="49" charset="0"/>
+              </a:rPr>
+              <a:t>) {</a:t>
+            </a:r>
+          </a:p>
+          <a:p>
+            <a:pPr algn="l"/>
+            <a:r>
+              <a:rPr lang="en-US" sz="1800" dirty="0">
+                <a:solidFill>
+                  <a:srgbClr val="000000"/>
+                </a:solidFill>
+                <a:latin typeface="Consolas" panose="020B0609020204030204" pitchFamily="49" charset="0"/>
+              </a:rPr>
+              <a:t>        </a:t>
+            </a:r>
+            <a:r>
+              <a:rPr lang="en-US" sz="1800" dirty="0" err="1">
+                <a:solidFill>
+                  <a:srgbClr val="000000"/>
+                </a:solidFill>
+                <a:latin typeface="Consolas" panose="020B0609020204030204" pitchFamily="49" charset="0"/>
+              </a:rPr>
+              <a:t>PreparedStatement</a:t>
+            </a:r>
+            <a:r>
+              <a:rPr lang="en-US" sz="1800" dirty="0">
+                <a:solidFill>
+                  <a:srgbClr val="000000"/>
+                </a:solidFill>
+                <a:latin typeface="Consolas" panose="020B0609020204030204" pitchFamily="49" charset="0"/>
+              </a:rPr>
+              <a:t> </a:t>
+            </a:r>
+            <a:r>
+              <a:rPr lang="en-US" sz="1800" dirty="0" err="1">
+                <a:solidFill>
+                  <a:srgbClr val="6A3E3E"/>
+                </a:solidFill>
+                <a:latin typeface="Consolas" panose="020B0609020204030204" pitchFamily="49" charset="0"/>
+              </a:rPr>
+              <a:t>ps</a:t>
+            </a:r>
+            <a:r>
+              <a:rPr lang="en-US" sz="1800" dirty="0">
+                <a:solidFill>
+                  <a:srgbClr val="000000"/>
+                </a:solidFill>
+                <a:latin typeface="Consolas" panose="020B0609020204030204" pitchFamily="49" charset="0"/>
+              </a:rPr>
+              <a:t> = </a:t>
+            </a:r>
+            <a:r>
+              <a:rPr lang="en-US" sz="1800" b="1" dirty="0">
+                <a:solidFill>
+                  <a:srgbClr val="7F0055"/>
+                </a:solidFill>
+                <a:latin typeface="Consolas" panose="020B0609020204030204" pitchFamily="49" charset="0"/>
+              </a:rPr>
+              <a:t>null</a:t>
+            </a:r>
+            <a:r>
+              <a:rPr lang="en-US" sz="1800" b="1" dirty="0">
+                <a:solidFill>
+                  <a:srgbClr val="000000"/>
+                </a:solidFill>
+                <a:latin typeface="Consolas" panose="020B0609020204030204" pitchFamily="49" charset="0"/>
+              </a:rPr>
+              <a:t>;</a:t>
+            </a:r>
+          </a:p>
+          <a:p>
+            <a:pPr algn="l"/>
+            <a:endParaRPr lang="en-US" sz="1800" b="1" dirty="0">
+              <a:solidFill>
+                <a:srgbClr val="000000"/>
+              </a:solidFill>
+              <a:latin typeface="Consolas" panose="020B0609020204030204" pitchFamily="49" charset="0"/>
+            </a:endParaRPr>
+          </a:p>
+          <a:p>
+            <a:pPr algn="l"/>
+            <a:r>
+              <a:rPr lang="en-US" sz="1800" b="1" dirty="0">
+                <a:solidFill>
+                  <a:srgbClr val="7F0055"/>
+                </a:solidFill>
+                <a:latin typeface="Consolas" panose="020B0609020204030204" pitchFamily="49" charset="0"/>
+              </a:rPr>
+              <a:t>        try</a:t>
+            </a:r>
+            <a:r>
+              <a:rPr lang="en-US" sz="1800" b="1" dirty="0">
+                <a:solidFill>
+                  <a:srgbClr val="000000"/>
+                </a:solidFill>
+                <a:latin typeface="Consolas" panose="020B0609020204030204" pitchFamily="49" charset="0"/>
+              </a:rPr>
+              <a:t> (Connection </a:t>
+            </a:r>
+            <a:r>
+              <a:rPr lang="en-US" sz="1800" b="1" dirty="0">
+                <a:solidFill>
+                  <a:srgbClr val="6A3E3E"/>
+                </a:solidFill>
+                <a:latin typeface="Consolas" panose="020B0609020204030204" pitchFamily="49" charset="0"/>
+              </a:rPr>
+              <a:t>conn</a:t>
+            </a:r>
+            <a:r>
+              <a:rPr lang="en-US" sz="1800" b="1" dirty="0">
+                <a:solidFill>
+                  <a:srgbClr val="000000"/>
+                </a:solidFill>
+                <a:latin typeface="Consolas" panose="020B0609020204030204" pitchFamily="49" charset="0"/>
+              </a:rPr>
+              <a:t> = </a:t>
+            </a:r>
+            <a:r>
+              <a:rPr lang="en-US" sz="1800" b="1" dirty="0" err="1">
+                <a:solidFill>
+                  <a:srgbClr val="000000"/>
+                </a:solidFill>
+                <a:latin typeface="Consolas" panose="020B0609020204030204" pitchFamily="49" charset="0"/>
+              </a:rPr>
+              <a:t>ConnectionUtil.</a:t>
+            </a:r>
+            <a:r>
+              <a:rPr lang="en-US" sz="1800" b="1" i="1" dirty="0" err="1">
+                <a:solidFill>
+                  <a:srgbClr val="000000"/>
+                </a:solidFill>
+                <a:latin typeface="Consolas" panose="020B0609020204030204" pitchFamily="49" charset="0"/>
+              </a:rPr>
+              <a:t>getConnection</a:t>
+            </a:r>
+            <a:r>
+              <a:rPr lang="en-US" sz="1800" b="1" i="1" dirty="0">
+                <a:solidFill>
+                  <a:srgbClr val="000000"/>
+                </a:solidFill>
+                <a:latin typeface="Consolas" panose="020B0609020204030204" pitchFamily="49" charset="0"/>
+              </a:rPr>
+              <a:t>()) {</a:t>
+            </a:r>
+            <a:endParaRPr lang="en-US" sz="1800" dirty="0">
+              <a:latin typeface="Consolas" panose="020B0609020204030204" pitchFamily="49" charset="0"/>
+            </a:endParaRPr>
+          </a:p>
+          <a:p>
+            <a:pPr algn="l"/>
+            <a:r>
+              <a:rPr lang="en-US" sz="1800" dirty="0">
+                <a:solidFill>
+                  <a:srgbClr val="000000"/>
+                </a:solidFill>
+                <a:latin typeface="Consolas" panose="020B0609020204030204" pitchFamily="49" charset="0"/>
+              </a:rPr>
+              <a:t>            String </a:t>
+            </a:r>
+            <a:r>
+              <a:rPr lang="en-US" sz="1800" dirty="0">
+                <a:solidFill>
+                  <a:srgbClr val="6A3E3E"/>
+                </a:solidFill>
+                <a:latin typeface="Consolas" panose="020B0609020204030204" pitchFamily="49" charset="0"/>
+              </a:rPr>
+              <a:t>query</a:t>
+            </a:r>
+            <a:r>
+              <a:rPr lang="en-US" sz="1800" dirty="0">
+                <a:solidFill>
+                  <a:srgbClr val="000000"/>
+                </a:solidFill>
+                <a:latin typeface="Consolas" panose="020B0609020204030204" pitchFamily="49" charset="0"/>
+              </a:rPr>
+              <a:t> = </a:t>
+            </a:r>
+            <a:r>
+              <a:rPr lang="en-US" sz="1800" dirty="0">
+                <a:solidFill>
+                  <a:srgbClr val="2A00FF"/>
+                </a:solidFill>
+                <a:latin typeface="Consolas" panose="020B0609020204030204" pitchFamily="49" charset="0"/>
+              </a:rPr>
+              <a:t>"INSERT INTO </a:t>
+            </a:r>
+            <a:r>
+              <a:rPr lang="en-US" sz="1800" dirty="0" err="1">
+                <a:solidFill>
+                  <a:srgbClr val="2A00FF"/>
+                </a:solidFill>
+                <a:latin typeface="Consolas" panose="020B0609020204030204" pitchFamily="49" charset="0"/>
+              </a:rPr>
+              <a:t>bankapp.employees</a:t>
+            </a:r>
+            <a:r>
+              <a:rPr lang="en-US" sz="1800" dirty="0">
+                <a:solidFill>
+                  <a:srgbClr val="2A00FF"/>
+                </a:solidFill>
+                <a:latin typeface="Consolas" panose="020B0609020204030204" pitchFamily="49" charset="0"/>
+              </a:rPr>
+              <a:t> VALUES (NULL,?,?,?,?)"</a:t>
+            </a:r>
+            <a:r>
+              <a:rPr lang="en-US" sz="1800" dirty="0">
+                <a:solidFill>
+                  <a:srgbClr val="000000"/>
+                </a:solidFill>
+                <a:latin typeface="Consolas" panose="020B0609020204030204" pitchFamily="49" charset="0"/>
+              </a:rPr>
+              <a:t>;</a:t>
+            </a:r>
+          </a:p>
+          <a:p>
+            <a:pPr algn="l"/>
+            <a:r>
+              <a:rPr lang="en-US" sz="1800" dirty="0">
+                <a:solidFill>
+                  <a:srgbClr val="6A3E3E"/>
+                </a:solidFill>
+                <a:latin typeface="Consolas" panose="020B0609020204030204" pitchFamily="49" charset="0"/>
+              </a:rPr>
+              <a:t>            </a:t>
+            </a:r>
+            <a:r>
+              <a:rPr lang="en-US" sz="1800" dirty="0" err="1">
+                <a:solidFill>
+                  <a:srgbClr val="6A3E3E"/>
+                </a:solidFill>
+                <a:latin typeface="Consolas" panose="020B0609020204030204" pitchFamily="49" charset="0"/>
+              </a:rPr>
+              <a:t>ps</a:t>
+            </a:r>
+            <a:r>
+              <a:rPr lang="en-US" sz="1800" dirty="0">
+                <a:solidFill>
+                  <a:srgbClr val="000000"/>
+                </a:solidFill>
+                <a:latin typeface="Consolas" panose="020B0609020204030204" pitchFamily="49" charset="0"/>
+              </a:rPr>
+              <a:t> = </a:t>
+            </a:r>
+            <a:r>
+              <a:rPr lang="en-US" sz="1800" dirty="0" err="1">
+                <a:solidFill>
+                  <a:srgbClr val="6A3E3E"/>
+                </a:solidFill>
+                <a:latin typeface="Consolas" panose="020B0609020204030204" pitchFamily="49" charset="0"/>
+              </a:rPr>
+              <a:t>conn</a:t>
+            </a:r>
+            <a:r>
+              <a:rPr lang="en-US" sz="1800" dirty="0" err="1">
+                <a:solidFill>
+                  <a:srgbClr val="000000"/>
+                </a:solidFill>
+                <a:latin typeface="Consolas" panose="020B0609020204030204" pitchFamily="49" charset="0"/>
+              </a:rPr>
+              <a:t>.prepareStatement</a:t>
+            </a:r>
+            <a:r>
+              <a:rPr lang="en-US" sz="1800" dirty="0">
+                <a:solidFill>
+                  <a:srgbClr val="000000"/>
+                </a:solidFill>
+                <a:latin typeface="Consolas" panose="020B0609020204030204" pitchFamily="49" charset="0"/>
+              </a:rPr>
+              <a:t>(</a:t>
+            </a:r>
+            <a:r>
+              <a:rPr lang="en-US" sz="1800" dirty="0">
+                <a:solidFill>
+                  <a:srgbClr val="6A3E3E"/>
+                </a:solidFill>
+                <a:latin typeface="Consolas" panose="020B0609020204030204" pitchFamily="49" charset="0"/>
+              </a:rPr>
+              <a:t>query</a:t>
+            </a:r>
+            <a:r>
+              <a:rPr lang="en-US" sz="1800" dirty="0">
+                <a:solidFill>
+                  <a:srgbClr val="000000"/>
+                </a:solidFill>
+                <a:latin typeface="Consolas" panose="020B0609020204030204" pitchFamily="49" charset="0"/>
+              </a:rPr>
+              <a:t>);</a:t>
+            </a:r>
+          </a:p>
+          <a:p>
+            <a:pPr algn="l"/>
+            <a:endParaRPr lang="en-US" sz="1800" dirty="0">
+              <a:latin typeface="Consolas" panose="020B0609020204030204" pitchFamily="49" charset="0"/>
+            </a:endParaRPr>
+          </a:p>
+          <a:p>
+            <a:pPr algn="l"/>
+            <a:r>
+              <a:rPr lang="nl-NL" sz="1800" dirty="0">
+                <a:solidFill>
+                  <a:srgbClr val="6A3E3E"/>
+                </a:solidFill>
+                <a:latin typeface="Consolas" panose="020B0609020204030204" pitchFamily="49" charset="0"/>
+              </a:rPr>
+              <a:t>            ps</a:t>
+            </a:r>
+            <a:r>
+              <a:rPr lang="nl-NL" sz="1800" dirty="0">
+                <a:solidFill>
+                  <a:srgbClr val="000000"/>
+                </a:solidFill>
+                <a:latin typeface="Consolas" panose="020B0609020204030204" pitchFamily="49" charset="0"/>
+              </a:rPr>
+              <a:t>.setString(1, </a:t>
+            </a:r>
+            <a:r>
+              <a:rPr lang="nl-NL" sz="1800" dirty="0">
+                <a:solidFill>
+                  <a:srgbClr val="6A3E3E"/>
+                </a:solidFill>
+                <a:latin typeface="Consolas" panose="020B0609020204030204" pitchFamily="49" charset="0"/>
+              </a:rPr>
+              <a:t>emp</a:t>
+            </a:r>
+            <a:r>
+              <a:rPr lang="nl-NL" sz="1800" dirty="0">
+                <a:solidFill>
+                  <a:srgbClr val="000000"/>
+                </a:solidFill>
+                <a:latin typeface="Consolas" panose="020B0609020204030204" pitchFamily="49" charset="0"/>
+              </a:rPr>
+              <a:t>.getEmp_name());</a:t>
+            </a:r>
+          </a:p>
+          <a:p>
+            <a:pPr algn="l"/>
+            <a:r>
+              <a:rPr lang="en-US" sz="1800" dirty="0">
+                <a:solidFill>
+                  <a:srgbClr val="6A3E3E"/>
+                </a:solidFill>
+                <a:latin typeface="Consolas" panose="020B0609020204030204" pitchFamily="49" charset="0"/>
+              </a:rPr>
+              <a:t>            </a:t>
+            </a:r>
+            <a:r>
+              <a:rPr lang="en-US" sz="1800" dirty="0" err="1">
+                <a:solidFill>
+                  <a:srgbClr val="6A3E3E"/>
+                </a:solidFill>
+                <a:latin typeface="Consolas" panose="020B0609020204030204" pitchFamily="49" charset="0"/>
+              </a:rPr>
+              <a:t>ps</a:t>
+            </a:r>
+            <a:r>
+              <a:rPr lang="en-US" sz="1800" dirty="0" err="1">
+                <a:solidFill>
+                  <a:srgbClr val="000000"/>
+                </a:solidFill>
+                <a:latin typeface="Consolas" panose="020B0609020204030204" pitchFamily="49" charset="0"/>
+              </a:rPr>
+              <a:t>.setString</a:t>
+            </a:r>
+            <a:r>
+              <a:rPr lang="en-US" sz="1800" dirty="0">
+                <a:solidFill>
+                  <a:srgbClr val="000000"/>
+                </a:solidFill>
+                <a:latin typeface="Consolas" panose="020B0609020204030204" pitchFamily="49" charset="0"/>
+              </a:rPr>
+              <a:t>(2, </a:t>
+            </a:r>
+            <a:r>
+              <a:rPr lang="en-US" sz="1800" dirty="0" err="1">
+                <a:solidFill>
+                  <a:srgbClr val="6A3E3E"/>
+                </a:solidFill>
+                <a:latin typeface="Consolas" panose="020B0609020204030204" pitchFamily="49" charset="0"/>
+              </a:rPr>
+              <a:t>emp</a:t>
+            </a:r>
+            <a:r>
+              <a:rPr lang="en-US" sz="1800" dirty="0" err="1">
+                <a:solidFill>
+                  <a:srgbClr val="000000"/>
+                </a:solidFill>
+                <a:latin typeface="Consolas" panose="020B0609020204030204" pitchFamily="49" charset="0"/>
+              </a:rPr>
+              <a:t>.getEmp_title</a:t>
+            </a:r>
+            <a:r>
+              <a:rPr lang="en-US" sz="1800" dirty="0">
+                <a:solidFill>
+                  <a:srgbClr val="000000"/>
+                </a:solidFill>
+                <a:latin typeface="Consolas" panose="020B0609020204030204" pitchFamily="49" charset="0"/>
+              </a:rPr>
+              <a:t>());</a:t>
+            </a:r>
+          </a:p>
+          <a:p>
+            <a:pPr algn="l"/>
+            <a:r>
+              <a:rPr lang="en-US" sz="1800" dirty="0">
+                <a:solidFill>
+                  <a:srgbClr val="6A3E3E"/>
+                </a:solidFill>
+                <a:latin typeface="Consolas" panose="020B0609020204030204" pitchFamily="49" charset="0"/>
+              </a:rPr>
+              <a:t>            </a:t>
+            </a:r>
+            <a:r>
+              <a:rPr lang="en-US" sz="1800" dirty="0" err="1">
+                <a:solidFill>
+                  <a:srgbClr val="6A3E3E"/>
+                </a:solidFill>
+                <a:latin typeface="Consolas" panose="020B0609020204030204" pitchFamily="49" charset="0"/>
+              </a:rPr>
+              <a:t>ps</a:t>
+            </a:r>
+            <a:r>
+              <a:rPr lang="en-US" sz="1800" dirty="0" err="1">
+                <a:solidFill>
+                  <a:srgbClr val="000000"/>
+                </a:solidFill>
+                <a:latin typeface="Consolas" panose="020B0609020204030204" pitchFamily="49" charset="0"/>
+              </a:rPr>
+              <a:t>.setDouble</a:t>
+            </a:r>
+            <a:r>
+              <a:rPr lang="en-US" sz="1800" dirty="0">
+                <a:solidFill>
+                  <a:srgbClr val="000000"/>
+                </a:solidFill>
+                <a:latin typeface="Consolas" panose="020B0609020204030204" pitchFamily="49" charset="0"/>
+              </a:rPr>
+              <a:t>(3, </a:t>
+            </a:r>
+            <a:r>
+              <a:rPr lang="en-US" sz="1800" dirty="0" err="1">
+                <a:solidFill>
+                  <a:srgbClr val="6A3E3E"/>
+                </a:solidFill>
+                <a:latin typeface="Consolas" panose="020B0609020204030204" pitchFamily="49" charset="0"/>
+              </a:rPr>
+              <a:t>emp</a:t>
+            </a:r>
+            <a:r>
+              <a:rPr lang="en-US" sz="1800" dirty="0" err="1">
+                <a:solidFill>
+                  <a:srgbClr val="000000"/>
+                </a:solidFill>
+                <a:latin typeface="Consolas" panose="020B0609020204030204" pitchFamily="49" charset="0"/>
+              </a:rPr>
+              <a:t>.getEmp_salary</a:t>
+            </a:r>
+            <a:r>
+              <a:rPr lang="en-US" sz="1800" dirty="0">
+                <a:solidFill>
+                  <a:srgbClr val="000000"/>
+                </a:solidFill>
+                <a:latin typeface="Consolas" panose="020B0609020204030204" pitchFamily="49" charset="0"/>
+              </a:rPr>
+              <a:t>());</a:t>
+            </a:r>
+          </a:p>
+          <a:p>
+            <a:pPr algn="l"/>
+            <a:r>
+              <a:rPr lang="en-US" sz="1800" dirty="0">
+                <a:solidFill>
+                  <a:srgbClr val="6A3E3E"/>
+                </a:solidFill>
+                <a:latin typeface="Consolas" panose="020B0609020204030204" pitchFamily="49" charset="0"/>
+              </a:rPr>
+              <a:t>            </a:t>
+            </a:r>
+            <a:r>
+              <a:rPr lang="en-US" sz="1800" dirty="0" err="1">
+                <a:solidFill>
+                  <a:srgbClr val="6A3E3E"/>
+                </a:solidFill>
+                <a:latin typeface="Consolas" panose="020B0609020204030204" pitchFamily="49" charset="0"/>
+              </a:rPr>
+              <a:t>ps</a:t>
+            </a:r>
+            <a:r>
+              <a:rPr lang="en-US" sz="1800" dirty="0" err="1">
+                <a:solidFill>
+                  <a:srgbClr val="000000"/>
+                </a:solidFill>
+                <a:latin typeface="Consolas" panose="020B0609020204030204" pitchFamily="49" charset="0"/>
+              </a:rPr>
+              <a:t>.setInt</a:t>
+            </a:r>
+            <a:r>
+              <a:rPr lang="en-US" sz="1800" dirty="0">
+                <a:solidFill>
+                  <a:srgbClr val="000000"/>
+                </a:solidFill>
+                <a:latin typeface="Consolas" panose="020B0609020204030204" pitchFamily="49" charset="0"/>
+              </a:rPr>
+              <a:t>(4, </a:t>
+            </a:r>
+            <a:r>
+              <a:rPr lang="en-US" sz="1800" dirty="0" err="1">
+                <a:solidFill>
+                  <a:srgbClr val="6A3E3E"/>
+                </a:solidFill>
+                <a:latin typeface="Consolas" panose="020B0609020204030204" pitchFamily="49" charset="0"/>
+              </a:rPr>
+              <a:t>emp</a:t>
+            </a:r>
+            <a:r>
+              <a:rPr lang="en-US" sz="1800" dirty="0" err="1">
+                <a:solidFill>
+                  <a:srgbClr val="000000"/>
+                </a:solidFill>
+                <a:latin typeface="Consolas" panose="020B0609020204030204" pitchFamily="49" charset="0"/>
+              </a:rPr>
+              <a:t>.getLogin_id</a:t>
+            </a:r>
+            <a:r>
+              <a:rPr lang="en-US" sz="1800" dirty="0">
+                <a:solidFill>
+                  <a:srgbClr val="000000"/>
+                </a:solidFill>
+                <a:latin typeface="Consolas" panose="020B0609020204030204" pitchFamily="49" charset="0"/>
+              </a:rPr>
+              <a:t>());</a:t>
+            </a:r>
+          </a:p>
+          <a:p>
+            <a:pPr algn="l"/>
+            <a:endParaRPr lang="en-US" sz="1800" dirty="0">
+              <a:latin typeface="Consolas" panose="020B0609020204030204" pitchFamily="49" charset="0"/>
+            </a:endParaRPr>
+          </a:p>
+          <a:p>
+            <a:pPr algn="l"/>
+            <a:r>
+              <a:rPr lang="en-US" sz="1800" dirty="0">
+                <a:solidFill>
+                  <a:srgbClr val="6A3E3E"/>
+                </a:solidFill>
+                <a:latin typeface="Consolas" panose="020B0609020204030204" pitchFamily="49" charset="0"/>
+              </a:rPr>
+              <a:t>            </a:t>
+            </a:r>
+            <a:r>
+              <a:rPr lang="en-US" sz="1800" dirty="0" err="1">
+                <a:solidFill>
+                  <a:srgbClr val="6A3E3E"/>
+                </a:solidFill>
+                <a:latin typeface="Consolas" panose="020B0609020204030204" pitchFamily="49" charset="0"/>
+              </a:rPr>
+              <a:t>ps</a:t>
+            </a:r>
+            <a:r>
+              <a:rPr lang="en-US" sz="1800" dirty="0" err="1">
+                <a:solidFill>
+                  <a:srgbClr val="000000"/>
+                </a:solidFill>
+                <a:latin typeface="Consolas" panose="020B0609020204030204" pitchFamily="49" charset="0"/>
+              </a:rPr>
+              <a:t>.executeUpdate</a:t>
+            </a:r>
+            <a:r>
+              <a:rPr lang="en-US" sz="1800" dirty="0">
+                <a:solidFill>
+                  <a:srgbClr val="000000"/>
+                </a:solidFill>
+                <a:latin typeface="Consolas" panose="020B0609020204030204" pitchFamily="49" charset="0"/>
+              </a:rPr>
+              <a:t>();</a:t>
+            </a:r>
+          </a:p>
+          <a:p>
+            <a:pPr algn="l"/>
+            <a:endParaRPr lang="en-US" sz="1800" dirty="0">
+              <a:latin typeface="Consolas" panose="020B0609020204030204" pitchFamily="49" charset="0"/>
+            </a:endParaRPr>
+          </a:p>
+          <a:p>
+            <a:pPr algn="l"/>
+            <a:r>
+              <a:rPr lang="en-US" sz="1800" dirty="0">
+                <a:solidFill>
+                  <a:srgbClr val="000000"/>
+                </a:solidFill>
+                <a:latin typeface="Consolas" panose="020B0609020204030204" pitchFamily="49" charset="0"/>
+              </a:rPr>
+              <a:t>        } </a:t>
+            </a:r>
+            <a:r>
+              <a:rPr lang="en-US" sz="1800" b="1" dirty="0">
+                <a:solidFill>
+                  <a:srgbClr val="7F0055"/>
+                </a:solidFill>
+                <a:latin typeface="Consolas" panose="020B0609020204030204" pitchFamily="49" charset="0"/>
+              </a:rPr>
+              <a:t>catch</a:t>
+            </a:r>
+            <a:r>
+              <a:rPr lang="en-US" sz="1800" b="1" dirty="0">
+                <a:solidFill>
+                  <a:srgbClr val="000000"/>
+                </a:solidFill>
+                <a:latin typeface="Consolas" panose="020B0609020204030204" pitchFamily="49" charset="0"/>
+              </a:rPr>
+              <a:t> (</a:t>
+            </a:r>
+            <a:r>
+              <a:rPr lang="en-US" sz="1800" b="1" dirty="0" err="1">
+                <a:solidFill>
+                  <a:srgbClr val="000000"/>
+                </a:solidFill>
+                <a:latin typeface="Consolas" panose="020B0609020204030204" pitchFamily="49" charset="0"/>
+              </a:rPr>
+              <a:t>SQLException</a:t>
+            </a:r>
+            <a:r>
+              <a:rPr lang="en-US" sz="1800" b="1" dirty="0">
+                <a:solidFill>
+                  <a:srgbClr val="000000"/>
+                </a:solidFill>
+                <a:latin typeface="Consolas" panose="020B0609020204030204" pitchFamily="49" charset="0"/>
+              </a:rPr>
+              <a:t> </a:t>
+            </a:r>
+            <a:r>
+              <a:rPr lang="en-US" sz="1800" b="1" dirty="0">
+                <a:solidFill>
+                  <a:srgbClr val="6A3E3E"/>
+                </a:solidFill>
+                <a:latin typeface="Consolas" panose="020B0609020204030204" pitchFamily="49" charset="0"/>
+              </a:rPr>
+              <a:t>e</a:t>
+            </a:r>
+            <a:r>
+              <a:rPr lang="en-US" sz="1800" b="1" dirty="0">
+                <a:solidFill>
+                  <a:srgbClr val="000000"/>
+                </a:solidFill>
+                <a:latin typeface="Consolas" panose="020B0609020204030204" pitchFamily="49" charset="0"/>
+              </a:rPr>
+              <a:t>) {</a:t>
+            </a:r>
+          </a:p>
+          <a:p>
+            <a:pPr algn="l"/>
+            <a:r>
+              <a:rPr lang="en-US" sz="1800" dirty="0">
+                <a:solidFill>
+                  <a:srgbClr val="3F7F5F"/>
+                </a:solidFill>
+                <a:latin typeface="Consolas" panose="020B0609020204030204" pitchFamily="49" charset="0"/>
+              </a:rPr>
+              <a:t>            // </a:t>
+            </a:r>
+            <a:r>
+              <a:rPr lang="en-US" sz="1800" b="1" dirty="0">
+                <a:solidFill>
+                  <a:srgbClr val="7F9FBF"/>
+                </a:solidFill>
+                <a:latin typeface="Consolas" panose="020B0609020204030204" pitchFamily="49" charset="0"/>
+              </a:rPr>
+              <a:t>TODO</a:t>
+            </a:r>
+            <a:r>
+              <a:rPr lang="en-US" sz="1800" b="1" dirty="0">
+                <a:solidFill>
+                  <a:srgbClr val="3F7F5F"/>
+                </a:solidFill>
+                <a:latin typeface="Consolas" panose="020B0609020204030204" pitchFamily="49" charset="0"/>
+              </a:rPr>
+              <a:t> Auto-generated catch block</a:t>
+            </a:r>
+          </a:p>
+          <a:p>
+            <a:pPr algn="l"/>
+            <a:r>
+              <a:rPr lang="en-US" sz="1800" dirty="0">
+                <a:solidFill>
+                  <a:srgbClr val="6A3E3E"/>
+                </a:solidFill>
+                <a:latin typeface="Consolas" panose="020B0609020204030204" pitchFamily="49" charset="0"/>
+              </a:rPr>
+              <a:t>            </a:t>
+            </a:r>
+            <a:r>
+              <a:rPr lang="en-US" sz="1800" dirty="0" err="1">
+                <a:solidFill>
+                  <a:srgbClr val="6A3E3E"/>
+                </a:solidFill>
+                <a:latin typeface="Consolas" panose="020B0609020204030204" pitchFamily="49" charset="0"/>
+              </a:rPr>
+              <a:t>e</a:t>
+            </a:r>
+            <a:r>
+              <a:rPr lang="en-US" sz="1800" dirty="0" err="1">
+                <a:solidFill>
+                  <a:srgbClr val="000000"/>
+                </a:solidFill>
+                <a:latin typeface="Consolas" panose="020B0609020204030204" pitchFamily="49" charset="0"/>
+              </a:rPr>
+              <a:t>.printStackTrace</a:t>
+            </a:r>
+            <a:r>
+              <a:rPr lang="en-US" sz="1800" dirty="0">
+                <a:solidFill>
+                  <a:srgbClr val="000000"/>
+                </a:solidFill>
+                <a:latin typeface="Consolas" panose="020B0609020204030204" pitchFamily="49" charset="0"/>
+              </a:rPr>
+              <a:t>();</a:t>
+            </a:r>
+          </a:p>
+          <a:p>
+            <a:pPr algn="l"/>
+            <a:r>
+              <a:rPr lang="en-US" sz="1800" b="1" dirty="0">
+                <a:solidFill>
+                  <a:srgbClr val="7F0055"/>
+                </a:solidFill>
+                <a:latin typeface="Consolas" panose="020B0609020204030204" pitchFamily="49" charset="0"/>
+              </a:rPr>
+              <a:t>            return</a:t>
+            </a:r>
+            <a:r>
+              <a:rPr lang="en-US" sz="1800" b="1" dirty="0">
+                <a:solidFill>
+                  <a:srgbClr val="000000"/>
+                </a:solidFill>
+                <a:latin typeface="Consolas" panose="020B0609020204030204" pitchFamily="49" charset="0"/>
+              </a:rPr>
+              <a:t> </a:t>
+            </a:r>
+            <a:r>
+              <a:rPr lang="en-US" sz="1800" b="1" dirty="0">
+                <a:solidFill>
+                  <a:srgbClr val="7F0055"/>
+                </a:solidFill>
+                <a:latin typeface="Consolas" panose="020B0609020204030204" pitchFamily="49" charset="0"/>
+              </a:rPr>
+              <a:t>false</a:t>
+            </a:r>
+            <a:r>
+              <a:rPr lang="en-US" sz="1800" b="1" dirty="0">
+                <a:solidFill>
+                  <a:srgbClr val="000000"/>
+                </a:solidFill>
+                <a:latin typeface="Consolas" panose="020B0609020204030204" pitchFamily="49" charset="0"/>
+              </a:rPr>
+              <a:t>;</a:t>
+            </a:r>
+          </a:p>
+          <a:p>
+            <a:pPr algn="l"/>
+            <a:r>
+              <a:rPr lang="en-US" sz="1800" dirty="0">
+                <a:solidFill>
+                  <a:srgbClr val="000000"/>
+                </a:solidFill>
+                <a:latin typeface="Consolas" panose="020B0609020204030204" pitchFamily="49" charset="0"/>
+              </a:rPr>
+              <a:t>        }</a:t>
+            </a:r>
+          </a:p>
+          <a:p>
+            <a:pPr algn="l"/>
+            <a:endParaRPr lang="en-US" sz="1800" dirty="0">
+              <a:latin typeface="Consolas" panose="020B0609020204030204" pitchFamily="49" charset="0"/>
+            </a:endParaRPr>
+          </a:p>
+          <a:p>
+            <a:pPr algn="l"/>
+            <a:r>
+              <a:rPr lang="en-US" sz="1800" b="1" dirty="0">
+                <a:solidFill>
+                  <a:srgbClr val="7F0055"/>
+                </a:solidFill>
+                <a:latin typeface="Consolas" panose="020B0609020204030204" pitchFamily="49" charset="0"/>
+              </a:rPr>
+              <a:t>        return</a:t>
+            </a:r>
+            <a:r>
+              <a:rPr lang="en-US" sz="1800" b="1" dirty="0">
+                <a:solidFill>
+                  <a:srgbClr val="000000"/>
+                </a:solidFill>
+                <a:latin typeface="Consolas" panose="020B0609020204030204" pitchFamily="49" charset="0"/>
+              </a:rPr>
+              <a:t> </a:t>
+            </a:r>
+            <a:r>
+              <a:rPr lang="en-US" sz="1800" b="1" dirty="0">
+                <a:solidFill>
+                  <a:srgbClr val="7F0055"/>
+                </a:solidFill>
+                <a:latin typeface="Consolas" panose="020B0609020204030204" pitchFamily="49" charset="0"/>
+              </a:rPr>
+              <a:t>true</a:t>
+            </a:r>
+            <a:r>
+              <a:rPr lang="en-US" sz="1800" b="1" dirty="0">
+                <a:solidFill>
+                  <a:srgbClr val="000000"/>
+                </a:solidFill>
+                <a:latin typeface="Consolas" panose="020B0609020204030204" pitchFamily="49" charset="0"/>
+              </a:rPr>
+              <a:t>;</a:t>
+            </a:r>
+          </a:p>
+          <a:p>
+            <a:pPr algn="l"/>
+            <a:r>
+              <a:rPr lang="en-US" sz="1800" dirty="0">
+                <a:solidFill>
+                  <a:srgbClr val="000000"/>
+                </a:solidFill>
+                <a:latin typeface="Consolas" panose="020B0609020204030204" pitchFamily="49" charset="0"/>
+              </a:rPr>
+              <a:t>    }</a:t>
+            </a:r>
+          </a:p>
+          <a:p>
+            <a:pPr algn="l"/>
+            <a:endParaRPr lang="en-US" sz="1800" dirty="0">
+              <a:latin typeface="Consolas" panose="020B0609020204030204" pitchFamily="49" charset="0"/>
+            </a:endParaRPr>
+          </a:p>
+          <a:p>
+            <a:pPr algn="l"/>
+            <a:r>
+              <a:rPr lang="en-US" sz="1800" dirty="0">
+                <a:solidFill>
+                  <a:srgbClr val="3F7F5F"/>
+                </a:solidFill>
+                <a:latin typeface="Consolas" panose="020B0609020204030204" pitchFamily="49" charset="0"/>
+              </a:rPr>
+              <a:t>// other code...</a:t>
+            </a:r>
+            <a:endParaRPr lang="en-US" sz="1800" dirty="0">
+              <a:solidFill>
+                <a:srgbClr val="000000"/>
+              </a:solidFill>
+              <a:latin typeface="Consolas" panose="020B0609020204030204" pitchFamily="49" charset="0"/>
+            </a:endParaRPr>
+          </a:p>
+          <a:p>
+            <a:pPr algn="l"/>
+            <a:r>
+              <a:rPr lang="en-US" sz="1800" dirty="0">
+                <a:solidFill>
+                  <a:srgbClr val="000000"/>
+                </a:solidFill>
+                <a:latin typeface="Consolas" panose="020B0609020204030204" pitchFamily="49" charset="0"/>
+              </a:rPr>
+              <a:t>}</a:t>
+            </a:r>
+            <a:endParaRPr lang="en-US" sz="2000" dirty="0">
+              <a:latin typeface="+mj-lt"/>
+              <a:cs typeface="Courier New" panose="02070309020205020404" pitchFamily="49" charset="0"/>
+            </a:endParaRPr>
+          </a:p>
+        </p:txBody>
+      </p:sp>
+    </p:spTree>
+    <p:extLst>
+      <p:ext uri="{BB962C8B-B14F-4D97-AF65-F5344CB8AC3E}">
+        <p14:creationId xmlns:p14="http://schemas.microsoft.com/office/powerpoint/2010/main" val="1470731132"/>
+      </p:ext>
+    </p:extLst>
+  </p:cSld>
+  <p:clrMapOvr>
+    <a:masterClrMapping/>
+  </p:clrMapOvr>
+</p:sld>
+</file>
+
+<file path=ppt/slides/slide11.xml><?xml version="1.0" encoding="utf-8"?>
+<p:sld xmlns:a="http://schemas.openxmlformats.org/drawingml/2006/main" xmlns:r="http://schemas.openxmlformats.org/officeDocument/2006/relationships" xmlns:p="http://schemas.openxmlformats.org/presentationml/2006/main">
+  <p:cSld>
+    <p:spTree>
+      <p:nvGrpSpPr>
+        <p:cNvPr id="1" name=""/>
+        <p:cNvGrpSpPr/>
+        <p:nvPr/>
+      </p:nvGrpSpPr>
+      <p:grpSpPr>
+        <a:xfrm>
+          <a:off x="0" y="0"/>
+          <a:ext cx="0" cy="0"/>
+          <a:chOff x="0" y="0"/>
+          <a:chExt cx="0" cy="0"/>
+        </a:xfrm>
+      </p:grpSpPr>
+      <p:sp>
+        <p:nvSpPr>
+          <p:cNvPr id="2" name="Title 1">
+            <a:extLst>
+              <a:ext uri="{FF2B5EF4-FFF2-40B4-BE49-F238E27FC236}">
+                <a16:creationId xmlns:a16="http://schemas.microsoft.com/office/drawing/2014/main" id="{03BFDB46-CB77-43BD-8935-38A4C3F6FA6B}"/>
+              </a:ext>
+            </a:extLst>
+          </p:cNvPr>
+          <p:cNvSpPr>
+            <a:spLocks noGrp="1"/>
+          </p:cNvSpPr>
+          <p:nvPr>
+            <p:ph type="title"/>
+          </p:nvPr>
+        </p:nvSpPr>
+        <p:spPr/>
+        <p:txBody>
+          <a:bodyPr/>
+          <a:lstStyle/>
+          <a:p>
+            <a:r>
+              <a:rPr lang="en-US" dirty="0"/>
+              <a:t>DAO Implementation – Find (select)</a:t>
+            </a:r>
+          </a:p>
+        </p:txBody>
+      </p:sp>
+      <p:sp>
+        <p:nvSpPr>
+          <p:cNvPr id="4" name="Slide Number Placeholder 3">
+            <a:extLst>
+              <a:ext uri="{FF2B5EF4-FFF2-40B4-BE49-F238E27FC236}">
+                <a16:creationId xmlns:a16="http://schemas.microsoft.com/office/drawing/2014/main" id="{9B226E6F-12C5-41EC-BF9D-EAF162B65B12}"/>
+              </a:ext>
+            </a:extLst>
+          </p:cNvPr>
+          <p:cNvSpPr>
+            <a:spLocks noGrp="1"/>
+          </p:cNvSpPr>
+          <p:nvPr>
+            <p:ph type="sldNum" idx="12"/>
+          </p:nvPr>
+        </p:nvSpPr>
+        <p:spPr/>
+        <p:txBody>
+          <a:bodyPr/>
+          <a:lstStyle/>
+          <a:p>
+            <a:pPr marL="0" lvl="0" indent="0" algn="r" rtl="0">
+              <a:spcBef>
+                <a:spcPts val="0"/>
+              </a:spcBef>
+              <a:spcAft>
+                <a:spcPts val="0"/>
+              </a:spcAft>
+              <a:buNone/>
+            </a:pPr>
+            <a:fld id="{00000000-1234-1234-1234-123412341234}" type="slidenum">
+              <a:rPr lang="en-US" smtClean="0"/>
+              <a:t>10</a:t>
+            </a:fld>
+            <a:endParaRPr lang="en-US"/>
+          </a:p>
+        </p:txBody>
+      </p:sp>
+      <p:sp>
+        <p:nvSpPr>
+          <p:cNvPr id="5" name="Rectangle 4">
+            <a:extLst>
+              <a:ext uri="{FF2B5EF4-FFF2-40B4-BE49-F238E27FC236}">
+                <a16:creationId xmlns:a16="http://schemas.microsoft.com/office/drawing/2014/main" id="{A82A11AC-4036-4F2B-957E-7FF331372FA4}"/>
+              </a:ext>
+            </a:extLst>
+          </p:cNvPr>
+          <p:cNvSpPr/>
+          <p:nvPr/>
+        </p:nvSpPr>
+        <p:spPr>
+          <a:xfrm>
+            <a:off x="589722" y="1401762"/>
+            <a:ext cx="7964555" cy="5327075"/>
+          </a:xfrm>
+          <a:prstGeom prst="rect">
+            <a:avLst/>
+          </a:prstGeom>
+        </p:spPr>
+        <p:style>
+          <a:lnRef idx="1">
+            <a:schemeClr val="accent2"/>
+          </a:lnRef>
+          <a:fillRef idx="2">
+            <a:schemeClr val="accent2"/>
+          </a:fillRef>
+          <a:effectRef idx="1">
+            <a:schemeClr val="accent2"/>
+          </a:effectRef>
+          <a:fontRef idx="minor">
+            <a:schemeClr val="dk1"/>
+          </a:fontRef>
+        </p:style>
+        <p:txBody>
+          <a:bodyPr rtlCol="0" anchor="ctr">
+            <a:normAutofit fontScale="62500" lnSpcReduction="20000"/>
+          </a:bodyPr>
+          <a:lstStyle/>
+          <a:p>
+            <a:pPr algn="l"/>
+            <a:r>
+              <a:rPr lang="en-US" sz="1800" b="1" dirty="0">
+                <a:solidFill>
+                  <a:srgbClr val="7F0055"/>
+                </a:solidFill>
+                <a:latin typeface="Consolas" panose="020B0609020204030204" pitchFamily="49" charset="0"/>
+              </a:rPr>
+              <a:t>public</a:t>
+            </a:r>
+            <a:r>
+              <a:rPr lang="en-US" sz="1800" b="1" dirty="0">
+                <a:solidFill>
+                  <a:srgbClr val="000000"/>
+                </a:solidFill>
+                <a:latin typeface="Consolas" panose="020B0609020204030204" pitchFamily="49" charset="0"/>
+              </a:rPr>
+              <a:t> </a:t>
+            </a:r>
+            <a:r>
+              <a:rPr lang="en-US" sz="1800" b="1" dirty="0">
+                <a:solidFill>
+                  <a:srgbClr val="7F0055"/>
+                </a:solidFill>
+                <a:latin typeface="Consolas" panose="020B0609020204030204" pitchFamily="49" charset="0"/>
+              </a:rPr>
+              <a:t>class</a:t>
+            </a:r>
+            <a:r>
+              <a:rPr lang="en-US" sz="1800" b="1" dirty="0">
+                <a:solidFill>
+                  <a:srgbClr val="000000"/>
+                </a:solidFill>
+                <a:latin typeface="Consolas" panose="020B0609020204030204" pitchFamily="49" charset="0"/>
+              </a:rPr>
+              <a:t> </a:t>
+            </a:r>
+            <a:r>
+              <a:rPr lang="en-US" sz="1800" b="1" dirty="0" err="1">
+                <a:solidFill>
+                  <a:srgbClr val="000000"/>
+                </a:solidFill>
+                <a:latin typeface="Consolas" panose="020B0609020204030204" pitchFamily="49" charset="0"/>
+              </a:rPr>
+              <a:t>EmployeeDAOImpl</a:t>
+            </a:r>
+            <a:r>
+              <a:rPr lang="en-US" sz="1800" b="1" dirty="0">
+                <a:solidFill>
+                  <a:srgbClr val="000000"/>
+                </a:solidFill>
+                <a:latin typeface="Consolas" panose="020B0609020204030204" pitchFamily="49" charset="0"/>
+              </a:rPr>
+              <a:t> </a:t>
+            </a:r>
+            <a:r>
+              <a:rPr lang="en-US" sz="1800" b="1" dirty="0">
+                <a:solidFill>
+                  <a:srgbClr val="7F0055"/>
+                </a:solidFill>
+                <a:latin typeface="Consolas" panose="020B0609020204030204" pitchFamily="49" charset="0"/>
+              </a:rPr>
+              <a:t>implements</a:t>
+            </a:r>
+            <a:r>
+              <a:rPr lang="en-US" sz="1800" b="1" dirty="0">
+                <a:solidFill>
+                  <a:srgbClr val="000000"/>
+                </a:solidFill>
+                <a:latin typeface="Consolas" panose="020B0609020204030204" pitchFamily="49" charset="0"/>
+              </a:rPr>
+              <a:t> </a:t>
+            </a:r>
+            <a:r>
+              <a:rPr lang="en-US" sz="1800" b="1" dirty="0" err="1">
+                <a:solidFill>
+                  <a:srgbClr val="000000"/>
+                </a:solidFill>
+                <a:latin typeface="Consolas" panose="020B0609020204030204" pitchFamily="49" charset="0"/>
+              </a:rPr>
+              <a:t>EmployeeDAO</a:t>
+            </a:r>
+            <a:r>
+              <a:rPr lang="en-US" sz="1800" b="1" dirty="0">
+                <a:solidFill>
+                  <a:srgbClr val="000000"/>
+                </a:solidFill>
+                <a:latin typeface="Consolas" panose="020B0609020204030204" pitchFamily="49" charset="0"/>
+              </a:rPr>
+              <a:t> {</a:t>
+            </a:r>
+          </a:p>
+          <a:p>
+            <a:pPr algn="l"/>
+            <a:endParaRPr lang="en-US" sz="1800" dirty="0">
+              <a:latin typeface="Consolas" panose="020B0609020204030204" pitchFamily="49" charset="0"/>
+            </a:endParaRPr>
+          </a:p>
+          <a:p>
+            <a:pPr algn="l"/>
+            <a:r>
+              <a:rPr lang="en-US" sz="1800" dirty="0">
+                <a:solidFill>
+                  <a:srgbClr val="3F7F5F"/>
+                </a:solidFill>
+                <a:latin typeface="Consolas" panose="020B0609020204030204" pitchFamily="49" charset="0"/>
+              </a:rPr>
+              <a:t>// other code...</a:t>
+            </a:r>
+            <a:endParaRPr lang="en-US" sz="1800" dirty="0">
+              <a:latin typeface="Consolas" panose="020B0609020204030204" pitchFamily="49" charset="0"/>
+            </a:endParaRPr>
+          </a:p>
+          <a:p>
+            <a:pPr algn="l"/>
+            <a:endParaRPr lang="en-US" sz="1800" dirty="0">
+              <a:latin typeface="Consolas" panose="020B0609020204030204" pitchFamily="49" charset="0"/>
+            </a:endParaRPr>
+          </a:p>
+          <a:p>
+            <a:pPr algn="l"/>
+            <a:r>
+              <a:rPr lang="en-US" sz="1800" dirty="0">
+                <a:solidFill>
+                  <a:srgbClr val="646464"/>
+                </a:solidFill>
+                <a:latin typeface="Consolas" panose="020B0609020204030204" pitchFamily="49" charset="0"/>
+              </a:rPr>
+              <a:t>    @Override</a:t>
+            </a:r>
+          </a:p>
+          <a:p>
+            <a:pPr algn="l"/>
+            <a:r>
+              <a:rPr lang="en-US" sz="1800" b="1" dirty="0">
+                <a:solidFill>
+                  <a:srgbClr val="7F0055"/>
+                </a:solidFill>
+                <a:latin typeface="Consolas" panose="020B0609020204030204" pitchFamily="49" charset="0"/>
+              </a:rPr>
+              <a:t>    public</a:t>
+            </a:r>
+            <a:r>
+              <a:rPr lang="en-US" sz="1800" b="1" dirty="0">
+                <a:solidFill>
+                  <a:srgbClr val="000000"/>
+                </a:solidFill>
+                <a:latin typeface="Consolas" panose="020B0609020204030204" pitchFamily="49" charset="0"/>
+              </a:rPr>
+              <a:t> Employee </a:t>
+            </a:r>
+            <a:r>
+              <a:rPr lang="en-US" sz="1800" b="1" dirty="0" err="1">
+                <a:solidFill>
+                  <a:srgbClr val="000000"/>
+                </a:solidFill>
+                <a:latin typeface="Consolas" panose="020B0609020204030204" pitchFamily="49" charset="0"/>
+              </a:rPr>
+              <a:t>selectEmployee</a:t>
+            </a:r>
+            <a:r>
+              <a:rPr lang="en-US" sz="1800" b="1" dirty="0">
+                <a:solidFill>
+                  <a:srgbClr val="000000"/>
+                </a:solidFill>
+                <a:latin typeface="Consolas" panose="020B0609020204030204" pitchFamily="49" charset="0"/>
+              </a:rPr>
+              <a:t>(Integer </a:t>
+            </a:r>
+            <a:r>
+              <a:rPr lang="en-US" sz="1800" b="1" dirty="0">
+                <a:solidFill>
+                  <a:srgbClr val="6A3E3E"/>
+                </a:solidFill>
+                <a:latin typeface="Consolas" panose="020B0609020204030204" pitchFamily="49" charset="0"/>
+              </a:rPr>
+              <a:t>id</a:t>
+            </a:r>
+            <a:r>
+              <a:rPr lang="en-US" sz="1800" b="1" dirty="0">
+                <a:solidFill>
+                  <a:srgbClr val="000000"/>
+                </a:solidFill>
+                <a:latin typeface="Consolas" panose="020B0609020204030204" pitchFamily="49" charset="0"/>
+              </a:rPr>
+              <a:t>) {</a:t>
+            </a:r>
+          </a:p>
+          <a:p>
+            <a:pPr algn="l"/>
+            <a:r>
+              <a:rPr lang="en-US" sz="1800" dirty="0">
+                <a:solidFill>
+                  <a:srgbClr val="000000"/>
+                </a:solidFill>
+                <a:latin typeface="Consolas" panose="020B0609020204030204" pitchFamily="49" charset="0"/>
+              </a:rPr>
+              <a:t>        </a:t>
+            </a:r>
+            <a:r>
+              <a:rPr lang="en-US" sz="1800" dirty="0" err="1">
+                <a:solidFill>
+                  <a:srgbClr val="000000"/>
+                </a:solidFill>
+                <a:latin typeface="Consolas" panose="020B0609020204030204" pitchFamily="49" charset="0"/>
+              </a:rPr>
+              <a:t>PreparedStatement</a:t>
+            </a:r>
+            <a:r>
+              <a:rPr lang="en-US" sz="1800" dirty="0">
+                <a:solidFill>
+                  <a:srgbClr val="000000"/>
+                </a:solidFill>
+                <a:latin typeface="Consolas" panose="020B0609020204030204" pitchFamily="49" charset="0"/>
+              </a:rPr>
+              <a:t> </a:t>
+            </a:r>
+            <a:r>
+              <a:rPr lang="en-US" sz="1800" dirty="0" err="1">
+                <a:solidFill>
+                  <a:srgbClr val="6A3E3E"/>
+                </a:solidFill>
+                <a:latin typeface="Consolas" panose="020B0609020204030204" pitchFamily="49" charset="0"/>
+              </a:rPr>
+              <a:t>ps</a:t>
+            </a:r>
+            <a:r>
+              <a:rPr lang="en-US" sz="1800" dirty="0">
+                <a:solidFill>
+                  <a:srgbClr val="000000"/>
+                </a:solidFill>
+                <a:latin typeface="Consolas" panose="020B0609020204030204" pitchFamily="49" charset="0"/>
+              </a:rPr>
+              <a:t> = </a:t>
+            </a:r>
+            <a:r>
+              <a:rPr lang="en-US" sz="1800" b="1" dirty="0">
+                <a:solidFill>
+                  <a:srgbClr val="7F0055"/>
+                </a:solidFill>
+                <a:latin typeface="Consolas" panose="020B0609020204030204" pitchFamily="49" charset="0"/>
+              </a:rPr>
+              <a:t>null</a:t>
+            </a:r>
+            <a:r>
+              <a:rPr lang="en-US" sz="1800" b="1" dirty="0">
+                <a:solidFill>
+                  <a:srgbClr val="000000"/>
+                </a:solidFill>
+                <a:latin typeface="Consolas" panose="020B0609020204030204" pitchFamily="49" charset="0"/>
+              </a:rPr>
+              <a:t>;</a:t>
+            </a:r>
+          </a:p>
+          <a:p>
+            <a:pPr algn="l"/>
+            <a:r>
+              <a:rPr lang="en-US" sz="1800" dirty="0">
+                <a:solidFill>
+                  <a:srgbClr val="000000"/>
+                </a:solidFill>
+                <a:latin typeface="Consolas" panose="020B0609020204030204" pitchFamily="49" charset="0"/>
+              </a:rPr>
+              <a:t>        </a:t>
+            </a:r>
+            <a:r>
+              <a:rPr lang="en-US" sz="1800" dirty="0" err="1">
+                <a:solidFill>
+                  <a:srgbClr val="000000"/>
+                </a:solidFill>
+                <a:latin typeface="Consolas" panose="020B0609020204030204" pitchFamily="49" charset="0"/>
+              </a:rPr>
+              <a:t>ResultSet</a:t>
+            </a:r>
+            <a:r>
+              <a:rPr lang="en-US" sz="1800" dirty="0">
+                <a:solidFill>
+                  <a:srgbClr val="000000"/>
+                </a:solidFill>
+                <a:latin typeface="Consolas" panose="020B0609020204030204" pitchFamily="49" charset="0"/>
+              </a:rPr>
+              <a:t> </a:t>
+            </a:r>
+            <a:r>
+              <a:rPr lang="en-US" sz="1800" dirty="0" err="1">
+                <a:solidFill>
+                  <a:srgbClr val="6A3E3E"/>
+                </a:solidFill>
+                <a:latin typeface="Consolas" panose="020B0609020204030204" pitchFamily="49" charset="0"/>
+              </a:rPr>
+              <a:t>rs</a:t>
+            </a:r>
+            <a:r>
+              <a:rPr lang="en-US" sz="1800" dirty="0">
+                <a:solidFill>
+                  <a:srgbClr val="000000"/>
+                </a:solidFill>
+                <a:latin typeface="Consolas" panose="020B0609020204030204" pitchFamily="49" charset="0"/>
+              </a:rPr>
+              <a:t> = </a:t>
+            </a:r>
+            <a:r>
+              <a:rPr lang="en-US" sz="1800" b="1" dirty="0">
+                <a:solidFill>
+                  <a:srgbClr val="7F0055"/>
+                </a:solidFill>
+                <a:latin typeface="Consolas" panose="020B0609020204030204" pitchFamily="49" charset="0"/>
+              </a:rPr>
+              <a:t>null</a:t>
+            </a:r>
+            <a:r>
+              <a:rPr lang="en-US" sz="1800" b="1" dirty="0">
+                <a:solidFill>
+                  <a:srgbClr val="000000"/>
+                </a:solidFill>
+                <a:latin typeface="Consolas" panose="020B0609020204030204" pitchFamily="49" charset="0"/>
+              </a:rPr>
+              <a:t>;</a:t>
+            </a:r>
+          </a:p>
+          <a:p>
+            <a:pPr algn="l"/>
+            <a:r>
+              <a:rPr lang="en-US" sz="1800" dirty="0">
+                <a:solidFill>
+                  <a:srgbClr val="000000"/>
+                </a:solidFill>
+                <a:latin typeface="Consolas" panose="020B0609020204030204" pitchFamily="49" charset="0"/>
+              </a:rPr>
+              <a:t>        Employee </a:t>
+            </a:r>
+            <a:r>
+              <a:rPr lang="en-US" sz="1800" dirty="0">
+                <a:solidFill>
+                  <a:srgbClr val="6A3E3E"/>
+                </a:solidFill>
+                <a:latin typeface="Consolas" panose="020B0609020204030204" pitchFamily="49" charset="0"/>
+              </a:rPr>
+              <a:t>emp</a:t>
+            </a:r>
+            <a:r>
+              <a:rPr lang="en-US" sz="1800" dirty="0">
+                <a:solidFill>
+                  <a:srgbClr val="000000"/>
+                </a:solidFill>
+                <a:latin typeface="Consolas" panose="020B0609020204030204" pitchFamily="49" charset="0"/>
+              </a:rPr>
+              <a:t> = </a:t>
+            </a:r>
+            <a:r>
+              <a:rPr lang="en-US" sz="1800" b="1" dirty="0">
+                <a:solidFill>
+                  <a:srgbClr val="7F0055"/>
+                </a:solidFill>
+                <a:latin typeface="Consolas" panose="020B0609020204030204" pitchFamily="49" charset="0"/>
+              </a:rPr>
+              <a:t>null</a:t>
+            </a:r>
+            <a:r>
+              <a:rPr lang="en-US" sz="1800" b="1" dirty="0">
+                <a:solidFill>
+                  <a:srgbClr val="000000"/>
+                </a:solidFill>
+                <a:latin typeface="Consolas" panose="020B0609020204030204" pitchFamily="49" charset="0"/>
+              </a:rPr>
+              <a:t>;</a:t>
+            </a:r>
+          </a:p>
+          <a:p>
+            <a:pPr algn="l"/>
+            <a:endParaRPr lang="en-US" sz="1800" dirty="0">
+              <a:latin typeface="Consolas" panose="020B0609020204030204" pitchFamily="49" charset="0"/>
+            </a:endParaRPr>
+          </a:p>
+          <a:p>
+            <a:pPr algn="l"/>
+            <a:r>
+              <a:rPr lang="en-US" sz="1800" b="1" dirty="0">
+                <a:solidFill>
+                  <a:srgbClr val="7F0055"/>
+                </a:solidFill>
+                <a:latin typeface="Consolas" panose="020B0609020204030204" pitchFamily="49" charset="0"/>
+              </a:rPr>
+              <a:t>        try</a:t>
+            </a:r>
+            <a:r>
+              <a:rPr lang="en-US" sz="1800" b="1" dirty="0">
+                <a:solidFill>
+                  <a:srgbClr val="000000"/>
+                </a:solidFill>
+                <a:latin typeface="Consolas" panose="020B0609020204030204" pitchFamily="49" charset="0"/>
+              </a:rPr>
+              <a:t> (Connection </a:t>
+            </a:r>
+            <a:r>
+              <a:rPr lang="en-US" sz="1800" b="1" dirty="0">
+                <a:solidFill>
+                  <a:srgbClr val="6A3E3E"/>
+                </a:solidFill>
+                <a:latin typeface="Consolas" panose="020B0609020204030204" pitchFamily="49" charset="0"/>
+              </a:rPr>
+              <a:t>conn</a:t>
+            </a:r>
+            <a:r>
+              <a:rPr lang="en-US" sz="1800" b="1" dirty="0">
+                <a:solidFill>
+                  <a:srgbClr val="000000"/>
+                </a:solidFill>
+                <a:latin typeface="Consolas" panose="020B0609020204030204" pitchFamily="49" charset="0"/>
+              </a:rPr>
+              <a:t> = </a:t>
+            </a:r>
+            <a:r>
+              <a:rPr lang="en-US" sz="1800" b="1" dirty="0" err="1">
+                <a:solidFill>
+                  <a:srgbClr val="000000"/>
+                </a:solidFill>
+                <a:latin typeface="Consolas" panose="020B0609020204030204" pitchFamily="49" charset="0"/>
+              </a:rPr>
+              <a:t>ConnectionUtil.</a:t>
+            </a:r>
+            <a:r>
+              <a:rPr lang="en-US" sz="1800" b="1" i="1" dirty="0" err="1">
+                <a:solidFill>
+                  <a:srgbClr val="000000"/>
+                </a:solidFill>
+                <a:latin typeface="Consolas" panose="020B0609020204030204" pitchFamily="49" charset="0"/>
+              </a:rPr>
+              <a:t>getConnection</a:t>
+            </a:r>
+            <a:r>
+              <a:rPr lang="en-US" sz="1800" b="1" i="1" dirty="0">
+                <a:solidFill>
+                  <a:srgbClr val="000000"/>
+                </a:solidFill>
+                <a:latin typeface="Consolas" panose="020B0609020204030204" pitchFamily="49" charset="0"/>
+              </a:rPr>
+              <a:t>()) {</a:t>
+            </a:r>
+          </a:p>
+          <a:p>
+            <a:pPr algn="l"/>
+            <a:r>
+              <a:rPr lang="en-US" sz="1800" dirty="0">
+                <a:solidFill>
+                  <a:srgbClr val="000000"/>
+                </a:solidFill>
+                <a:latin typeface="Consolas" panose="020B0609020204030204" pitchFamily="49" charset="0"/>
+              </a:rPr>
+              <a:t>            String </a:t>
+            </a:r>
+            <a:r>
+              <a:rPr lang="en-US" sz="1800" dirty="0">
+                <a:solidFill>
+                  <a:srgbClr val="6A3E3E"/>
+                </a:solidFill>
+                <a:latin typeface="Consolas" panose="020B0609020204030204" pitchFamily="49" charset="0"/>
+              </a:rPr>
+              <a:t>query</a:t>
+            </a:r>
+            <a:r>
+              <a:rPr lang="en-US" sz="1800" dirty="0">
+                <a:solidFill>
+                  <a:srgbClr val="000000"/>
+                </a:solidFill>
+                <a:latin typeface="Consolas" panose="020B0609020204030204" pitchFamily="49" charset="0"/>
+              </a:rPr>
+              <a:t> = </a:t>
+            </a:r>
+            <a:r>
+              <a:rPr lang="en-US" sz="1800" dirty="0">
+                <a:solidFill>
+                  <a:srgbClr val="2A00FF"/>
+                </a:solidFill>
+                <a:latin typeface="Consolas" panose="020B0609020204030204" pitchFamily="49" charset="0"/>
+              </a:rPr>
+              <a:t>"SELECT * FROM </a:t>
+            </a:r>
+            <a:r>
+              <a:rPr lang="en-US" sz="1800" dirty="0" err="1">
+                <a:solidFill>
+                  <a:srgbClr val="2A00FF"/>
+                </a:solidFill>
+                <a:latin typeface="Consolas" panose="020B0609020204030204" pitchFamily="49" charset="0"/>
+              </a:rPr>
+              <a:t>bankapp.employees</a:t>
+            </a:r>
+            <a:r>
+              <a:rPr lang="en-US" sz="1800" dirty="0">
+                <a:solidFill>
+                  <a:srgbClr val="2A00FF"/>
+                </a:solidFill>
+                <a:latin typeface="Consolas" panose="020B0609020204030204" pitchFamily="49" charset="0"/>
+              </a:rPr>
+              <a:t> WHERE </a:t>
+            </a:r>
+            <a:r>
+              <a:rPr lang="en-US" sz="1800" dirty="0" err="1">
+                <a:solidFill>
+                  <a:srgbClr val="2A00FF"/>
+                </a:solidFill>
+                <a:latin typeface="Consolas" panose="020B0609020204030204" pitchFamily="49" charset="0"/>
+              </a:rPr>
+              <a:t>emp_id</a:t>
+            </a:r>
+            <a:r>
+              <a:rPr lang="en-US" sz="1800" dirty="0">
+                <a:solidFill>
+                  <a:srgbClr val="2A00FF"/>
+                </a:solidFill>
+                <a:latin typeface="Consolas" panose="020B0609020204030204" pitchFamily="49" charset="0"/>
+              </a:rPr>
+              <a:t>=?"</a:t>
+            </a:r>
+            <a:r>
+              <a:rPr lang="en-US" sz="1800" dirty="0">
+                <a:solidFill>
+                  <a:srgbClr val="000000"/>
+                </a:solidFill>
+                <a:latin typeface="Consolas" panose="020B0609020204030204" pitchFamily="49" charset="0"/>
+              </a:rPr>
+              <a:t>;</a:t>
+            </a:r>
+          </a:p>
+          <a:p>
+            <a:pPr algn="l"/>
+            <a:r>
+              <a:rPr lang="en-US" sz="1800" dirty="0">
+                <a:solidFill>
+                  <a:srgbClr val="6A3E3E"/>
+                </a:solidFill>
+                <a:latin typeface="Consolas" panose="020B0609020204030204" pitchFamily="49" charset="0"/>
+              </a:rPr>
+              <a:t>            </a:t>
+            </a:r>
+            <a:r>
+              <a:rPr lang="en-US" sz="1800" dirty="0" err="1">
+                <a:solidFill>
+                  <a:srgbClr val="6A3E3E"/>
+                </a:solidFill>
+                <a:latin typeface="Consolas" panose="020B0609020204030204" pitchFamily="49" charset="0"/>
+              </a:rPr>
+              <a:t>ps</a:t>
+            </a:r>
+            <a:r>
+              <a:rPr lang="en-US" sz="1800" dirty="0">
+                <a:solidFill>
+                  <a:srgbClr val="000000"/>
+                </a:solidFill>
+                <a:latin typeface="Consolas" panose="020B0609020204030204" pitchFamily="49" charset="0"/>
+              </a:rPr>
+              <a:t> = </a:t>
+            </a:r>
+            <a:r>
+              <a:rPr lang="en-US" sz="1800" dirty="0" err="1">
+                <a:solidFill>
+                  <a:srgbClr val="6A3E3E"/>
+                </a:solidFill>
+                <a:latin typeface="Consolas" panose="020B0609020204030204" pitchFamily="49" charset="0"/>
+              </a:rPr>
+              <a:t>conn</a:t>
+            </a:r>
+            <a:r>
+              <a:rPr lang="en-US" sz="1800" dirty="0" err="1">
+                <a:solidFill>
+                  <a:srgbClr val="000000"/>
+                </a:solidFill>
+                <a:latin typeface="Consolas" panose="020B0609020204030204" pitchFamily="49" charset="0"/>
+              </a:rPr>
+              <a:t>.prepareStatement</a:t>
+            </a:r>
+            <a:r>
+              <a:rPr lang="en-US" sz="1800" dirty="0">
+                <a:solidFill>
+                  <a:srgbClr val="000000"/>
+                </a:solidFill>
+                <a:latin typeface="Consolas" panose="020B0609020204030204" pitchFamily="49" charset="0"/>
+              </a:rPr>
+              <a:t>(</a:t>
+            </a:r>
+            <a:r>
+              <a:rPr lang="en-US" sz="1800" dirty="0">
+                <a:solidFill>
+                  <a:srgbClr val="6A3E3E"/>
+                </a:solidFill>
+                <a:latin typeface="Consolas" panose="020B0609020204030204" pitchFamily="49" charset="0"/>
+              </a:rPr>
+              <a:t>query</a:t>
+            </a:r>
+            <a:r>
+              <a:rPr lang="en-US" sz="1800" dirty="0">
+                <a:solidFill>
+                  <a:srgbClr val="000000"/>
+                </a:solidFill>
+                <a:latin typeface="Consolas" panose="020B0609020204030204" pitchFamily="49" charset="0"/>
+              </a:rPr>
+              <a:t>);</a:t>
+            </a:r>
+          </a:p>
+          <a:p>
+            <a:pPr algn="l"/>
+            <a:endParaRPr lang="en-US" sz="1800" dirty="0">
+              <a:latin typeface="Consolas" panose="020B0609020204030204" pitchFamily="49" charset="0"/>
+            </a:endParaRPr>
+          </a:p>
+          <a:p>
+            <a:pPr algn="l"/>
+            <a:r>
+              <a:rPr lang="en-US" sz="1800" dirty="0">
+                <a:solidFill>
+                  <a:srgbClr val="6A3E3E"/>
+                </a:solidFill>
+                <a:latin typeface="Consolas" panose="020B0609020204030204" pitchFamily="49" charset="0"/>
+              </a:rPr>
+              <a:t>            </a:t>
+            </a:r>
+            <a:r>
+              <a:rPr lang="en-US" sz="1800" dirty="0" err="1">
+                <a:solidFill>
+                  <a:srgbClr val="6A3E3E"/>
+                </a:solidFill>
+                <a:latin typeface="Consolas" panose="020B0609020204030204" pitchFamily="49" charset="0"/>
+              </a:rPr>
+              <a:t>ps</a:t>
+            </a:r>
+            <a:r>
+              <a:rPr lang="en-US" sz="1800" dirty="0" err="1">
+                <a:solidFill>
+                  <a:srgbClr val="000000"/>
+                </a:solidFill>
+                <a:latin typeface="Consolas" panose="020B0609020204030204" pitchFamily="49" charset="0"/>
+              </a:rPr>
+              <a:t>.setInt</a:t>
+            </a:r>
+            <a:r>
+              <a:rPr lang="en-US" sz="1800" dirty="0">
+                <a:solidFill>
+                  <a:srgbClr val="000000"/>
+                </a:solidFill>
+                <a:latin typeface="Consolas" panose="020B0609020204030204" pitchFamily="49" charset="0"/>
+              </a:rPr>
+              <a:t>(1, </a:t>
+            </a:r>
+            <a:r>
+              <a:rPr lang="en-US" sz="1800" dirty="0">
+                <a:solidFill>
+                  <a:srgbClr val="6A3E3E"/>
+                </a:solidFill>
+                <a:latin typeface="Consolas" panose="020B0609020204030204" pitchFamily="49" charset="0"/>
+              </a:rPr>
+              <a:t>id</a:t>
+            </a:r>
+            <a:r>
+              <a:rPr lang="en-US" sz="1800" dirty="0">
+                <a:solidFill>
+                  <a:srgbClr val="000000"/>
+                </a:solidFill>
+                <a:latin typeface="Consolas" panose="020B0609020204030204" pitchFamily="49" charset="0"/>
+              </a:rPr>
+              <a:t>);</a:t>
+            </a:r>
+          </a:p>
+          <a:p>
+            <a:pPr algn="l"/>
+            <a:endParaRPr lang="en-US" sz="1800" dirty="0">
+              <a:latin typeface="Consolas" panose="020B0609020204030204" pitchFamily="49" charset="0"/>
+            </a:endParaRPr>
+          </a:p>
+          <a:p>
+            <a:pPr algn="l"/>
+            <a:r>
+              <a:rPr lang="en-US" sz="1800" dirty="0">
+                <a:solidFill>
+                  <a:srgbClr val="6A3E3E"/>
+                </a:solidFill>
+                <a:latin typeface="Consolas" panose="020B0609020204030204" pitchFamily="49" charset="0"/>
+              </a:rPr>
+              <a:t>            </a:t>
+            </a:r>
+            <a:r>
+              <a:rPr lang="en-US" sz="1800" dirty="0" err="1">
+                <a:solidFill>
+                  <a:srgbClr val="6A3E3E"/>
+                </a:solidFill>
+                <a:latin typeface="Consolas" panose="020B0609020204030204" pitchFamily="49" charset="0"/>
+              </a:rPr>
+              <a:t>rs</a:t>
+            </a:r>
+            <a:r>
+              <a:rPr lang="en-US" sz="1800" dirty="0">
+                <a:solidFill>
+                  <a:srgbClr val="000000"/>
+                </a:solidFill>
+                <a:latin typeface="Consolas" panose="020B0609020204030204" pitchFamily="49" charset="0"/>
+              </a:rPr>
+              <a:t> = </a:t>
+            </a:r>
+            <a:r>
+              <a:rPr lang="en-US" sz="1800" dirty="0" err="1">
+                <a:solidFill>
+                  <a:srgbClr val="6A3E3E"/>
+                </a:solidFill>
+                <a:latin typeface="Consolas" panose="020B0609020204030204" pitchFamily="49" charset="0"/>
+              </a:rPr>
+              <a:t>ps</a:t>
+            </a:r>
+            <a:r>
+              <a:rPr lang="en-US" sz="1800" dirty="0" err="1">
+                <a:solidFill>
+                  <a:srgbClr val="000000"/>
+                </a:solidFill>
+                <a:latin typeface="Consolas" panose="020B0609020204030204" pitchFamily="49" charset="0"/>
+              </a:rPr>
+              <a:t>.executeQuery</a:t>
+            </a:r>
+            <a:r>
+              <a:rPr lang="en-US" sz="1800" dirty="0">
+                <a:solidFill>
+                  <a:srgbClr val="000000"/>
+                </a:solidFill>
+                <a:latin typeface="Consolas" panose="020B0609020204030204" pitchFamily="49" charset="0"/>
+              </a:rPr>
+              <a:t>();</a:t>
+            </a:r>
+          </a:p>
+          <a:p>
+            <a:pPr algn="l"/>
+            <a:endParaRPr lang="en-US" sz="1800" dirty="0">
+              <a:latin typeface="Consolas" panose="020B0609020204030204" pitchFamily="49" charset="0"/>
+            </a:endParaRPr>
+          </a:p>
+          <a:p>
+            <a:pPr algn="l"/>
+            <a:r>
+              <a:rPr lang="en-US" sz="1800" b="1" dirty="0">
+                <a:solidFill>
+                  <a:srgbClr val="7F0055"/>
+                </a:solidFill>
+                <a:latin typeface="Consolas" panose="020B0609020204030204" pitchFamily="49" charset="0"/>
+              </a:rPr>
+              <a:t>            while</a:t>
+            </a:r>
+            <a:r>
+              <a:rPr lang="en-US" sz="1800" b="1" dirty="0">
+                <a:solidFill>
+                  <a:srgbClr val="000000"/>
+                </a:solidFill>
+                <a:latin typeface="Consolas" panose="020B0609020204030204" pitchFamily="49" charset="0"/>
+              </a:rPr>
+              <a:t> (</a:t>
+            </a:r>
+            <a:r>
+              <a:rPr lang="en-US" sz="1800" b="1" dirty="0" err="1">
+                <a:solidFill>
+                  <a:srgbClr val="6A3E3E"/>
+                </a:solidFill>
+                <a:latin typeface="Consolas" panose="020B0609020204030204" pitchFamily="49" charset="0"/>
+              </a:rPr>
+              <a:t>rs</a:t>
+            </a:r>
+            <a:r>
+              <a:rPr lang="en-US" sz="1800" b="1" dirty="0" err="1">
+                <a:solidFill>
+                  <a:srgbClr val="000000"/>
+                </a:solidFill>
+                <a:latin typeface="Consolas" panose="020B0609020204030204" pitchFamily="49" charset="0"/>
+              </a:rPr>
+              <a:t>.next</a:t>
+            </a:r>
+            <a:r>
+              <a:rPr lang="en-US" sz="1800" b="1" dirty="0">
+                <a:solidFill>
+                  <a:srgbClr val="000000"/>
+                </a:solidFill>
+                <a:latin typeface="Consolas" panose="020B0609020204030204" pitchFamily="49" charset="0"/>
+              </a:rPr>
+              <a:t>()) {</a:t>
+            </a:r>
+          </a:p>
+          <a:p>
+            <a:pPr algn="l"/>
+            <a:r>
+              <a:rPr lang="en-US" sz="1800" dirty="0">
+                <a:solidFill>
+                  <a:srgbClr val="6A3E3E"/>
+                </a:solidFill>
+                <a:latin typeface="Consolas" panose="020B0609020204030204" pitchFamily="49" charset="0"/>
+              </a:rPr>
+              <a:t>                emp</a:t>
+            </a:r>
+            <a:r>
+              <a:rPr lang="en-US" sz="1800" dirty="0">
+                <a:solidFill>
+                  <a:srgbClr val="000000"/>
+                </a:solidFill>
+                <a:latin typeface="Consolas" panose="020B0609020204030204" pitchFamily="49" charset="0"/>
+              </a:rPr>
+              <a:t> = </a:t>
+            </a:r>
+            <a:r>
+              <a:rPr lang="en-US" sz="1800" b="1" dirty="0">
+                <a:solidFill>
+                  <a:srgbClr val="7F0055"/>
+                </a:solidFill>
+                <a:latin typeface="Consolas" panose="020B0609020204030204" pitchFamily="49" charset="0"/>
+              </a:rPr>
+              <a:t>new</a:t>
+            </a:r>
+            <a:r>
+              <a:rPr lang="en-US" sz="1800" b="1" dirty="0">
+                <a:solidFill>
+                  <a:srgbClr val="000000"/>
+                </a:solidFill>
+                <a:latin typeface="Consolas" panose="020B0609020204030204" pitchFamily="49" charset="0"/>
+              </a:rPr>
+              <a:t> Employee(</a:t>
+            </a:r>
+          </a:p>
+          <a:p>
+            <a:pPr algn="l"/>
+            <a:r>
+              <a:rPr lang="en-US" sz="1800" dirty="0">
+                <a:solidFill>
+                  <a:srgbClr val="6A3E3E"/>
+                </a:solidFill>
+                <a:latin typeface="Consolas" panose="020B0609020204030204" pitchFamily="49" charset="0"/>
+              </a:rPr>
+              <a:t>                    </a:t>
+            </a:r>
+            <a:r>
+              <a:rPr lang="en-US" sz="1800" dirty="0" err="1">
+                <a:solidFill>
+                  <a:srgbClr val="6A3E3E"/>
+                </a:solidFill>
+                <a:latin typeface="Consolas" panose="020B0609020204030204" pitchFamily="49" charset="0"/>
+              </a:rPr>
+              <a:t>rs</a:t>
+            </a:r>
+            <a:r>
+              <a:rPr lang="en-US" sz="1800" dirty="0" err="1">
+                <a:solidFill>
+                  <a:srgbClr val="000000"/>
+                </a:solidFill>
+                <a:latin typeface="Consolas" panose="020B0609020204030204" pitchFamily="49" charset="0"/>
+              </a:rPr>
+              <a:t>.getInt</a:t>
+            </a:r>
+            <a:r>
+              <a:rPr lang="en-US" sz="1800" dirty="0">
+                <a:solidFill>
+                  <a:srgbClr val="000000"/>
+                </a:solidFill>
+                <a:latin typeface="Consolas" panose="020B0609020204030204" pitchFamily="49" charset="0"/>
+              </a:rPr>
+              <a:t>(1),</a:t>
+            </a:r>
+          </a:p>
+          <a:p>
+            <a:pPr algn="l"/>
+            <a:r>
+              <a:rPr lang="en-US" sz="1800" dirty="0">
+                <a:solidFill>
+                  <a:srgbClr val="6A3E3E"/>
+                </a:solidFill>
+                <a:latin typeface="Consolas" panose="020B0609020204030204" pitchFamily="49" charset="0"/>
+              </a:rPr>
+              <a:t>                    </a:t>
+            </a:r>
+            <a:r>
+              <a:rPr lang="en-US" sz="1800" dirty="0" err="1">
+                <a:solidFill>
+                  <a:srgbClr val="6A3E3E"/>
+                </a:solidFill>
+                <a:latin typeface="Consolas" panose="020B0609020204030204" pitchFamily="49" charset="0"/>
+              </a:rPr>
+              <a:t>rs</a:t>
+            </a:r>
+            <a:r>
+              <a:rPr lang="en-US" sz="1800" dirty="0" err="1">
+                <a:solidFill>
+                  <a:srgbClr val="000000"/>
+                </a:solidFill>
+                <a:latin typeface="Consolas" panose="020B0609020204030204" pitchFamily="49" charset="0"/>
+              </a:rPr>
+              <a:t>.getString</a:t>
+            </a:r>
+            <a:r>
+              <a:rPr lang="en-US" sz="1800" dirty="0">
+                <a:solidFill>
+                  <a:srgbClr val="000000"/>
+                </a:solidFill>
+                <a:latin typeface="Consolas" panose="020B0609020204030204" pitchFamily="49" charset="0"/>
+              </a:rPr>
+              <a:t>(2),</a:t>
+            </a:r>
+          </a:p>
+          <a:p>
+            <a:pPr algn="l"/>
+            <a:r>
+              <a:rPr lang="en-US" sz="1800" dirty="0">
+                <a:solidFill>
+                  <a:srgbClr val="6A3E3E"/>
+                </a:solidFill>
+                <a:latin typeface="Consolas" panose="020B0609020204030204" pitchFamily="49" charset="0"/>
+              </a:rPr>
+              <a:t>                    </a:t>
+            </a:r>
+            <a:r>
+              <a:rPr lang="en-US" sz="1800" dirty="0" err="1">
+                <a:solidFill>
+                  <a:srgbClr val="6A3E3E"/>
+                </a:solidFill>
+                <a:latin typeface="Consolas" panose="020B0609020204030204" pitchFamily="49" charset="0"/>
+              </a:rPr>
+              <a:t>rs</a:t>
+            </a:r>
+            <a:r>
+              <a:rPr lang="en-US" sz="1800" dirty="0" err="1">
+                <a:solidFill>
+                  <a:srgbClr val="000000"/>
+                </a:solidFill>
+                <a:latin typeface="Consolas" panose="020B0609020204030204" pitchFamily="49" charset="0"/>
+              </a:rPr>
+              <a:t>.getString</a:t>
+            </a:r>
+            <a:r>
+              <a:rPr lang="en-US" sz="1800" dirty="0">
+                <a:solidFill>
+                  <a:srgbClr val="000000"/>
+                </a:solidFill>
+                <a:latin typeface="Consolas" panose="020B0609020204030204" pitchFamily="49" charset="0"/>
+              </a:rPr>
+              <a:t>(3),</a:t>
+            </a:r>
+          </a:p>
+          <a:p>
+            <a:pPr algn="l"/>
+            <a:r>
+              <a:rPr lang="en-US" sz="1800" dirty="0">
+                <a:solidFill>
+                  <a:srgbClr val="6A3E3E"/>
+                </a:solidFill>
+                <a:latin typeface="Consolas" panose="020B0609020204030204" pitchFamily="49" charset="0"/>
+              </a:rPr>
+              <a:t>                    </a:t>
+            </a:r>
+            <a:r>
+              <a:rPr lang="en-US" sz="1800" dirty="0" err="1">
+                <a:solidFill>
+                  <a:srgbClr val="6A3E3E"/>
+                </a:solidFill>
+                <a:latin typeface="Consolas" panose="020B0609020204030204" pitchFamily="49" charset="0"/>
+              </a:rPr>
+              <a:t>rs</a:t>
+            </a:r>
+            <a:r>
+              <a:rPr lang="en-US" sz="1800" dirty="0" err="1">
+                <a:solidFill>
+                  <a:srgbClr val="000000"/>
+                </a:solidFill>
+                <a:latin typeface="Consolas" panose="020B0609020204030204" pitchFamily="49" charset="0"/>
+              </a:rPr>
+              <a:t>.getDouble</a:t>
+            </a:r>
+            <a:r>
+              <a:rPr lang="en-US" sz="1800" dirty="0">
+                <a:solidFill>
+                  <a:srgbClr val="000000"/>
+                </a:solidFill>
+                <a:latin typeface="Consolas" panose="020B0609020204030204" pitchFamily="49" charset="0"/>
+              </a:rPr>
+              <a:t>(4),</a:t>
+            </a:r>
+          </a:p>
+          <a:p>
+            <a:pPr algn="l"/>
+            <a:r>
+              <a:rPr lang="en-US" sz="1800" dirty="0">
+                <a:solidFill>
+                  <a:srgbClr val="6A3E3E"/>
+                </a:solidFill>
+                <a:latin typeface="Consolas" panose="020B0609020204030204" pitchFamily="49" charset="0"/>
+              </a:rPr>
+              <a:t>                    </a:t>
+            </a:r>
+            <a:r>
+              <a:rPr lang="en-US" sz="1800" dirty="0" err="1">
+                <a:solidFill>
+                  <a:srgbClr val="6A3E3E"/>
+                </a:solidFill>
+                <a:latin typeface="Consolas" panose="020B0609020204030204" pitchFamily="49" charset="0"/>
+              </a:rPr>
+              <a:t>rs</a:t>
+            </a:r>
+            <a:r>
+              <a:rPr lang="en-US" sz="1800" dirty="0" err="1">
+                <a:solidFill>
+                  <a:srgbClr val="000000"/>
+                </a:solidFill>
+                <a:latin typeface="Consolas" panose="020B0609020204030204" pitchFamily="49" charset="0"/>
+              </a:rPr>
+              <a:t>.getInt</a:t>
+            </a:r>
+            <a:r>
+              <a:rPr lang="en-US" sz="1800" dirty="0">
+                <a:solidFill>
+                  <a:srgbClr val="000000"/>
+                </a:solidFill>
+                <a:latin typeface="Consolas" panose="020B0609020204030204" pitchFamily="49" charset="0"/>
+              </a:rPr>
+              <a:t>(5)</a:t>
+            </a:r>
+          </a:p>
+          <a:p>
+            <a:pPr algn="l"/>
+            <a:r>
+              <a:rPr lang="en-US" sz="1800" dirty="0">
+                <a:solidFill>
+                  <a:srgbClr val="000000"/>
+                </a:solidFill>
+                <a:latin typeface="Consolas" panose="020B0609020204030204" pitchFamily="49" charset="0"/>
+              </a:rPr>
+              <a:t>                );</a:t>
+            </a:r>
+          </a:p>
+          <a:p>
+            <a:pPr algn="l"/>
+            <a:r>
+              <a:rPr lang="en-US" sz="1800" dirty="0">
+                <a:solidFill>
+                  <a:srgbClr val="000000"/>
+                </a:solidFill>
+                <a:latin typeface="Consolas" panose="020B0609020204030204" pitchFamily="49" charset="0"/>
+              </a:rPr>
+              <a:t>            }</a:t>
+            </a:r>
+          </a:p>
+          <a:p>
+            <a:pPr algn="l"/>
+            <a:r>
+              <a:rPr lang="en-US" sz="1800" dirty="0">
+                <a:solidFill>
+                  <a:srgbClr val="000000"/>
+                </a:solidFill>
+                <a:latin typeface="Consolas" panose="020B0609020204030204" pitchFamily="49" charset="0"/>
+              </a:rPr>
+              <a:t>        } </a:t>
+            </a:r>
+            <a:r>
+              <a:rPr lang="en-US" sz="1800" b="1" dirty="0">
+                <a:solidFill>
+                  <a:srgbClr val="7F0055"/>
+                </a:solidFill>
+                <a:latin typeface="Consolas" panose="020B0609020204030204" pitchFamily="49" charset="0"/>
+              </a:rPr>
+              <a:t>catch</a:t>
+            </a:r>
+            <a:r>
+              <a:rPr lang="en-US" sz="1800" b="1" dirty="0">
+                <a:solidFill>
+                  <a:srgbClr val="000000"/>
+                </a:solidFill>
+                <a:latin typeface="Consolas" panose="020B0609020204030204" pitchFamily="49" charset="0"/>
+              </a:rPr>
+              <a:t> (</a:t>
+            </a:r>
+            <a:r>
+              <a:rPr lang="en-US" sz="1800" b="1" dirty="0" err="1">
+                <a:solidFill>
+                  <a:srgbClr val="000000"/>
+                </a:solidFill>
+                <a:latin typeface="Consolas" panose="020B0609020204030204" pitchFamily="49" charset="0"/>
+              </a:rPr>
+              <a:t>SQLException</a:t>
+            </a:r>
+            <a:r>
+              <a:rPr lang="en-US" sz="1800" b="1" dirty="0">
+                <a:solidFill>
+                  <a:srgbClr val="000000"/>
+                </a:solidFill>
+                <a:latin typeface="Consolas" panose="020B0609020204030204" pitchFamily="49" charset="0"/>
+              </a:rPr>
+              <a:t> </a:t>
+            </a:r>
+            <a:r>
+              <a:rPr lang="en-US" sz="1800" b="1" dirty="0">
+                <a:solidFill>
+                  <a:srgbClr val="6A3E3E"/>
+                </a:solidFill>
+                <a:latin typeface="Consolas" panose="020B0609020204030204" pitchFamily="49" charset="0"/>
+              </a:rPr>
+              <a:t>e</a:t>
+            </a:r>
+            <a:r>
+              <a:rPr lang="en-US" sz="1800" b="1" dirty="0">
+                <a:solidFill>
+                  <a:srgbClr val="000000"/>
+                </a:solidFill>
+                <a:latin typeface="Consolas" panose="020B0609020204030204" pitchFamily="49" charset="0"/>
+              </a:rPr>
+              <a:t>) {</a:t>
+            </a:r>
+          </a:p>
+          <a:p>
+            <a:pPr algn="l"/>
+            <a:r>
+              <a:rPr lang="en-US" sz="1800" dirty="0">
+                <a:solidFill>
+                  <a:srgbClr val="6A3E3E"/>
+                </a:solidFill>
+                <a:latin typeface="Consolas" panose="020B0609020204030204" pitchFamily="49" charset="0"/>
+              </a:rPr>
+              <a:t>            </a:t>
+            </a:r>
+            <a:r>
+              <a:rPr lang="en-US" sz="1800" dirty="0" err="1">
+                <a:solidFill>
+                  <a:srgbClr val="6A3E3E"/>
+                </a:solidFill>
+                <a:latin typeface="Consolas" panose="020B0609020204030204" pitchFamily="49" charset="0"/>
+              </a:rPr>
+              <a:t>e</a:t>
+            </a:r>
+            <a:r>
+              <a:rPr lang="en-US" sz="1800" dirty="0" err="1">
+                <a:solidFill>
+                  <a:srgbClr val="000000"/>
+                </a:solidFill>
+                <a:latin typeface="Consolas" panose="020B0609020204030204" pitchFamily="49" charset="0"/>
+              </a:rPr>
+              <a:t>.printStackTrace</a:t>
+            </a:r>
+            <a:r>
+              <a:rPr lang="en-US" sz="1800" dirty="0">
+                <a:solidFill>
+                  <a:srgbClr val="000000"/>
+                </a:solidFill>
+                <a:latin typeface="Consolas" panose="020B0609020204030204" pitchFamily="49" charset="0"/>
+              </a:rPr>
+              <a:t>();</a:t>
+            </a:r>
+          </a:p>
+          <a:p>
+            <a:pPr algn="l"/>
+            <a:r>
+              <a:rPr lang="en-US" sz="1800" dirty="0">
+                <a:solidFill>
+                  <a:srgbClr val="000000"/>
+                </a:solidFill>
+                <a:latin typeface="Consolas" panose="020B0609020204030204" pitchFamily="49" charset="0"/>
+              </a:rPr>
+              <a:t>        }</a:t>
+            </a:r>
+          </a:p>
+          <a:p>
+            <a:pPr algn="l"/>
+            <a:endParaRPr lang="en-US" sz="1800" b="1" dirty="0">
+              <a:solidFill>
+                <a:srgbClr val="7F0055"/>
+              </a:solidFill>
+              <a:latin typeface="Consolas" panose="020B0609020204030204" pitchFamily="49" charset="0"/>
+            </a:endParaRPr>
+          </a:p>
+          <a:p>
+            <a:pPr algn="l"/>
+            <a:r>
+              <a:rPr lang="en-US" sz="1800" b="1" dirty="0">
+                <a:solidFill>
+                  <a:srgbClr val="7F0055"/>
+                </a:solidFill>
+                <a:latin typeface="Consolas" panose="020B0609020204030204" pitchFamily="49" charset="0"/>
+              </a:rPr>
+              <a:t>        return</a:t>
+            </a:r>
+            <a:r>
+              <a:rPr lang="en-US" sz="1800" b="1" dirty="0">
+                <a:solidFill>
+                  <a:srgbClr val="000000"/>
+                </a:solidFill>
+                <a:latin typeface="Consolas" panose="020B0609020204030204" pitchFamily="49" charset="0"/>
+              </a:rPr>
+              <a:t> </a:t>
+            </a:r>
+            <a:r>
+              <a:rPr lang="en-US" sz="1800" b="1" dirty="0">
+                <a:solidFill>
+                  <a:srgbClr val="6A3E3E"/>
+                </a:solidFill>
+                <a:latin typeface="Consolas" panose="020B0609020204030204" pitchFamily="49" charset="0"/>
+              </a:rPr>
+              <a:t>emp</a:t>
+            </a:r>
+            <a:r>
+              <a:rPr lang="en-US" sz="1800" b="1" dirty="0">
+                <a:solidFill>
+                  <a:srgbClr val="000000"/>
+                </a:solidFill>
+                <a:latin typeface="Consolas" panose="020B0609020204030204" pitchFamily="49" charset="0"/>
+              </a:rPr>
+              <a:t>;</a:t>
+            </a:r>
+          </a:p>
+          <a:p>
+            <a:pPr algn="l"/>
+            <a:r>
+              <a:rPr lang="en-US" sz="1800" dirty="0">
+                <a:solidFill>
+                  <a:srgbClr val="000000"/>
+                </a:solidFill>
+                <a:latin typeface="Consolas" panose="020B0609020204030204" pitchFamily="49" charset="0"/>
+              </a:rPr>
+              <a:t>    }</a:t>
+            </a:r>
+          </a:p>
+          <a:p>
+            <a:pPr algn="l"/>
+            <a:endParaRPr lang="en-US" sz="1800" dirty="0">
+              <a:solidFill>
+                <a:srgbClr val="000000"/>
+              </a:solidFill>
+              <a:latin typeface="Consolas" panose="020B0609020204030204" pitchFamily="49" charset="0"/>
+            </a:endParaRPr>
+          </a:p>
+          <a:p>
+            <a:pPr algn="l"/>
+            <a:r>
+              <a:rPr lang="en-US" sz="1800" dirty="0">
+                <a:solidFill>
+                  <a:srgbClr val="3F7F5F"/>
+                </a:solidFill>
+                <a:latin typeface="Consolas" panose="020B0609020204030204" pitchFamily="49" charset="0"/>
+              </a:rPr>
+              <a:t>// other code...</a:t>
+            </a:r>
+          </a:p>
+          <a:p>
+            <a:pPr algn="l"/>
+            <a:endParaRPr lang="en-US" sz="1800" dirty="0">
+              <a:solidFill>
+                <a:srgbClr val="000000"/>
+              </a:solidFill>
+              <a:latin typeface="Consolas" panose="020B0609020204030204" pitchFamily="49" charset="0"/>
+            </a:endParaRPr>
+          </a:p>
+          <a:p>
+            <a:pPr algn="l"/>
+            <a:r>
+              <a:rPr lang="en-US" sz="1800" dirty="0">
+                <a:solidFill>
+                  <a:srgbClr val="000000"/>
+                </a:solidFill>
+                <a:latin typeface="Consolas" panose="020B0609020204030204" pitchFamily="49" charset="0"/>
+              </a:rPr>
+              <a:t>}</a:t>
+            </a:r>
+            <a:endParaRPr lang="en-US" sz="2000" dirty="0">
+              <a:latin typeface="+mj-lt"/>
+              <a:cs typeface="Courier New" panose="02070309020205020404" pitchFamily="49" charset="0"/>
+            </a:endParaRPr>
+          </a:p>
+        </p:txBody>
+      </p:sp>
+    </p:spTree>
+    <p:extLst>
+      <p:ext uri="{BB962C8B-B14F-4D97-AF65-F5344CB8AC3E}">
+        <p14:creationId xmlns:p14="http://schemas.microsoft.com/office/powerpoint/2010/main" val="1866487247"/>
+      </p:ext>
+    </p:extLst>
+  </p:cSld>
+  <p:clrMapOvr>
+    <a:masterClrMapping/>
+  </p:clrMapOvr>
+</p:sld>
+</file>
+
+<file path=ppt/slides/slide12.xml><?xml version="1.0" encoding="utf-8"?>
+<p:sld xmlns:a="http://schemas.openxmlformats.org/drawingml/2006/main" xmlns:r="http://schemas.openxmlformats.org/officeDocument/2006/relationships" xmlns:p="http://schemas.openxmlformats.org/presentationml/2006/main">
+  <p:cSld>
+    <p:spTree>
+      <p:nvGrpSpPr>
+        <p:cNvPr id="1" name=""/>
+        <p:cNvGrpSpPr/>
+        <p:nvPr/>
+      </p:nvGrpSpPr>
+      <p:grpSpPr>
+        <a:xfrm>
+          <a:off x="0" y="0"/>
+          <a:ext cx="0" cy="0"/>
+          <a:chOff x="0" y="0"/>
+          <a:chExt cx="0" cy="0"/>
+        </a:xfrm>
+      </p:grpSpPr>
+      <p:sp>
+        <p:nvSpPr>
+          <p:cNvPr id="2" name="Title 1">
+            <a:extLst>
+              <a:ext uri="{FF2B5EF4-FFF2-40B4-BE49-F238E27FC236}">
+                <a16:creationId xmlns:a16="http://schemas.microsoft.com/office/drawing/2014/main" id="{03BFDB46-CB77-43BD-8935-38A4C3F6FA6B}"/>
+              </a:ext>
+            </a:extLst>
+          </p:cNvPr>
+          <p:cNvSpPr>
+            <a:spLocks noGrp="1"/>
+          </p:cNvSpPr>
+          <p:nvPr>
+            <p:ph type="title"/>
+          </p:nvPr>
+        </p:nvSpPr>
+        <p:spPr>
+          <a:xfrm>
+            <a:off x="201336" y="-4950"/>
+            <a:ext cx="7021585" cy="1224150"/>
+          </a:xfrm>
+        </p:spPr>
+        <p:txBody>
+          <a:bodyPr/>
+          <a:lstStyle/>
+          <a:p>
+            <a:r>
+              <a:rPr lang="en-US" dirty="0"/>
+              <a:t>DAO Implementation – Find Collection (select)</a:t>
+            </a:r>
+          </a:p>
+        </p:txBody>
+      </p:sp>
+      <p:sp>
+        <p:nvSpPr>
+          <p:cNvPr id="4" name="Slide Number Placeholder 3">
+            <a:extLst>
+              <a:ext uri="{FF2B5EF4-FFF2-40B4-BE49-F238E27FC236}">
+                <a16:creationId xmlns:a16="http://schemas.microsoft.com/office/drawing/2014/main" id="{9B226E6F-12C5-41EC-BF9D-EAF162B65B12}"/>
+              </a:ext>
+            </a:extLst>
+          </p:cNvPr>
+          <p:cNvSpPr>
+            <a:spLocks noGrp="1"/>
+          </p:cNvSpPr>
+          <p:nvPr>
+            <p:ph type="sldNum" idx="12"/>
+          </p:nvPr>
+        </p:nvSpPr>
+        <p:spPr/>
+        <p:txBody>
+          <a:bodyPr/>
+          <a:lstStyle/>
+          <a:p>
+            <a:pPr marL="0" lvl="0" indent="0" algn="r" rtl="0">
+              <a:spcBef>
+                <a:spcPts val="0"/>
+              </a:spcBef>
+              <a:spcAft>
+                <a:spcPts val="0"/>
+              </a:spcAft>
+              <a:buNone/>
+            </a:pPr>
+            <a:fld id="{00000000-1234-1234-1234-123412341234}" type="slidenum">
+              <a:rPr lang="en-US" smtClean="0"/>
+              <a:t>11</a:t>
+            </a:fld>
+            <a:endParaRPr lang="en-US"/>
+          </a:p>
+        </p:txBody>
+      </p:sp>
+      <p:sp>
+        <p:nvSpPr>
+          <p:cNvPr id="5" name="Rectangle 4">
+            <a:extLst>
+              <a:ext uri="{FF2B5EF4-FFF2-40B4-BE49-F238E27FC236}">
+                <a16:creationId xmlns:a16="http://schemas.microsoft.com/office/drawing/2014/main" id="{A82A11AC-4036-4F2B-957E-7FF331372FA4}"/>
+              </a:ext>
+            </a:extLst>
+          </p:cNvPr>
+          <p:cNvSpPr/>
+          <p:nvPr/>
+        </p:nvSpPr>
+        <p:spPr>
+          <a:xfrm>
+            <a:off x="589722" y="1401762"/>
+            <a:ext cx="7964555" cy="5327075"/>
+          </a:xfrm>
+          <a:prstGeom prst="rect">
+            <a:avLst/>
+          </a:prstGeom>
+        </p:spPr>
+        <p:style>
+          <a:lnRef idx="1">
+            <a:schemeClr val="accent2"/>
+          </a:lnRef>
+          <a:fillRef idx="2">
+            <a:schemeClr val="accent2"/>
+          </a:fillRef>
+          <a:effectRef idx="1">
+            <a:schemeClr val="accent2"/>
+          </a:effectRef>
+          <a:fontRef idx="minor">
+            <a:schemeClr val="dk1"/>
+          </a:fontRef>
+        </p:style>
+        <p:txBody>
+          <a:bodyPr rtlCol="0" anchor="ctr">
+            <a:normAutofit fontScale="62500" lnSpcReduction="20000"/>
+          </a:bodyPr>
+          <a:lstStyle/>
+          <a:p>
+            <a:pPr algn="l"/>
+            <a:r>
+              <a:rPr lang="en-US" sz="1800" b="1" dirty="0">
+                <a:solidFill>
+                  <a:srgbClr val="7F0055"/>
+                </a:solidFill>
+                <a:latin typeface="Consolas" panose="020B0609020204030204" pitchFamily="49" charset="0"/>
+              </a:rPr>
+              <a:t>public</a:t>
+            </a:r>
+            <a:r>
+              <a:rPr lang="en-US" sz="1800" b="1" dirty="0">
+                <a:solidFill>
+                  <a:srgbClr val="000000"/>
+                </a:solidFill>
+                <a:latin typeface="Consolas" panose="020B0609020204030204" pitchFamily="49" charset="0"/>
+              </a:rPr>
+              <a:t> </a:t>
+            </a:r>
+            <a:r>
+              <a:rPr lang="en-US" sz="1800" b="1" dirty="0">
+                <a:solidFill>
+                  <a:srgbClr val="7F0055"/>
+                </a:solidFill>
+                <a:latin typeface="Consolas" panose="020B0609020204030204" pitchFamily="49" charset="0"/>
+              </a:rPr>
+              <a:t>class</a:t>
+            </a:r>
+            <a:r>
+              <a:rPr lang="en-US" sz="1800" b="1" dirty="0">
+                <a:solidFill>
+                  <a:srgbClr val="000000"/>
+                </a:solidFill>
+                <a:latin typeface="Consolas" panose="020B0609020204030204" pitchFamily="49" charset="0"/>
+              </a:rPr>
+              <a:t> </a:t>
+            </a:r>
+            <a:r>
+              <a:rPr lang="en-US" sz="1800" b="1" dirty="0" err="1">
+                <a:solidFill>
+                  <a:srgbClr val="000000"/>
+                </a:solidFill>
+                <a:latin typeface="Consolas" panose="020B0609020204030204" pitchFamily="49" charset="0"/>
+              </a:rPr>
+              <a:t>EmployeeDAOImpl</a:t>
+            </a:r>
+            <a:r>
+              <a:rPr lang="en-US" sz="1800" b="1" dirty="0">
+                <a:solidFill>
+                  <a:srgbClr val="000000"/>
+                </a:solidFill>
+                <a:latin typeface="Consolas" panose="020B0609020204030204" pitchFamily="49" charset="0"/>
+              </a:rPr>
+              <a:t> </a:t>
+            </a:r>
+            <a:r>
+              <a:rPr lang="en-US" sz="1800" b="1" dirty="0">
+                <a:solidFill>
+                  <a:srgbClr val="7F0055"/>
+                </a:solidFill>
+                <a:latin typeface="Consolas" panose="020B0609020204030204" pitchFamily="49" charset="0"/>
+              </a:rPr>
+              <a:t>implements</a:t>
+            </a:r>
+            <a:r>
+              <a:rPr lang="en-US" sz="1800" b="1" dirty="0">
+                <a:solidFill>
+                  <a:srgbClr val="000000"/>
+                </a:solidFill>
+                <a:latin typeface="Consolas" panose="020B0609020204030204" pitchFamily="49" charset="0"/>
+              </a:rPr>
+              <a:t> </a:t>
+            </a:r>
+            <a:r>
+              <a:rPr lang="en-US" sz="1800" b="1" dirty="0" err="1">
+                <a:solidFill>
+                  <a:srgbClr val="000000"/>
+                </a:solidFill>
+                <a:latin typeface="Consolas" panose="020B0609020204030204" pitchFamily="49" charset="0"/>
+              </a:rPr>
+              <a:t>EmployeeDAO</a:t>
+            </a:r>
+            <a:r>
+              <a:rPr lang="en-US" sz="1800" b="1" dirty="0">
+                <a:solidFill>
+                  <a:srgbClr val="000000"/>
+                </a:solidFill>
+                <a:latin typeface="Consolas" panose="020B0609020204030204" pitchFamily="49" charset="0"/>
+              </a:rPr>
+              <a:t> {</a:t>
+            </a:r>
+          </a:p>
+          <a:p>
+            <a:pPr algn="l"/>
+            <a:endParaRPr lang="en-US" sz="1800" dirty="0">
+              <a:latin typeface="Consolas" panose="020B0609020204030204" pitchFamily="49" charset="0"/>
+            </a:endParaRPr>
+          </a:p>
+          <a:p>
+            <a:pPr algn="l"/>
+            <a:r>
+              <a:rPr lang="en-US" sz="1800" dirty="0">
+                <a:solidFill>
+                  <a:srgbClr val="3F7F5F"/>
+                </a:solidFill>
+                <a:latin typeface="Consolas" panose="020B0609020204030204" pitchFamily="49" charset="0"/>
+              </a:rPr>
+              <a:t>// other code...</a:t>
+            </a:r>
+            <a:endParaRPr lang="en-US" sz="1800" dirty="0">
+              <a:latin typeface="Consolas" panose="020B0609020204030204" pitchFamily="49" charset="0"/>
+            </a:endParaRPr>
+          </a:p>
+          <a:p>
+            <a:pPr algn="l"/>
+            <a:endParaRPr lang="en-US" sz="1800" dirty="0">
+              <a:latin typeface="Consolas" panose="020B0609020204030204" pitchFamily="49" charset="0"/>
+            </a:endParaRPr>
+          </a:p>
+          <a:p>
+            <a:pPr algn="l"/>
+            <a:r>
+              <a:rPr lang="en-US" sz="1800" dirty="0">
+                <a:solidFill>
+                  <a:srgbClr val="646464"/>
+                </a:solidFill>
+                <a:latin typeface="Consolas" panose="020B0609020204030204" pitchFamily="49" charset="0"/>
+              </a:rPr>
+              <a:t>    @Override</a:t>
+            </a:r>
+          </a:p>
+          <a:p>
+            <a:pPr algn="l"/>
+            <a:r>
+              <a:rPr lang="en-US" sz="1800" b="1" dirty="0">
+                <a:solidFill>
+                  <a:srgbClr val="7F0055"/>
+                </a:solidFill>
+                <a:latin typeface="Consolas" panose="020B0609020204030204" pitchFamily="49" charset="0"/>
+              </a:rPr>
+              <a:t>    public</a:t>
+            </a:r>
+            <a:r>
+              <a:rPr lang="en-US" sz="1800" b="1" dirty="0">
+                <a:solidFill>
+                  <a:srgbClr val="000000"/>
+                </a:solidFill>
+                <a:latin typeface="Consolas" panose="020B0609020204030204" pitchFamily="49" charset="0"/>
+              </a:rPr>
+              <a:t> List&lt;Employee&gt; </a:t>
+            </a:r>
+            <a:r>
+              <a:rPr lang="en-US" sz="1800" b="1" dirty="0" err="1">
+                <a:solidFill>
+                  <a:srgbClr val="000000"/>
+                </a:solidFill>
+                <a:latin typeface="Consolas" panose="020B0609020204030204" pitchFamily="49" charset="0"/>
+              </a:rPr>
+              <a:t>selectAllEmployees</a:t>
+            </a:r>
+            <a:r>
+              <a:rPr lang="en-US" sz="1800" b="1" dirty="0">
+                <a:solidFill>
+                  <a:srgbClr val="000000"/>
+                </a:solidFill>
+                <a:latin typeface="Consolas" panose="020B0609020204030204" pitchFamily="49" charset="0"/>
+              </a:rPr>
+              <a:t>() {</a:t>
+            </a:r>
+          </a:p>
+          <a:p>
+            <a:pPr algn="l"/>
+            <a:r>
+              <a:rPr lang="en-US" sz="1800" dirty="0">
+                <a:solidFill>
+                  <a:srgbClr val="000000"/>
+                </a:solidFill>
+                <a:latin typeface="Consolas" panose="020B0609020204030204" pitchFamily="49" charset="0"/>
+              </a:rPr>
+              <a:t>        Statement </a:t>
+            </a:r>
+            <a:r>
+              <a:rPr lang="en-US" sz="1800" dirty="0" err="1">
+                <a:solidFill>
+                  <a:srgbClr val="6A3E3E"/>
+                </a:solidFill>
+                <a:latin typeface="Consolas" panose="020B0609020204030204" pitchFamily="49" charset="0"/>
+              </a:rPr>
+              <a:t>stmt</a:t>
+            </a:r>
+            <a:r>
+              <a:rPr lang="en-US" sz="1800" dirty="0">
+                <a:solidFill>
+                  <a:srgbClr val="000000"/>
+                </a:solidFill>
+                <a:latin typeface="Consolas" panose="020B0609020204030204" pitchFamily="49" charset="0"/>
+              </a:rPr>
+              <a:t> = </a:t>
+            </a:r>
+            <a:r>
+              <a:rPr lang="en-US" sz="1800" b="1" dirty="0">
+                <a:solidFill>
+                  <a:srgbClr val="7F0055"/>
+                </a:solidFill>
+                <a:latin typeface="Consolas" panose="020B0609020204030204" pitchFamily="49" charset="0"/>
+              </a:rPr>
+              <a:t>null</a:t>
+            </a:r>
+            <a:r>
+              <a:rPr lang="en-US" sz="1800" b="1" dirty="0">
+                <a:solidFill>
+                  <a:srgbClr val="000000"/>
+                </a:solidFill>
+                <a:latin typeface="Consolas" panose="020B0609020204030204" pitchFamily="49" charset="0"/>
+              </a:rPr>
+              <a:t>;</a:t>
+            </a:r>
+          </a:p>
+          <a:p>
+            <a:pPr algn="l"/>
+            <a:r>
+              <a:rPr lang="en-US" sz="1800" dirty="0">
+                <a:solidFill>
+                  <a:srgbClr val="000000"/>
+                </a:solidFill>
+                <a:latin typeface="Consolas" panose="020B0609020204030204" pitchFamily="49" charset="0"/>
+              </a:rPr>
+              <a:t>        </a:t>
+            </a:r>
+            <a:r>
+              <a:rPr lang="en-US" sz="1800" dirty="0" err="1">
+                <a:solidFill>
+                  <a:srgbClr val="000000"/>
+                </a:solidFill>
+                <a:latin typeface="Consolas" panose="020B0609020204030204" pitchFamily="49" charset="0"/>
+              </a:rPr>
+              <a:t>ResultSet</a:t>
+            </a:r>
+            <a:r>
+              <a:rPr lang="en-US" sz="1800" dirty="0">
+                <a:solidFill>
+                  <a:srgbClr val="000000"/>
+                </a:solidFill>
+                <a:latin typeface="Consolas" panose="020B0609020204030204" pitchFamily="49" charset="0"/>
+              </a:rPr>
+              <a:t> </a:t>
+            </a:r>
+            <a:r>
+              <a:rPr lang="en-US" sz="1800" dirty="0" err="1">
+                <a:solidFill>
+                  <a:srgbClr val="6A3E3E"/>
+                </a:solidFill>
+                <a:latin typeface="Consolas" panose="020B0609020204030204" pitchFamily="49" charset="0"/>
+              </a:rPr>
+              <a:t>rs</a:t>
+            </a:r>
+            <a:r>
+              <a:rPr lang="en-US" sz="1800" dirty="0">
+                <a:solidFill>
+                  <a:srgbClr val="000000"/>
+                </a:solidFill>
+                <a:latin typeface="Consolas" panose="020B0609020204030204" pitchFamily="49" charset="0"/>
+              </a:rPr>
+              <a:t> = </a:t>
+            </a:r>
+            <a:r>
+              <a:rPr lang="en-US" sz="1800" b="1" dirty="0">
+                <a:solidFill>
+                  <a:srgbClr val="7F0055"/>
+                </a:solidFill>
+                <a:latin typeface="Consolas" panose="020B0609020204030204" pitchFamily="49" charset="0"/>
+              </a:rPr>
+              <a:t>null</a:t>
+            </a:r>
+            <a:r>
+              <a:rPr lang="en-US" sz="1800" b="1" dirty="0">
+                <a:solidFill>
+                  <a:srgbClr val="000000"/>
+                </a:solidFill>
+                <a:latin typeface="Consolas" panose="020B0609020204030204" pitchFamily="49" charset="0"/>
+              </a:rPr>
+              <a:t>;</a:t>
+            </a:r>
+          </a:p>
+          <a:p>
+            <a:pPr algn="l"/>
+            <a:r>
+              <a:rPr lang="en-US" sz="1800" dirty="0">
+                <a:solidFill>
+                  <a:srgbClr val="000000"/>
+                </a:solidFill>
+                <a:latin typeface="Consolas" panose="020B0609020204030204" pitchFamily="49" charset="0"/>
+              </a:rPr>
+              <a:t>        List&lt;Employee&gt; </a:t>
+            </a:r>
+            <a:r>
+              <a:rPr lang="en-US" sz="1800" dirty="0" err="1">
+                <a:solidFill>
+                  <a:srgbClr val="6A3E3E"/>
+                </a:solidFill>
+                <a:latin typeface="Consolas" panose="020B0609020204030204" pitchFamily="49" charset="0"/>
+              </a:rPr>
+              <a:t>elist</a:t>
+            </a:r>
+            <a:r>
+              <a:rPr lang="en-US" sz="1800" dirty="0">
+                <a:solidFill>
+                  <a:srgbClr val="000000"/>
+                </a:solidFill>
+                <a:latin typeface="Consolas" panose="020B0609020204030204" pitchFamily="49" charset="0"/>
+              </a:rPr>
+              <a:t> = </a:t>
+            </a:r>
+            <a:r>
+              <a:rPr lang="en-US" sz="1800" b="1" dirty="0">
+                <a:solidFill>
+                  <a:srgbClr val="7F0055"/>
+                </a:solidFill>
+                <a:latin typeface="Consolas" panose="020B0609020204030204" pitchFamily="49" charset="0"/>
+              </a:rPr>
+              <a:t>null</a:t>
+            </a:r>
+            <a:r>
+              <a:rPr lang="en-US" sz="1800" b="1" dirty="0">
+                <a:solidFill>
+                  <a:srgbClr val="000000"/>
+                </a:solidFill>
+                <a:latin typeface="Consolas" panose="020B0609020204030204" pitchFamily="49" charset="0"/>
+              </a:rPr>
+              <a:t>;</a:t>
+            </a:r>
+          </a:p>
+          <a:p>
+            <a:pPr algn="l"/>
+            <a:endParaRPr lang="en-US" sz="1800" dirty="0">
+              <a:latin typeface="Consolas" panose="020B0609020204030204" pitchFamily="49" charset="0"/>
+            </a:endParaRPr>
+          </a:p>
+          <a:p>
+            <a:pPr algn="l"/>
+            <a:r>
+              <a:rPr lang="en-US" sz="1800" b="1" dirty="0">
+                <a:solidFill>
+                  <a:srgbClr val="7F0055"/>
+                </a:solidFill>
+                <a:latin typeface="Consolas" panose="020B0609020204030204" pitchFamily="49" charset="0"/>
+              </a:rPr>
+              <a:t>        try</a:t>
+            </a:r>
+            <a:r>
+              <a:rPr lang="en-US" sz="1800" b="1" dirty="0">
+                <a:solidFill>
+                  <a:srgbClr val="000000"/>
+                </a:solidFill>
+                <a:latin typeface="Consolas" panose="020B0609020204030204" pitchFamily="49" charset="0"/>
+              </a:rPr>
+              <a:t> (Connection </a:t>
+            </a:r>
+            <a:r>
+              <a:rPr lang="en-US" sz="1800" b="1" dirty="0">
+                <a:solidFill>
+                  <a:srgbClr val="6A3E3E"/>
+                </a:solidFill>
+                <a:latin typeface="Consolas" panose="020B0609020204030204" pitchFamily="49" charset="0"/>
+              </a:rPr>
+              <a:t>conn</a:t>
+            </a:r>
+            <a:r>
+              <a:rPr lang="en-US" sz="1800" b="1" dirty="0">
+                <a:solidFill>
+                  <a:srgbClr val="000000"/>
+                </a:solidFill>
+                <a:latin typeface="Consolas" panose="020B0609020204030204" pitchFamily="49" charset="0"/>
+              </a:rPr>
+              <a:t> = </a:t>
+            </a:r>
+            <a:r>
+              <a:rPr lang="en-US" sz="1800" b="1" dirty="0" err="1">
+                <a:solidFill>
+                  <a:srgbClr val="000000"/>
+                </a:solidFill>
+                <a:latin typeface="Consolas" panose="020B0609020204030204" pitchFamily="49" charset="0"/>
+              </a:rPr>
+              <a:t>ConnectionUtil.</a:t>
+            </a:r>
+            <a:r>
+              <a:rPr lang="en-US" sz="1800" b="1" i="1" dirty="0" err="1">
+                <a:solidFill>
+                  <a:srgbClr val="000000"/>
+                </a:solidFill>
+                <a:latin typeface="Consolas" panose="020B0609020204030204" pitchFamily="49" charset="0"/>
+              </a:rPr>
+              <a:t>getConnection</a:t>
+            </a:r>
+            <a:r>
+              <a:rPr lang="en-US" sz="1800" b="1" i="1" dirty="0">
+                <a:solidFill>
+                  <a:srgbClr val="000000"/>
+                </a:solidFill>
+                <a:latin typeface="Consolas" panose="020B0609020204030204" pitchFamily="49" charset="0"/>
+              </a:rPr>
+              <a:t>()) {</a:t>
+            </a:r>
+          </a:p>
+          <a:p>
+            <a:pPr algn="l"/>
+            <a:r>
+              <a:rPr lang="en-US" sz="1800" dirty="0">
+                <a:solidFill>
+                  <a:srgbClr val="000000"/>
+                </a:solidFill>
+                <a:latin typeface="Consolas" panose="020B0609020204030204" pitchFamily="49" charset="0"/>
+              </a:rPr>
+              <a:t>            String </a:t>
+            </a:r>
+            <a:r>
+              <a:rPr lang="en-US" sz="1800" dirty="0">
+                <a:solidFill>
+                  <a:srgbClr val="6A3E3E"/>
+                </a:solidFill>
+                <a:latin typeface="Consolas" panose="020B0609020204030204" pitchFamily="49" charset="0"/>
+              </a:rPr>
+              <a:t>query</a:t>
+            </a:r>
+            <a:r>
+              <a:rPr lang="en-US" sz="1800" dirty="0">
+                <a:solidFill>
+                  <a:srgbClr val="000000"/>
+                </a:solidFill>
+                <a:latin typeface="Consolas" panose="020B0609020204030204" pitchFamily="49" charset="0"/>
+              </a:rPr>
+              <a:t> = </a:t>
+            </a:r>
+            <a:r>
+              <a:rPr lang="en-US" sz="1800" dirty="0">
+                <a:solidFill>
+                  <a:srgbClr val="2A00FF"/>
+                </a:solidFill>
+                <a:latin typeface="Consolas" panose="020B0609020204030204" pitchFamily="49" charset="0"/>
+              </a:rPr>
+              <a:t>"SELECT * FROM </a:t>
+            </a:r>
+            <a:r>
+              <a:rPr lang="en-US" sz="1800" dirty="0" err="1">
+                <a:solidFill>
+                  <a:srgbClr val="2A00FF"/>
+                </a:solidFill>
+                <a:latin typeface="Consolas" panose="020B0609020204030204" pitchFamily="49" charset="0"/>
+              </a:rPr>
+              <a:t>bankapp.employee</a:t>
+            </a:r>
+            <a:r>
+              <a:rPr lang="en-US" sz="1800" dirty="0">
+                <a:solidFill>
+                  <a:srgbClr val="2A00FF"/>
+                </a:solidFill>
+                <a:latin typeface="Consolas" panose="020B0609020204030204" pitchFamily="49" charset="0"/>
+              </a:rPr>
+              <a:t>"</a:t>
+            </a:r>
+            <a:r>
+              <a:rPr lang="en-US" sz="1800" dirty="0">
+                <a:solidFill>
+                  <a:srgbClr val="000000"/>
+                </a:solidFill>
+                <a:latin typeface="Consolas" panose="020B0609020204030204" pitchFamily="49" charset="0"/>
+              </a:rPr>
+              <a:t>;</a:t>
+            </a:r>
+          </a:p>
+          <a:p>
+            <a:pPr algn="l"/>
+            <a:r>
+              <a:rPr lang="en-US" sz="1800" dirty="0">
+                <a:solidFill>
+                  <a:srgbClr val="6A3E3E"/>
+                </a:solidFill>
+                <a:latin typeface="Consolas" panose="020B0609020204030204" pitchFamily="49" charset="0"/>
+              </a:rPr>
+              <a:t>            </a:t>
+            </a:r>
+            <a:r>
+              <a:rPr lang="en-US" sz="1800" dirty="0" err="1">
+                <a:solidFill>
+                  <a:srgbClr val="6A3E3E"/>
+                </a:solidFill>
+                <a:latin typeface="Consolas" panose="020B0609020204030204" pitchFamily="49" charset="0"/>
+              </a:rPr>
+              <a:t>stmt</a:t>
+            </a:r>
+            <a:r>
+              <a:rPr lang="en-US" sz="1800" dirty="0">
+                <a:solidFill>
+                  <a:srgbClr val="000000"/>
+                </a:solidFill>
+                <a:latin typeface="Consolas" panose="020B0609020204030204" pitchFamily="49" charset="0"/>
+              </a:rPr>
+              <a:t> = </a:t>
+            </a:r>
+            <a:r>
+              <a:rPr lang="en-US" sz="1800" dirty="0" err="1">
+                <a:solidFill>
+                  <a:srgbClr val="6A3E3E"/>
+                </a:solidFill>
+                <a:latin typeface="Consolas" panose="020B0609020204030204" pitchFamily="49" charset="0"/>
+              </a:rPr>
+              <a:t>conn</a:t>
+            </a:r>
+            <a:r>
+              <a:rPr lang="en-US" sz="1800" dirty="0" err="1">
+                <a:solidFill>
+                  <a:srgbClr val="000000"/>
+                </a:solidFill>
+                <a:latin typeface="Consolas" panose="020B0609020204030204" pitchFamily="49" charset="0"/>
+              </a:rPr>
+              <a:t>.createStatement</a:t>
+            </a:r>
+            <a:r>
+              <a:rPr lang="en-US" sz="1800" dirty="0">
+                <a:solidFill>
+                  <a:srgbClr val="000000"/>
+                </a:solidFill>
+                <a:latin typeface="Consolas" panose="020B0609020204030204" pitchFamily="49" charset="0"/>
+              </a:rPr>
+              <a:t>();</a:t>
+            </a:r>
+          </a:p>
+          <a:p>
+            <a:pPr algn="l"/>
+            <a:endParaRPr lang="en-US" sz="1800" dirty="0">
+              <a:latin typeface="Consolas" panose="020B0609020204030204" pitchFamily="49" charset="0"/>
+            </a:endParaRPr>
+          </a:p>
+          <a:p>
+            <a:pPr algn="l"/>
+            <a:r>
+              <a:rPr lang="en-US" sz="1800" dirty="0">
+                <a:solidFill>
+                  <a:srgbClr val="6A3E3E"/>
+                </a:solidFill>
+                <a:latin typeface="Consolas" panose="020B0609020204030204" pitchFamily="49" charset="0"/>
+              </a:rPr>
+              <a:t>            </a:t>
+            </a:r>
+            <a:r>
+              <a:rPr lang="en-US" sz="1800" dirty="0" err="1">
+                <a:solidFill>
+                  <a:srgbClr val="6A3E3E"/>
+                </a:solidFill>
+                <a:latin typeface="Consolas" panose="020B0609020204030204" pitchFamily="49" charset="0"/>
+              </a:rPr>
+              <a:t>rs</a:t>
+            </a:r>
+            <a:r>
+              <a:rPr lang="en-US" sz="1800" dirty="0">
+                <a:solidFill>
+                  <a:srgbClr val="000000"/>
+                </a:solidFill>
+                <a:latin typeface="Consolas" panose="020B0609020204030204" pitchFamily="49" charset="0"/>
+              </a:rPr>
+              <a:t> = </a:t>
+            </a:r>
+            <a:r>
+              <a:rPr lang="en-US" sz="1800" dirty="0" err="1">
+                <a:solidFill>
+                  <a:srgbClr val="6A3E3E"/>
+                </a:solidFill>
+                <a:latin typeface="Consolas" panose="020B0609020204030204" pitchFamily="49" charset="0"/>
+              </a:rPr>
+              <a:t>stmt</a:t>
+            </a:r>
+            <a:r>
+              <a:rPr lang="en-US" sz="1800" dirty="0" err="1">
+                <a:solidFill>
+                  <a:srgbClr val="000000"/>
+                </a:solidFill>
+                <a:latin typeface="Consolas" panose="020B0609020204030204" pitchFamily="49" charset="0"/>
+              </a:rPr>
+              <a:t>.executeQuery</a:t>
+            </a:r>
+            <a:r>
+              <a:rPr lang="en-US" sz="1800" dirty="0">
+                <a:solidFill>
+                  <a:srgbClr val="000000"/>
+                </a:solidFill>
+                <a:latin typeface="Consolas" panose="020B0609020204030204" pitchFamily="49" charset="0"/>
+              </a:rPr>
+              <a:t>(</a:t>
+            </a:r>
+            <a:r>
+              <a:rPr lang="en-US" sz="1800" dirty="0">
+                <a:solidFill>
+                  <a:srgbClr val="6A3E3E"/>
+                </a:solidFill>
+                <a:latin typeface="Consolas" panose="020B0609020204030204" pitchFamily="49" charset="0"/>
+              </a:rPr>
+              <a:t>query</a:t>
+            </a:r>
+            <a:r>
+              <a:rPr lang="en-US" sz="1800" dirty="0">
+                <a:solidFill>
+                  <a:srgbClr val="000000"/>
+                </a:solidFill>
+                <a:latin typeface="Consolas" panose="020B0609020204030204" pitchFamily="49" charset="0"/>
+              </a:rPr>
+              <a:t>);</a:t>
+            </a:r>
+          </a:p>
+          <a:p>
+            <a:pPr algn="l"/>
+            <a:endParaRPr lang="en-US" sz="1800" dirty="0">
+              <a:latin typeface="Consolas" panose="020B0609020204030204" pitchFamily="49" charset="0"/>
+            </a:endParaRPr>
+          </a:p>
+          <a:p>
+            <a:pPr algn="l"/>
+            <a:r>
+              <a:rPr lang="en-US" sz="1800" dirty="0">
+                <a:solidFill>
+                  <a:srgbClr val="000000"/>
+                </a:solidFill>
+                <a:latin typeface="Consolas" panose="020B0609020204030204" pitchFamily="49" charset="0"/>
+              </a:rPr>
+              <a:t>            </a:t>
+            </a:r>
+            <a:r>
+              <a:rPr lang="en-US" sz="1800" dirty="0" err="1">
+                <a:solidFill>
+                  <a:srgbClr val="6A3E3E"/>
+                </a:solidFill>
+                <a:latin typeface="Consolas" panose="020B0609020204030204" pitchFamily="49" charset="0"/>
+              </a:rPr>
+              <a:t>elist</a:t>
+            </a:r>
+            <a:r>
+              <a:rPr lang="en-US" sz="1800" dirty="0">
+                <a:solidFill>
+                  <a:srgbClr val="000000"/>
+                </a:solidFill>
+                <a:latin typeface="Consolas" panose="020B0609020204030204" pitchFamily="49" charset="0"/>
+              </a:rPr>
+              <a:t> = </a:t>
+            </a:r>
+            <a:r>
+              <a:rPr lang="en-US" sz="1800" b="1" dirty="0">
+                <a:solidFill>
+                  <a:srgbClr val="7F0055"/>
+                </a:solidFill>
+                <a:latin typeface="Consolas" panose="020B0609020204030204" pitchFamily="49" charset="0"/>
+              </a:rPr>
+              <a:t>new</a:t>
+            </a:r>
+            <a:r>
+              <a:rPr lang="en-US" sz="1800" b="1" dirty="0">
+                <a:solidFill>
+                  <a:srgbClr val="000000"/>
+                </a:solidFill>
+                <a:latin typeface="Consolas" panose="020B0609020204030204" pitchFamily="49" charset="0"/>
+              </a:rPr>
+              <a:t> </a:t>
+            </a:r>
+            <a:r>
+              <a:rPr lang="en-US" sz="1800" b="1" dirty="0" err="1">
+                <a:solidFill>
+                  <a:srgbClr val="000000"/>
+                </a:solidFill>
+                <a:latin typeface="Consolas" panose="020B0609020204030204" pitchFamily="49" charset="0"/>
+              </a:rPr>
+              <a:t>ArrayList</a:t>
+            </a:r>
+            <a:r>
+              <a:rPr lang="en-US" sz="1800" b="1" dirty="0">
+                <a:solidFill>
+                  <a:srgbClr val="000000"/>
+                </a:solidFill>
+                <a:latin typeface="Consolas" panose="020B0609020204030204" pitchFamily="49" charset="0"/>
+              </a:rPr>
+              <a:t>&lt;Employee&gt;()</a:t>
+            </a:r>
+            <a:endParaRPr lang="en-US" sz="1800" dirty="0">
+              <a:latin typeface="Consolas" panose="020B0609020204030204" pitchFamily="49" charset="0"/>
+            </a:endParaRPr>
+          </a:p>
+          <a:p>
+            <a:pPr algn="l"/>
+            <a:endParaRPr lang="en-US" sz="1800" dirty="0">
+              <a:latin typeface="Consolas" panose="020B0609020204030204" pitchFamily="49" charset="0"/>
+            </a:endParaRPr>
+          </a:p>
+          <a:p>
+            <a:pPr algn="l"/>
+            <a:r>
+              <a:rPr lang="en-US" sz="1800" b="1" dirty="0">
+                <a:solidFill>
+                  <a:srgbClr val="7F0055"/>
+                </a:solidFill>
+                <a:latin typeface="Consolas" panose="020B0609020204030204" pitchFamily="49" charset="0"/>
+              </a:rPr>
+              <a:t>            while</a:t>
+            </a:r>
+            <a:r>
+              <a:rPr lang="en-US" sz="1800" b="1" dirty="0">
+                <a:solidFill>
+                  <a:srgbClr val="000000"/>
+                </a:solidFill>
+                <a:latin typeface="Consolas" panose="020B0609020204030204" pitchFamily="49" charset="0"/>
+              </a:rPr>
+              <a:t> (</a:t>
+            </a:r>
+            <a:r>
+              <a:rPr lang="en-US" sz="1800" b="1" dirty="0" err="1">
+                <a:solidFill>
+                  <a:srgbClr val="6A3E3E"/>
+                </a:solidFill>
+                <a:latin typeface="Consolas" panose="020B0609020204030204" pitchFamily="49" charset="0"/>
+              </a:rPr>
+              <a:t>rs</a:t>
+            </a:r>
+            <a:r>
+              <a:rPr lang="en-US" sz="1800" b="1" dirty="0" err="1">
+                <a:solidFill>
+                  <a:srgbClr val="000000"/>
+                </a:solidFill>
+                <a:latin typeface="Consolas" panose="020B0609020204030204" pitchFamily="49" charset="0"/>
+              </a:rPr>
+              <a:t>.next</a:t>
+            </a:r>
+            <a:r>
+              <a:rPr lang="en-US" sz="1800" b="1" dirty="0">
+                <a:solidFill>
+                  <a:srgbClr val="000000"/>
+                </a:solidFill>
+                <a:latin typeface="Consolas" panose="020B0609020204030204" pitchFamily="49" charset="0"/>
+              </a:rPr>
+              <a:t>()) {</a:t>
+            </a:r>
+          </a:p>
+          <a:p>
+            <a:pPr algn="l"/>
+            <a:r>
+              <a:rPr lang="en-US" sz="1800" dirty="0">
+                <a:solidFill>
+                  <a:srgbClr val="000000"/>
+                </a:solidFill>
+                <a:latin typeface="Consolas" panose="020B0609020204030204" pitchFamily="49" charset="0"/>
+              </a:rPr>
+              <a:t>                Employee </a:t>
+            </a:r>
+            <a:r>
+              <a:rPr lang="en-US" sz="1800" dirty="0">
+                <a:solidFill>
+                  <a:srgbClr val="6A3E3E"/>
+                </a:solidFill>
+                <a:latin typeface="Consolas" panose="020B0609020204030204" pitchFamily="49" charset="0"/>
+              </a:rPr>
+              <a:t>emp</a:t>
+            </a:r>
+            <a:r>
+              <a:rPr lang="en-US" sz="1800" dirty="0">
+                <a:solidFill>
+                  <a:srgbClr val="000000"/>
+                </a:solidFill>
+                <a:latin typeface="Consolas" panose="020B0609020204030204" pitchFamily="49" charset="0"/>
+              </a:rPr>
+              <a:t> = </a:t>
+            </a:r>
+            <a:r>
+              <a:rPr lang="en-US" sz="1800" b="1" dirty="0">
+                <a:solidFill>
+                  <a:srgbClr val="7F0055"/>
+                </a:solidFill>
+                <a:latin typeface="Consolas" panose="020B0609020204030204" pitchFamily="49" charset="0"/>
+              </a:rPr>
+              <a:t>new</a:t>
+            </a:r>
+            <a:r>
+              <a:rPr lang="en-US" sz="1800" b="1" dirty="0">
+                <a:solidFill>
+                  <a:srgbClr val="000000"/>
+                </a:solidFill>
+                <a:latin typeface="Consolas" panose="020B0609020204030204" pitchFamily="49" charset="0"/>
+              </a:rPr>
+              <a:t> Employee();</a:t>
+            </a:r>
+          </a:p>
+          <a:p>
+            <a:pPr algn="l"/>
+            <a:r>
+              <a:rPr lang="en-US" sz="1800" dirty="0">
+                <a:solidFill>
+                  <a:srgbClr val="6A3E3E"/>
+                </a:solidFill>
+                <a:latin typeface="Consolas" panose="020B0609020204030204" pitchFamily="49" charset="0"/>
+              </a:rPr>
+              <a:t>                </a:t>
+            </a:r>
+            <a:r>
+              <a:rPr lang="en-US" sz="1800" dirty="0" err="1">
+                <a:solidFill>
+                  <a:srgbClr val="6A3E3E"/>
+                </a:solidFill>
+                <a:latin typeface="Consolas" panose="020B0609020204030204" pitchFamily="49" charset="0"/>
+              </a:rPr>
+              <a:t>emp</a:t>
+            </a:r>
+            <a:r>
+              <a:rPr lang="en-US" sz="1800" dirty="0" err="1">
+                <a:solidFill>
+                  <a:srgbClr val="000000"/>
+                </a:solidFill>
+                <a:latin typeface="Consolas" panose="020B0609020204030204" pitchFamily="49" charset="0"/>
+              </a:rPr>
+              <a:t>.setEmp_id</a:t>
+            </a:r>
+            <a:r>
+              <a:rPr lang="en-US" sz="1800" dirty="0">
+                <a:solidFill>
+                  <a:srgbClr val="000000"/>
+                </a:solidFill>
+                <a:latin typeface="Consolas" panose="020B0609020204030204" pitchFamily="49" charset="0"/>
+              </a:rPr>
+              <a:t>(</a:t>
+            </a:r>
+            <a:r>
+              <a:rPr lang="en-US" sz="1800" dirty="0" err="1">
+                <a:solidFill>
+                  <a:srgbClr val="6A3E3E"/>
+                </a:solidFill>
+                <a:latin typeface="Consolas" panose="020B0609020204030204" pitchFamily="49" charset="0"/>
+              </a:rPr>
+              <a:t>rs</a:t>
+            </a:r>
+            <a:r>
+              <a:rPr lang="en-US" sz="1800" dirty="0" err="1">
+                <a:solidFill>
+                  <a:srgbClr val="000000"/>
+                </a:solidFill>
+                <a:latin typeface="Consolas" panose="020B0609020204030204" pitchFamily="49" charset="0"/>
+              </a:rPr>
+              <a:t>.getInt</a:t>
+            </a:r>
+            <a:r>
+              <a:rPr lang="en-US" sz="1800" dirty="0">
+                <a:solidFill>
+                  <a:srgbClr val="000000"/>
+                </a:solidFill>
+                <a:latin typeface="Consolas" panose="020B0609020204030204" pitchFamily="49" charset="0"/>
+              </a:rPr>
+              <a:t>(1));</a:t>
+            </a:r>
+          </a:p>
+          <a:p>
+            <a:pPr algn="l"/>
+            <a:r>
+              <a:rPr lang="en-US" sz="1800" dirty="0">
+                <a:solidFill>
+                  <a:srgbClr val="6A3E3E"/>
+                </a:solidFill>
+                <a:latin typeface="Consolas" panose="020B0609020204030204" pitchFamily="49" charset="0"/>
+              </a:rPr>
+              <a:t>                </a:t>
+            </a:r>
+            <a:r>
+              <a:rPr lang="en-US" sz="1800" dirty="0" err="1">
+                <a:solidFill>
+                  <a:srgbClr val="6A3E3E"/>
+                </a:solidFill>
+                <a:latin typeface="Consolas" panose="020B0609020204030204" pitchFamily="49" charset="0"/>
+              </a:rPr>
+              <a:t>emp</a:t>
+            </a:r>
+            <a:r>
+              <a:rPr lang="en-US" sz="1800" dirty="0" err="1">
+                <a:solidFill>
+                  <a:srgbClr val="000000"/>
+                </a:solidFill>
+                <a:latin typeface="Consolas" panose="020B0609020204030204" pitchFamily="49" charset="0"/>
+              </a:rPr>
+              <a:t>.setEmp_name</a:t>
+            </a:r>
+            <a:r>
+              <a:rPr lang="en-US" sz="1800" dirty="0">
+                <a:solidFill>
+                  <a:srgbClr val="000000"/>
+                </a:solidFill>
+                <a:latin typeface="Consolas" panose="020B0609020204030204" pitchFamily="49" charset="0"/>
+              </a:rPr>
+              <a:t>(</a:t>
+            </a:r>
+            <a:r>
+              <a:rPr lang="en-US" sz="1800" dirty="0" err="1">
+                <a:solidFill>
+                  <a:srgbClr val="6A3E3E"/>
+                </a:solidFill>
+                <a:latin typeface="Consolas" panose="020B0609020204030204" pitchFamily="49" charset="0"/>
+              </a:rPr>
+              <a:t>rs</a:t>
+            </a:r>
+            <a:r>
+              <a:rPr lang="en-US" sz="1800" dirty="0" err="1">
+                <a:solidFill>
+                  <a:srgbClr val="000000"/>
+                </a:solidFill>
+                <a:latin typeface="Consolas" panose="020B0609020204030204" pitchFamily="49" charset="0"/>
+              </a:rPr>
+              <a:t>.getString</a:t>
+            </a:r>
+            <a:r>
+              <a:rPr lang="en-US" sz="1800" dirty="0">
+                <a:solidFill>
+                  <a:srgbClr val="000000"/>
+                </a:solidFill>
+                <a:latin typeface="Consolas" panose="020B0609020204030204" pitchFamily="49" charset="0"/>
+              </a:rPr>
+              <a:t>(2));</a:t>
+            </a:r>
+          </a:p>
+          <a:p>
+            <a:pPr algn="l"/>
+            <a:r>
+              <a:rPr lang="en-US" sz="1800" dirty="0">
+                <a:solidFill>
+                  <a:srgbClr val="6A3E3E"/>
+                </a:solidFill>
+                <a:latin typeface="Consolas" panose="020B0609020204030204" pitchFamily="49" charset="0"/>
+              </a:rPr>
+              <a:t>                </a:t>
+            </a:r>
+            <a:r>
+              <a:rPr lang="en-US" sz="1800" dirty="0" err="1">
+                <a:solidFill>
+                  <a:srgbClr val="6A3E3E"/>
+                </a:solidFill>
+                <a:latin typeface="Consolas" panose="020B0609020204030204" pitchFamily="49" charset="0"/>
+              </a:rPr>
+              <a:t>emp</a:t>
+            </a:r>
+            <a:r>
+              <a:rPr lang="en-US" sz="1800" dirty="0" err="1">
+                <a:solidFill>
+                  <a:srgbClr val="000000"/>
+                </a:solidFill>
+                <a:latin typeface="Consolas" panose="020B0609020204030204" pitchFamily="49" charset="0"/>
+              </a:rPr>
+              <a:t>.setEmp_title</a:t>
+            </a:r>
+            <a:r>
+              <a:rPr lang="en-US" sz="1800" dirty="0">
+                <a:solidFill>
+                  <a:srgbClr val="000000"/>
+                </a:solidFill>
+                <a:latin typeface="Consolas" panose="020B0609020204030204" pitchFamily="49" charset="0"/>
+              </a:rPr>
+              <a:t>(</a:t>
+            </a:r>
+            <a:r>
+              <a:rPr lang="en-US" sz="1800" dirty="0" err="1">
+                <a:solidFill>
+                  <a:srgbClr val="6A3E3E"/>
+                </a:solidFill>
+                <a:latin typeface="Consolas" panose="020B0609020204030204" pitchFamily="49" charset="0"/>
+              </a:rPr>
+              <a:t>rs</a:t>
+            </a:r>
+            <a:r>
+              <a:rPr lang="en-US" sz="1800" dirty="0" err="1">
+                <a:solidFill>
+                  <a:srgbClr val="000000"/>
+                </a:solidFill>
+                <a:latin typeface="Consolas" panose="020B0609020204030204" pitchFamily="49" charset="0"/>
+              </a:rPr>
+              <a:t>.getString</a:t>
+            </a:r>
+            <a:r>
+              <a:rPr lang="en-US" sz="1800" dirty="0">
+                <a:solidFill>
+                  <a:srgbClr val="000000"/>
+                </a:solidFill>
+                <a:latin typeface="Consolas" panose="020B0609020204030204" pitchFamily="49" charset="0"/>
+              </a:rPr>
+              <a:t>(</a:t>
+            </a:r>
+            <a:r>
+              <a:rPr lang="en-US" sz="1800" dirty="0">
+                <a:solidFill>
+                  <a:srgbClr val="2A00FF"/>
+                </a:solidFill>
+                <a:latin typeface="Consolas" panose="020B0609020204030204" pitchFamily="49" charset="0"/>
+              </a:rPr>
+              <a:t>"</a:t>
+            </a:r>
+            <a:r>
+              <a:rPr lang="en-US" sz="1800" dirty="0" err="1">
+                <a:solidFill>
+                  <a:srgbClr val="2A00FF"/>
+                </a:solidFill>
+                <a:latin typeface="Consolas" panose="020B0609020204030204" pitchFamily="49" charset="0"/>
+              </a:rPr>
+              <a:t>emp_title</a:t>
+            </a:r>
+            <a:r>
+              <a:rPr lang="en-US" sz="1800" dirty="0">
+                <a:solidFill>
+                  <a:srgbClr val="2A00FF"/>
+                </a:solidFill>
+                <a:latin typeface="Consolas" panose="020B0609020204030204" pitchFamily="49" charset="0"/>
+              </a:rPr>
+              <a:t>"</a:t>
+            </a:r>
+            <a:r>
+              <a:rPr lang="en-US" sz="1800" dirty="0">
+                <a:solidFill>
+                  <a:srgbClr val="000000"/>
+                </a:solidFill>
+                <a:latin typeface="Consolas" panose="020B0609020204030204" pitchFamily="49" charset="0"/>
+              </a:rPr>
+              <a:t>));</a:t>
+            </a:r>
+          </a:p>
+          <a:p>
+            <a:pPr algn="l"/>
+            <a:r>
+              <a:rPr lang="en-US" sz="1800" dirty="0">
+                <a:solidFill>
+                  <a:srgbClr val="6A3E3E"/>
+                </a:solidFill>
+                <a:latin typeface="Consolas" panose="020B0609020204030204" pitchFamily="49" charset="0"/>
+              </a:rPr>
+              <a:t>                </a:t>
+            </a:r>
+            <a:r>
+              <a:rPr lang="en-US" sz="1800" dirty="0" err="1">
+                <a:solidFill>
+                  <a:srgbClr val="6A3E3E"/>
+                </a:solidFill>
+                <a:latin typeface="Consolas" panose="020B0609020204030204" pitchFamily="49" charset="0"/>
+              </a:rPr>
+              <a:t>emp</a:t>
+            </a:r>
+            <a:r>
+              <a:rPr lang="en-US" sz="1800" dirty="0" err="1">
+                <a:solidFill>
+                  <a:srgbClr val="000000"/>
+                </a:solidFill>
+                <a:latin typeface="Consolas" panose="020B0609020204030204" pitchFamily="49" charset="0"/>
+              </a:rPr>
+              <a:t>.setEmp_salary</a:t>
+            </a:r>
+            <a:r>
+              <a:rPr lang="en-US" sz="1800" dirty="0">
+                <a:solidFill>
+                  <a:srgbClr val="000000"/>
+                </a:solidFill>
+                <a:latin typeface="Consolas" panose="020B0609020204030204" pitchFamily="49" charset="0"/>
+              </a:rPr>
+              <a:t>(</a:t>
+            </a:r>
+            <a:r>
+              <a:rPr lang="en-US" sz="1800" dirty="0" err="1">
+                <a:solidFill>
+                  <a:srgbClr val="6A3E3E"/>
+                </a:solidFill>
+                <a:latin typeface="Consolas" panose="020B0609020204030204" pitchFamily="49" charset="0"/>
+              </a:rPr>
+              <a:t>rs</a:t>
+            </a:r>
+            <a:r>
+              <a:rPr lang="en-US" sz="1800" dirty="0" err="1">
+                <a:solidFill>
+                  <a:srgbClr val="000000"/>
+                </a:solidFill>
+                <a:latin typeface="Consolas" panose="020B0609020204030204" pitchFamily="49" charset="0"/>
+              </a:rPr>
+              <a:t>.getDouble</a:t>
+            </a:r>
+            <a:r>
+              <a:rPr lang="en-US" sz="1800" dirty="0">
+                <a:solidFill>
+                  <a:srgbClr val="000000"/>
+                </a:solidFill>
+                <a:latin typeface="Consolas" panose="020B0609020204030204" pitchFamily="49" charset="0"/>
+              </a:rPr>
+              <a:t>(</a:t>
+            </a:r>
+            <a:r>
+              <a:rPr lang="en-US" sz="1800" dirty="0">
+                <a:solidFill>
+                  <a:srgbClr val="2A00FF"/>
+                </a:solidFill>
+                <a:latin typeface="Consolas" panose="020B0609020204030204" pitchFamily="49" charset="0"/>
+              </a:rPr>
+              <a:t>"</a:t>
+            </a:r>
+            <a:r>
+              <a:rPr lang="en-US" sz="1800" dirty="0" err="1">
+                <a:solidFill>
+                  <a:srgbClr val="2A00FF"/>
+                </a:solidFill>
+                <a:latin typeface="Consolas" panose="020B0609020204030204" pitchFamily="49" charset="0"/>
+              </a:rPr>
+              <a:t>emp_salary</a:t>
+            </a:r>
+            <a:r>
+              <a:rPr lang="en-US" sz="1800" dirty="0">
+                <a:solidFill>
+                  <a:srgbClr val="2A00FF"/>
+                </a:solidFill>
+                <a:latin typeface="Consolas" panose="020B0609020204030204" pitchFamily="49" charset="0"/>
+              </a:rPr>
+              <a:t>"</a:t>
+            </a:r>
+            <a:r>
+              <a:rPr lang="en-US" sz="1800" dirty="0">
+                <a:solidFill>
+                  <a:srgbClr val="000000"/>
+                </a:solidFill>
+                <a:latin typeface="Consolas" panose="020B0609020204030204" pitchFamily="49" charset="0"/>
+              </a:rPr>
+              <a:t>));</a:t>
+            </a:r>
+          </a:p>
+          <a:p>
+            <a:pPr algn="l"/>
+            <a:r>
+              <a:rPr lang="en-US" sz="1800" dirty="0">
+                <a:solidFill>
+                  <a:srgbClr val="6A3E3E"/>
+                </a:solidFill>
+                <a:latin typeface="Consolas" panose="020B0609020204030204" pitchFamily="49" charset="0"/>
+              </a:rPr>
+              <a:t>                </a:t>
+            </a:r>
+            <a:r>
+              <a:rPr lang="en-US" sz="1800" dirty="0" err="1">
+                <a:solidFill>
+                  <a:srgbClr val="6A3E3E"/>
+                </a:solidFill>
+                <a:latin typeface="Consolas" panose="020B0609020204030204" pitchFamily="49" charset="0"/>
+              </a:rPr>
+              <a:t>emp</a:t>
+            </a:r>
+            <a:r>
+              <a:rPr lang="en-US" sz="1800" dirty="0" err="1">
+                <a:solidFill>
+                  <a:srgbClr val="000000"/>
+                </a:solidFill>
+                <a:latin typeface="Consolas" panose="020B0609020204030204" pitchFamily="49" charset="0"/>
+              </a:rPr>
+              <a:t>.setLogin_id</a:t>
+            </a:r>
+            <a:r>
+              <a:rPr lang="en-US" sz="1800" dirty="0">
+                <a:solidFill>
+                  <a:srgbClr val="000000"/>
+                </a:solidFill>
+                <a:latin typeface="Consolas" panose="020B0609020204030204" pitchFamily="49" charset="0"/>
+              </a:rPr>
+              <a:t>(</a:t>
+            </a:r>
+            <a:r>
+              <a:rPr lang="en-US" sz="1800" dirty="0" err="1">
+                <a:solidFill>
+                  <a:srgbClr val="6A3E3E"/>
+                </a:solidFill>
+                <a:latin typeface="Consolas" panose="020B0609020204030204" pitchFamily="49" charset="0"/>
+              </a:rPr>
+              <a:t>rs</a:t>
+            </a:r>
+            <a:r>
+              <a:rPr lang="en-US" sz="1800" dirty="0" err="1">
+                <a:solidFill>
+                  <a:srgbClr val="000000"/>
+                </a:solidFill>
+                <a:latin typeface="Consolas" panose="020B0609020204030204" pitchFamily="49" charset="0"/>
+              </a:rPr>
+              <a:t>.getInt</a:t>
+            </a:r>
+            <a:r>
+              <a:rPr lang="en-US" sz="1800" dirty="0">
+                <a:solidFill>
+                  <a:srgbClr val="000000"/>
+                </a:solidFill>
+                <a:latin typeface="Consolas" panose="020B0609020204030204" pitchFamily="49" charset="0"/>
+              </a:rPr>
+              <a:t>(</a:t>
+            </a:r>
+            <a:r>
+              <a:rPr lang="en-US" sz="1800" dirty="0">
+                <a:solidFill>
+                  <a:srgbClr val="2A00FF"/>
+                </a:solidFill>
+                <a:latin typeface="Consolas" panose="020B0609020204030204" pitchFamily="49" charset="0"/>
+              </a:rPr>
+              <a:t>"</a:t>
+            </a:r>
+            <a:r>
+              <a:rPr lang="en-US" sz="1800" dirty="0" err="1">
+                <a:solidFill>
+                  <a:srgbClr val="2A00FF"/>
+                </a:solidFill>
+                <a:latin typeface="Consolas" panose="020B0609020204030204" pitchFamily="49" charset="0"/>
+              </a:rPr>
+              <a:t>login_id</a:t>
+            </a:r>
+            <a:r>
+              <a:rPr lang="en-US" sz="1800" dirty="0">
+                <a:solidFill>
+                  <a:srgbClr val="2A00FF"/>
+                </a:solidFill>
+                <a:latin typeface="Consolas" panose="020B0609020204030204" pitchFamily="49" charset="0"/>
+              </a:rPr>
+              <a:t>"</a:t>
+            </a:r>
+            <a:r>
+              <a:rPr lang="en-US" sz="1800" dirty="0">
+                <a:solidFill>
+                  <a:srgbClr val="000000"/>
+                </a:solidFill>
+                <a:latin typeface="Consolas" panose="020B0609020204030204" pitchFamily="49" charset="0"/>
+              </a:rPr>
+              <a:t>));</a:t>
+            </a:r>
+          </a:p>
+          <a:p>
+            <a:pPr algn="l"/>
+            <a:endParaRPr lang="en-US" sz="1800" dirty="0">
+              <a:latin typeface="Consolas" panose="020B0609020204030204" pitchFamily="49" charset="0"/>
+            </a:endParaRPr>
+          </a:p>
+          <a:p>
+            <a:pPr algn="l"/>
+            <a:r>
+              <a:rPr lang="en-US" sz="1800" dirty="0">
+                <a:solidFill>
+                  <a:srgbClr val="6A3E3E"/>
+                </a:solidFill>
+                <a:latin typeface="Consolas" panose="020B0609020204030204" pitchFamily="49" charset="0"/>
+              </a:rPr>
+              <a:t>                </a:t>
+            </a:r>
+            <a:r>
+              <a:rPr lang="en-US" sz="1800" dirty="0" err="1">
+                <a:solidFill>
+                  <a:srgbClr val="6A3E3E"/>
+                </a:solidFill>
+                <a:latin typeface="Consolas" panose="020B0609020204030204" pitchFamily="49" charset="0"/>
+              </a:rPr>
+              <a:t>list</a:t>
+            </a:r>
+            <a:r>
+              <a:rPr lang="en-US" sz="1800" dirty="0" err="1">
+                <a:solidFill>
+                  <a:srgbClr val="000000"/>
+                </a:solidFill>
+                <a:latin typeface="Consolas" panose="020B0609020204030204" pitchFamily="49" charset="0"/>
+              </a:rPr>
+              <a:t>.add</a:t>
+            </a:r>
+            <a:r>
+              <a:rPr lang="en-US" sz="1800" dirty="0">
+                <a:solidFill>
+                  <a:srgbClr val="000000"/>
+                </a:solidFill>
+                <a:latin typeface="Consolas" panose="020B0609020204030204" pitchFamily="49" charset="0"/>
+              </a:rPr>
+              <a:t>(</a:t>
+            </a:r>
+            <a:r>
+              <a:rPr lang="en-US" sz="1800" dirty="0">
+                <a:solidFill>
+                  <a:srgbClr val="6A3E3E"/>
+                </a:solidFill>
+                <a:latin typeface="Consolas" panose="020B0609020204030204" pitchFamily="49" charset="0"/>
+              </a:rPr>
+              <a:t>emp</a:t>
+            </a:r>
+            <a:r>
+              <a:rPr lang="en-US" sz="1800" dirty="0">
+                <a:solidFill>
+                  <a:srgbClr val="000000"/>
+                </a:solidFill>
+                <a:latin typeface="Consolas" panose="020B0609020204030204" pitchFamily="49" charset="0"/>
+              </a:rPr>
+              <a:t>);</a:t>
+            </a:r>
+          </a:p>
+          <a:p>
+            <a:pPr algn="l"/>
+            <a:r>
+              <a:rPr lang="en-US" sz="1800" dirty="0">
+                <a:solidFill>
+                  <a:srgbClr val="000000"/>
+                </a:solidFill>
+                <a:latin typeface="Consolas" panose="020B0609020204030204" pitchFamily="49" charset="0"/>
+              </a:rPr>
+              <a:t>            }</a:t>
+            </a:r>
+          </a:p>
+          <a:p>
+            <a:pPr algn="l"/>
+            <a:r>
+              <a:rPr lang="en-US" sz="1800" dirty="0">
+                <a:solidFill>
+                  <a:srgbClr val="000000"/>
+                </a:solidFill>
+                <a:latin typeface="Consolas" panose="020B0609020204030204" pitchFamily="49" charset="0"/>
+              </a:rPr>
+              <a:t>        } </a:t>
+            </a:r>
+            <a:r>
+              <a:rPr lang="en-US" sz="1800" b="1" dirty="0">
+                <a:solidFill>
+                  <a:srgbClr val="7F0055"/>
+                </a:solidFill>
+                <a:latin typeface="Consolas" panose="020B0609020204030204" pitchFamily="49" charset="0"/>
+              </a:rPr>
+              <a:t>catch</a:t>
+            </a:r>
+            <a:r>
+              <a:rPr lang="en-US" sz="1800" b="1" dirty="0">
+                <a:solidFill>
+                  <a:srgbClr val="000000"/>
+                </a:solidFill>
+                <a:latin typeface="Consolas" panose="020B0609020204030204" pitchFamily="49" charset="0"/>
+              </a:rPr>
+              <a:t> (</a:t>
+            </a:r>
+            <a:r>
+              <a:rPr lang="en-US" sz="1800" b="1" dirty="0" err="1">
+                <a:solidFill>
+                  <a:srgbClr val="000000"/>
+                </a:solidFill>
+                <a:latin typeface="Consolas" panose="020B0609020204030204" pitchFamily="49" charset="0"/>
+              </a:rPr>
+              <a:t>SQLException</a:t>
+            </a:r>
+            <a:r>
+              <a:rPr lang="en-US" sz="1800" b="1" dirty="0">
+                <a:solidFill>
+                  <a:srgbClr val="000000"/>
+                </a:solidFill>
+                <a:latin typeface="Consolas" panose="020B0609020204030204" pitchFamily="49" charset="0"/>
+              </a:rPr>
+              <a:t> </a:t>
+            </a:r>
+            <a:r>
+              <a:rPr lang="en-US" sz="1800" b="1" dirty="0">
+                <a:solidFill>
+                  <a:srgbClr val="6A3E3E"/>
+                </a:solidFill>
+                <a:latin typeface="Consolas" panose="020B0609020204030204" pitchFamily="49" charset="0"/>
+              </a:rPr>
+              <a:t>e</a:t>
+            </a:r>
+            <a:r>
+              <a:rPr lang="en-US" sz="1800" b="1" dirty="0">
+                <a:solidFill>
+                  <a:srgbClr val="000000"/>
+                </a:solidFill>
+                <a:latin typeface="Consolas" panose="020B0609020204030204" pitchFamily="49" charset="0"/>
+              </a:rPr>
+              <a:t>) {</a:t>
+            </a:r>
+          </a:p>
+          <a:p>
+            <a:pPr algn="l"/>
+            <a:r>
+              <a:rPr lang="en-US" sz="1800" dirty="0">
+                <a:solidFill>
+                  <a:srgbClr val="6A3E3E"/>
+                </a:solidFill>
+                <a:latin typeface="Consolas" panose="020B0609020204030204" pitchFamily="49" charset="0"/>
+              </a:rPr>
+              <a:t>            </a:t>
+            </a:r>
+            <a:r>
+              <a:rPr lang="en-US" sz="1800" dirty="0" err="1">
+                <a:solidFill>
+                  <a:srgbClr val="6A3E3E"/>
+                </a:solidFill>
+                <a:latin typeface="Consolas" panose="020B0609020204030204" pitchFamily="49" charset="0"/>
+              </a:rPr>
+              <a:t>e</a:t>
+            </a:r>
+            <a:r>
+              <a:rPr lang="en-US" sz="1800" dirty="0" err="1">
+                <a:solidFill>
+                  <a:srgbClr val="000000"/>
+                </a:solidFill>
+                <a:latin typeface="Consolas" panose="020B0609020204030204" pitchFamily="49" charset="0"/>
+              </a:rPr>
+              <a:t>.printStackTrace</a:t>
+            </a:r>
+            <a:r>
+              <a:rPr lang="en-US" sz="1800" dirty="0">
+                <a:solidFill>
+                  <a:srgbClr val="000000"/>
+                </a:solidFill>
+                <a:latin typeface="Consolas" panose="020B0609020204030204" pitchFamily="49" charset="0"/>
+              </a:rPr>
+              <a:t>();</a:t>
+            </a:r>
+          </a:p>
+          <a:p>
+            <a:pPr algn="l"/>
+            <a:r>
+              <a:rPr lang="en-US" sz="1800" dirty="0">
+                <a:solidFill>
+                  <a:srgbClr val="000000"/>
+                </a:solidFill>
+                <a:latin typeface="Consolas" panose="020B0609020204030204" pitchFamily="49" charset="0"/>
+              </a:rPr>
+              <a:t>        }</a:t>
+            </a:r>
+          </a:p>
+          <a:p>
+            <a:pPr algn="l"/>
+            <a:endParaRPr lang="en-US" sz="1800" dirty="0">
+              <a:latin typeface="Consolas" panose="020B0609020204030204" pitchFamily="49" charset="0"/>
+            </a:endParaRPr>
+          </a:p>
+          <a:p>
+            <a:pPr algn="l"/>
+            <a:r>
+              <a:rPr lang="en-US" sz="1800" b="1" dirty="0">
+                <a:solidFill>
+                  <a:srgbClr val="7F0055"/>
+                </a:solidFill>
+                <a:latin typeface="Consolas" panose="020B0609020204030204" pitchFamily="49" charset="0"/>
+              </a:rPr>
+              <a:t>        return</a:t>
+            </a:r>
+            <a:r>
+              <a:rPr lang="en-US" sz="1800" b="1" dirty="0">
+                <a:solidFill>
+                  <a:srgbClr val="000000"/>
+                </a:solidFill>
+                <a:latin typeface="Consolas" panose="020B0609020204030204" pitchFamily="49" charset="0"/>
+              </a:rPr>
+              <a:t> </a:t>
+            </a:r>
+            <a:r>
+              <a:rPr lang="en-US" sz="1800" b="1" dirty="0" err="1">
+                <a:solidFill>
+                  <a:srgbClr val="6A3E3E"/>
+                </a:solidFill>
+                <a:latin typeface="Consolas" panose="020B0609020204030204" pitchFamily="49" charset="0"/>
+              </a:rPr>
+              <a:t>elist</a:t>
+            </a:r>
+            <a:r>
+              <a:rPr lang="en-US" sz="1800" b="1" dirty="0">
+                <a:solidFill>
+                  <a:srgbClr val="000000"/>
+                </a:solidFill>
+                <a:latin typeface="Consolas" panose="020B0609020204030204" pitchFamily="49" charset="0"/>
+              </a:rPr>
+              <a:t>;</a:t>
+            </a:r>
+          </a:p>
+          <a:p>
+            <a:pPr algn="l"/>
+            <a:r>
+              <a:rPr lang="en-US" sz="1800" dirty="0">
+                <a:solidFill>
+                  <a:srgbClr val="000000"/>
+                </a:solidFill>
+                <a:latin typeface="Consolas" panose="020B0609020204030204" pitchFamily="49" charset="0"/>
+              </a:rPr>
+              <a:t>    }</a:t>
+            </a:r>
+          </a:p>
+          <a:p>
+            <a:pPr algn="l"/>
+            <a:endParaRPr lang="en-US" sz="1800" dirty="0">
+              <a:solidFill>
+                <a:srgbClr val="3F7F5F"/>
+              </a:solidFill>
+              <a:latin typeface="Consolas" panose="020B0609020204030204" pitchFamily="49" charset="0"/>
+            </a:endParaRPr>
+          </a:p>
+          <a:p>
+            <a:pPr algn="l"/>
+            <a:r>
+              <a:rPr lang="en-US" sz="1800" dirty="0">
+                <a:solidFill>
+                  <a:srgbClr val="3F7F5F"/>
+                </a:solidFill>
+                <a:latin typeface="Consolas" panose="020B0609020204030204" pitchFamily="49" charset="0"/>
+              </a:rPr>
+              <a:t>// other code...</a:t>
+            </a:r>
+          </a:p>
+          <a:p>
+            <a:pPr algn="l"/>
+            <a:endParaRPr lang="en-US" sz="1800" dirty="0">
+              <a:solidFill>
+                <a:srgbClr val="000000"/>
+              </a:solidFill>
+              <a:latin typeface="Consolas" panose="020B0609020204030204" pitchFamily="49" charset="0"/>
+            </a:endParaRPr>
+          </a:p>
+          <a:p>
+            <a:pPr algn="l"/>
+            <a:r>
+              <a:rPr lang="en-US" sz="1800" dirty="0">
+                <a:solidFill>
+                  <a:srgbClr val="000000"/>
+                </a:solidFill>
+                <a:latin typeface="Consolas" panose="020B0609020204030204" pitchFamily="49" charset="0"/>
+              </a:rPr>
+              <a:t>}</a:t>
+            </a:r>
+            <a:endParaRPr lang="en-US" sz="2000" dirty="0">
+              <a:latin typeface="+mj-lt"/>
+              <a:cs typeface="Courier New" panose="02070309020205020404" pitchFamily="49" charset="0"/>
+            </a:endParaRPr>
+          </a:p>
+        </p:txBody>
+      </p:sp>
+    </p:spTree>
+    <p:extLst>
+      <p:ext uri="{BB962C8B-B14F-4D97-AF65-F5344CB8AC3E}">
+        <p14:creationId xmlns:p14="http://schemas.microsoft.com/office/powerpoint/2010/main" val="898506768"/>
+      </p:ext>
+    </p:extLst>
+  </p:cSld>
+  <p:clrMapOvr>
+    <a:masterClrMapping/>
+  </p:clrMapOvr>
+</p:sld>
+</file>
+
+<file path=ppt/slides/slide13.xml><?xml version="1.0" encoding="utf-8"?>
+<p:sld xmlns:a="http://schemas.openxmlformats.org/drawingml/2006/main" xmlns:r="http://schemas.openxmlformats.org/officeDocument/2006/relationships" xmlns:p="http://schemas.openxmlformats.org/presentationml/2006/main">
+  <p:cSld>
+    <p:spTree>
+      <p:nvGrpSpPr>
+        <p:cNvPr id="1" name=""/>
+        <p:cNvGrpSpPr/>
+        <p:nvPr/>
+      </p:nvGrpSpPr>
+      <p:grpSpPr>
+        <a:xfrm>
+          <a:off x="0" y="0"/>
+          <a:ext cx="0" cy="0"/>
+          <a:chOff x="0" y="0"/>
+          <a:chExt cx="0" cy="0"/>
+        </a:xfrm>
+      </p:grpSpPr>
+      <p:sp>
+        <p:nvSpPr>
+          <p:cNvPr id="2" name="Title 1">
+            <a:extLst>
+              <a:ext uri="{FF2B5EF4-FFF2-40B4-BE49-F238E27FC236}">
+                <a16:creationId xmlns:a16="http://schemas.microsoft.com/office/drawing/2014/main" id="{03BFDB46-CB77-43BD-8935-38A4C3F6FA6B}"/>
+              </a:ext>
+            </a:extLst>
+          </p:cNvPr>
+          <p:cNvSpPr>
+            <a:spLocks noGrp="1"/>
+          </p:cNvSpPr>
+          <p:nvPr>
+            <p:ph type="title"/>
+          </p:nvPr>
+        </p:nvSpPr>
+        <p:spPr/>
+        <p:txBody>
+          <a:bodyPr/>
+          <a:lstStyle/>
+          <a:p>
+            <a:r>
+              <a:rPr lang="en-US" dirty="0"/>
+              <a:t>DAO Implementation – Alter (update)</a:t>
+            </a:r>
+          </a:p>
+        </p:txBody>
+      </p:sp>
+      <p:sp>
+        <p:nvSpPr>
+          <p:cNvPr id="4" name="Slide Number Placeholder 3">
+            <a:extLst>
+              <a:ext uri="{FF2B5EF4-FFF2-40B4-BE49-F238E27FC236}">
+                <a16:creationId xmlns:a16="http://schemas.microsoft.com/office/drawing/2014/main" id="{9B226E6F-12C5-41EC-BF9D-EAF162B65B12}"/>
+              </a:ext>
+            </a:extLst>
+          </p:cNvPr>
+          <p:cNvSpPr>
+            <a:spLocks noGrp="1"/>
+          </p:cNvSpPr>
+          <p:nvPr>
+            <p:ph type="sldNum" idx="12"/>
+          </p:nvPr>
+        </p:nvSpPr>
+        <p:spPr/>
+        <p:txBody>
+          <a:bodyPr/>
+          <a:lstStyle/>
+          <a:p>
+            <a:pPr marL="0" lvl="0" indent="0" algn="r" rtl="0">
+              <a:spcBef>
+                <a:spcPts val="0"/>
+              </a:spcBef>
+              <a:spcAft>
+                <a:spcPts val="0"/>
+              </a:spcAft>
+              <a:buNone/>
+            </a:pPr>
+            <a:fld id="{00000000-1234-1234-1234-123412341234}" type="slidenum">
+              <a:rPr lang="en-US" smtClean="0"/>
+              <a:t>12</a:t>
+            </a:fld>
+            <a:endParaRPr lang="en-US"/>
+          </a:p>
+        </p:txBody>
+      </p:sp>
+      <p:sp>
+        <p:nvSpPr>
+          <p:cNvPr id="6" name="Rectangle 5">
+            <a:extLst>
+              <a:ext uri="{FF2B5EF4-FFF2-40B4-BE49-F238E27FC236}">
+                <a16:creationId xmlns:a16="http://schemas.microsoft.com/office/drawing/2014/main" id="{CC5747BC-CCE6-4286-B838-F05CD0FAB315}"/>
+              </a:ext>
+            </a:extLst>
+          </p:cNvPr>
+          <p:cNvSpPr/>
+          <p:nvPr/>
+        </p:nvSpPr>
+        <p:spPr>
+          <a:xfrm>
+            <a:off x="589722" y="1401762"/>
+            <a:ext cx="7964555" cy="5327075"/>
+          </a:xfrm>
+          <a:prstGeom prst="rect">
+            <a:avLst/>
+          </a:prstGeom>
+        </p:spPr>
+        <p:style>
+          <a:lnRef idx="1">
+            <a:schemeClr val="accent2"/>
+          </a:lnRef>
+          <a:fillRef idx="2">
+            <a:schemeClr val="accent2"/>
+          </a:fillRef>
+          <a:effectRef idx="1">
+            <a:schemeClr val="accent2"/>
+          </a:effectRef>
+          <a:fontRef idx="minor">
+            <a:schemeClr val="dk1"/>
+          </a:fontRef>
+        </p:style>
+        <p:txBody>
+          <a:bodyPr rtlCol="0" anchor="ctr">
+            <a:normAutofit fontScale="62500" lnSpcReduction="20000"/>
+          </a:bodyPr>
+          <a:lstStyle/>
+          <a:p>
+            <a:pPr algn="l"/>
+            <a:r>
+              <a:rPr lang="en-US" sz="1800" b="1" dirty="0">
+                <a:solidFill>
+                  <a:srgbClr val="7F0055"/>
+                </a:solidFill>
+                <a:latin typeface="Consolas" panose="020B0609020204030204" pitchFamily="49" charset="0"/>
+              </a:rPr>
+              <a:t>public</a:t>
+            </a:r>
+            <a:r>
+              <a:rPr lang="en-US" sz="1800" b="1" dirty="0">
+                <a:solidFill>
+                  <a:srgbClr val="000000"/>
+                </a:solidFill>
+                <a:latin typeface="Consolas" panose="020B0609020204030204" pitchFamily="49" charset="0"/>
+              </a:rPr>
+              <a:t> </a:t>
+            </a:r>
+            <a:r>
+              <a:rPr lang="en-US" sz="1800" b="1" dirty="0">
+                <a:solidFill>
+                  <a:srgbClr val="7F0055"/>
+                </a:solidFill>
+                <a:latin typeface="Consolas" panose="020B0609020204030204" pitchFamily="49" charset="0"/>
+              </a:rPr>
+              <a:t>class</a:t>
+            </a:r>
+            <a:r>
+              <a:rPr lang="en-US" sz="1800" b="1" dirty="0">
+                <a:solidFill>
+                  <a:srgbClr val="000000"/>
+                </a:solidFill>
+                <a:latin typeface="Consolas" panose="020B0609020204030204" pitchFamily="49" charset="0"/>
+              </a:rPr>
+              <a:t> </a:t>
+            </a:r>
+            <a:r>
+              <a:rPr lang="en-US" sz="1800" b="1" dirty="0" err="1">
+                <a:solidFill>
+                  <a:srgbClr val="000000"/>
+                </a:solidFill>
+                <a:latin typeface="Consolas" panose="020B0609020204030204" pitchFamily="49" charset="0"/>
+              </a:rPr>
+              <a:t>EmployeeDAOImpl</a:t>
+            </a:r>
+            <a:r>
+              <a:rPr lang="en-US" sz="1800" b="1" dirty="0">
+                <a:solidFill>
+                  <a:srgbClr val="000000"/>
+                </a:solidFill>
+                <a:latin typeface="Consolas" panose="020B0609020204030204" pitchFamily="49" charset="0"/>
+              </a:rPr>
+              <a:t> </a:t>
+            </a:r>
+            <a:r>
+              <a:rPr lang="en-US" sz="1800" b="1" dirty="0">
+                <a:solidFill>
+                  <a:srgbClr val="7F0055"/>
+                </a:solidFill>
+                <a:latin typeface="Consolas" panose="020B0609020204030204" pitchFamily="49" charset="0"/>
+              </a:rPr>
+              <a:t>implements</a:t>
+            </a:r>
+            <a:r>
+              <a:rPr lang="en-US" sz="1800" b="1" dirty="0">
+                <a:solidFill>
+                  <a:srgbClr val="000000"/>
+                </a:solidFill>
+                <a:latin typeface="Consolas" panose="020B0609020204030204" pitchFamily="49" charset="0"/>
+              </a:rPr>
+              <a:t> </a:t>
+            </a:r>
+            <a:r>
+              <a:rPr lang="en-US" sz="1800" b="1" dirty="0" err="1">
+                <a:solidFill>
+                  <a:srgbClr val="000000"/>
+                </a:solidFill>
+                <a:latin typeface="Consolas" panose="020B0609020204030204" pitchFamily="49" charset="0"/>
+              </a:rPr>
+              <a:t>EmployeeDAO</a:t>
+            </a:r>
+            <a:r>
+              <a:rPr lang="en-US" sz="1800" b="1" dirty="0">
+                <a:solidFill>
+                  <a:srgbClr val="000000"/>
+                </a:solidFill>
+                <a:latin typeface="Consolas" panose="020B0609020204030204" pitchFamily="49" charset="0"/>
+              </a:rPr>
+              <a:t> {</a:t>
+            </a:r>
+          </a:p>
+          <a:p>
+            <a:pPr algn="l"/>
+            <a:endParaRPr lang="en-US" sz="1800" dirty="0">
+              <a:latin typeface="Consolas" panose="020B0609020204030204" pitchFamily="49" charset="0"/>
+            </a:endParaRPr>
+          </a:p>
+          <a:p>
+            <a:r>
+              <a:rPr lang="en-US" sz="1800" dirty="0">
+                <a:solidFill>
+                  <a:srgbClr val="3F7F5F"/>
+                </a:solidFill>
+                <a:latin typeface="Consolas" panose="020B0609020204030204" pitchFamily="49" charset="0"/>
+              </a:rPr>
+              <a:t>// other code...</a:t>
+            </a:r>
+            <a:endParaRPr lang="en-US" sz="1800" dirty="0">
+              <a:latin typeface="Consolas" panose="020B0609020204030204" pitchFamily="49" charset="0"/>
+            </a:endParaRPr>
+          </a:p>
+          <a:p>
+            <a:pPr algn="l"/>
+            <a:endParaRPr lang="en-US" sz="1800" dirty="0">
+              <a:latin typeface="Consolas" panose="020B0609020204030204" pitchFamily="49" charset="0"/>
+            </a:endParaRPr>
+          </a:p>
+          <a:p>
+            <a:pPr algn="l"/>
+            <a:r>
+              <a:rPr lang="en-US" sz="1800" dirty="0">
+                <a:solidFill>
+                  <a:srgbClr val="646464"/>
+                </a:solidFill>
+                <a:latin typeface="Consolas" panose="020B0609020204030204" pitchFamily="49" charset="0"/>
+              </a:rPr>
+              <a:t>    @Override</a:t>
+            </a:r>
+          </a:p>
+          <a:p>
+            <a:pPr algn="l"/>
+            <a:r>
+              <a:rPr lang="en-US" sz="1800" b="1" dirty="0">
+                <a:solidFill>
+                  <a:srgbClr val="7F0055"/>
+                </a:solidFill>
+                <a:latin typeface="Consolas" panose="020B0609020204030204" pitchFamily="49" charset="0"/>
+              </a:rPr>
+              <a:t>    public</a:t>
+            </a:r>
+            <a:r>
+              <a:rPr lang="en-US" sz="1800" b="1" dirty="0">
+                <a:solidFill>
+                  <a:srgbClr val="000000"/>
+                </a:solidFill>
+                <a:latin typeface="Consolas" panose="020B0609020204030204" pitchFamily="49" charset="0"/>
+              </a:rPr>
+              <a:t> </a:t>
+            </a:r>
+            <a:r>
+              <a:rPr lang="en-US" sz="1800" b="1" dirty="0" err="1">
+                <a:solidFill>
+                  <a:srgbClr val="7F0055"/>
+                </a:solidFill>
+                <a:latin typeface="Consolas" panose="020B0609020204030204" pitchFamily="49" charset="0"/>
+              </a:rPr>
+              <a:t>boolean</a:t>
+            </a:r>
+            <a:r>
+              <a:rPr lang="en-US" sz="1800" b="1" dirty="0">
+                <a:solidFill>
+                  <a:srgbClr val="000000"/>
+                </a:solidFill>
+                <a:latin typeface="Consolas" panose="020B0609020204030204" pitchFamily="49" charset="0"/>
+              </a:rPr>
+              <a:t> </a:t>
+            </a:r>
+            <a:r>
+              <a:rPr lang="en-US" sz="1800" b="1" dirty="0" err="1">
+                <a:solidFill>
+                  <a:srgbClr val="000000"/>
+                </a:solidFill>
+                <a:latin typeface="Consolas" panose="020B0609020204030204" pitchFamily="49" charset="0"/>
+              </a:rPr>
+              <a:t>updateEmployee</a:t>
+            </a:r>
+            <a:r>
+              <a:rPr lang="en-US" sz="1800" b="1" dirty="0">
+                <a:solidFill>
+                  <a:srgbClr val="000000"/>
+                </a:solidFill>
+                <a:latin typeface="Consolas" panose="020B0609020204030204" pitchFamily="49" charset="0"/>
+              </a:rPr>
+              <a:t>(Employee </a:t>
+            </a:r>
+            <a:r>
+              <a:rPr lang="en-US" sz="1800" b="1" dirty="0">
+                <a:solidFill>
+                  <a:srgbClr val="6A3E3E"/>
+                </a:solidFill>
+                <a:latin typeface="Consolas" panose="020B0609020204030204" pitchFamily="49" charset="0"/>
+              </a:rPr>
+              <a:t>emp</a:t>
+            </a:r>
+            <a:r>
+              <a:rPr lang="en-US" sz="1800" b="1" dirty="0">
+                <a:solidFill>
+                  <a:srgbClr val="000000"/>
+                </a:solidFill>
+                <a:latin typeface="Consolas" panose="020B0609020204030204" pitchFamily="49" charset="0"/>
+              </a:rPr>
+              <a:t>) {</a:t>
+            </a:r>
+          </a:p>
+          <a:p>
+            <a:pPr algn="l"/>
+            <a:r>
+              <a:rPr lang="en-US" sz="1800" dirty="0">
+                <a:solidFill>
+                  <a:srgbClr val="000000"/>
+                </a:solidFill>
+                <a:latin typeface="Consolas" panose="020B0609020204030204" pitchFamily="49" charset="0"/>
+              </a:rPr>
+              <a:t>        </a:t>
+            </a:r>
+            <a:r>
+              <a:rPr lang="en-US" sz="1800" dirty="0" err="1">
+                <a:solidFill>
+                  <a:srgbClr val="000000"/>
+                </a:solidFill>
+                <a:latin typeface="Consolas" panose="020B0609020204030204" pitchFamily="49" charset="0"/>
+              </a:rPr>
+              <a:t>PreparedStatement</a:t>
+            </a:r>
+            <a:r>
+              <a:rPr lang="en-US" sz="1800" dirty="0">
+                <a:solidFill>
+                  <a:srgbClr val="000000"/>
+                </a:solidFill>
+                <a:latin typeface="Consolas" panose="020B0609020204030204" pitchFamily="49" charset="0"/>
+              </a:rPr>
+              <a:t> </a:t>
+            </a:r>
+            <a:r>
+              <a:rPr lang="en-US" sz="1800" dirty="0" err="1">
+                <a:solidFill>
+                  <a:srgbClr val="6A3E3E"/>
+                </a:solidFill>
+                <a:latin typeface="Consolas" panose="020B0609020204030204" pitchFamily="49" charset="0"/>
+              </a:rPr>
+              <a:t>ps</a:t>
+            </a:r>
+            <a:r>
+              <a:rPr lang="en-US" sz="1800" dirty="0">
+                <a:solidFill>
+                  <a:srgbClr val="000000"/>
+                </a:solidFill>
+                <a:latin typeface="Consolas" panose="020B0609020204030204" pitchFamily="49" charset="0"/>
+              </a:rPr>
+              <a:t> = </a:t>
+            </a:r>
+            <a:r>
+              <a:rPr lang="en-US" sz="1800" b="1" dirty="0">
+                <a:solidFill>
+                  <a:srgbClr val="7F0055"/>
+                </a:solidFill>
+                <a:latin typeface="Consolas" panose="020B0609020204030204" pitchFamily="49" charset="0"/>
+              </a:rPr>
+              <a:t>null</a:t>
+            </a:r>
+            <a:r>
+              <a:rPr lang="en-US" sz="1800" b="1" dirty="0">
+                <a:solidFill>
+                  <a:srgbClr val="000000"/>
+                </a:solidFill>
+                <a:latin typeface="Consolas" panose="020B0609020204030204" pitchFamily="49" charset="0"/>
+              </a:rPr>
+              <a:t>;</a:t>
+            </a:r>
+          </a:p>
+          <a:p>
+            <a:pPr algn="l"/>
+            <a:endParaRPr lang="en-US" sz="1800" b="1" dirty="0">
+              <a:solidFill>
+                <a:srgbClr val="000000"/>
+              </a:solidFill>
+              <a:latin typeface="Consolas" panose="020B0609020204030204" pitchFamily="49" charset="0"/>
+            </a:endParaRPr>
+          </a:p>
+          <a:p>
+            <a:pPr algn="l"/>
+            <a:r>
+              <a:rPr lang="en-US" sz="1800" b="1" dirty="0">
+                <a:solidFill>
+                  <a:srgbClr val="7F0055"/>
+                </a:solidFill>
+                <a:latin typeface="Consolas" panose="020B0609020204030204" pitchFamily="49" charset="0"/>
+              </a:rPr>
+              <a:t>        try</a:t>
+            </a:r>
+            <a:r>
+              <a:rPr lang="en-US" sz="1800" b="1" dirty="0">
+                <a:solidFill>
+                  <a:srgbClr val="000000"/>
+                </a:solidFill>
+                <a:latin typeface="Consolas" panose="020B0609020204030204" pitchFamily="49" charset="0"/>
+              </a:rPr>
+              <a:t> (Connection </a:t>
+            </a:r>
+            <a:r>
+              <a:rPr lang="en-US" sz="1800" b="1" dirty="0">
+                <a:solidFill>
+                  <a:srgbClr val="6A3E3E"/>
+                </a:solidFill>
+                <a:latin typeface="Consolas" panose="020B0609020204030204" pitchFamily="49" charset="0"/>
+              </a:rPr>
+              <a:t>conn</a:t>
+            </a:r>
+            <a:r>
+              <a:rPr lang="en-US" sz="1800" b="1" dirty="0">
+                <a:solidFill>
+                  <a:srgbClr val="000000"/>
+                </a:solidFill>
+                <a:latin typeface="Consolas" panose="020B0609020204030204" pitchFamily="49" charset="0"/>
+              </a:rPr>
+              <a:t> = </a:t>
+            </a:r>
+            <a:r>
+              <a:rPr lang="en-US" sz="1800" b="1" dirty="0" err="1">
+                <a:solidFill>
+                  <a:srgbClr val="000000"/>
+                </a:solidFill>
+                <a:latin typeface="Consolas" panose="020B0609020204030204" pitchFamily="49" charset="0"/>
+              </a:rPr>
+              <a:t>ConnectionUtil.</a:t>
+            </a:r>
+            <a:r>
+              <a:rPr lang="en-US" sz="1800" b="1" i="1" dirty="0" err="1">
+                <a:solidFill>
+                  <a:srgbClr val="000000"/>
+                </a:solidFill>
+                <a:latin typeface="Consolas" panose="020B0609020204030204" pitchFamily="49" charset="0"/>
+              </a:rPr>
+              <a:t>getConnection</a:t>
+            </a:r>
+            <a:r>
+              <a:rPr lang="en-US" sz="1800" b="1" i="1" dirty="0">
+                <a:solidFill>
+                  <a:srgbClr val="000000"/>
+                </a:solidFill>
+                <a:latin typeface="Consolas" panose="020B0609020204030204" pitchFamily="49" charset="0"/>
+              </a:rPr>
+              <a:t>()) {</a:t>
+            </a:r>
+            <a:endParaRPr lang="en-US" sz="1800" dirty="0">
+              <a:latin typeface="Consolas" panose="020B0609020204030204" pitchFamily="49" charset="0"/>
+            </a:endParaRPr>
+          </a:p>
+          <a:p>
+            <a:pPr algn="l"/>
+            <a:r>
+              <a:rPr lang="en-US" sz="1800" dirty="0">
+                <a:solidFill>
+                  <a:srgbClr val="000000"/>
+                </a:solidFill>
+                <a:latin typeface="Consolas" panose="020B0609020204030204" pitchFamily="49" charset="0"/>
+              </a:rPr>
+              <a:t>            String </a:t>
+            </a:r>
+            <a:r>
+              <a:rPr lang="en-US" sz="1800" dirty="0">
+                <a:solidFill>
+                  <a:srgbClr val="6A3E3E"/>
+                </a:solidFill>
+                <a:latin typeface="Consolas" panose="020B0609020204030204" pitchFamily="49" charset="0"/>
+              </a:rPr>
+              <a:t>query</a:t>
+            </a:r>
+            <a:r>
+              <a:rPr lang="en-US" sz="1800" dirty="0">
+                <a:solidFill>
+                  <a:srgbClr val="000000"/>
+                </a:solidFill>
+                <a:latin typeface="Consolas" panose="020B0609020204030204" pitchFamily="49" charset="0"/>
+              </a:rPr>
+              <a:t> = </a:t>
+            </a:r>
+            <a:r>
+              <a:rPr lang="en-US" sz="1800" dirty="0">
+                <a:solidFill>
+                  <a:srgbClr val="2A00FF"/>
+                </a:solidFill>
+                <a:latin typeface="Consolas" panose="020B0609020204030204" pitchFamily="49" charset="0"/>
+              </a:rPr>
+              <a:t>"UPDATE </a:t>
+            </a:r>
+            <a:r>
+              <a:rPr lang="en-US" sz="1800" dirty="0" err="1">
+                <a:solidFill>
+                  <a:srgbClr val="2A00FF"/>
+                </a:solidFill>
+                <a:latin typeface="Consolas" panose="020B0609020204030204" pitchFamily="49" charset="0"/>
+              </a:rPr>
+              <a:t>bankapp.employees</a:t>
+            </a:r>
+            <a:r>
+              <a:rPr lang="en-US" sz="1800" dirty="0">
+                <a:solidFill>
+                  <a:srgbClr val="2A00FF"/>
+                </a:solidFill>
+                <a:latin typeface="Consolas" panose="020B0609020204030204" pitchFamily="49" charset="0"/>
+              </a:rPr>
+              <a:t> SET "</a:t>
+            </a:r>
+          </a:p>
+          <a:p>
+            <a:pPr algn="l"/>
+            <a:r>
+              <a:rPr lang="en-US" sz="1800" dirty="0">
+                <a:solidFill>
+                  <a:srgbClr val="000000"/>
+                </a:solidFill>
+                <a:latin typeface="Consolas" panose="020B0609020204030204" pitchFamily="49" charset="0"/>
+              </a:rPr>
+              <a:t>                + </a:t>
+            </a:r>
+            <a:r>
+              <a:rPr lang="en-US" sz="1800" dirty="0">
+                <a:solidFill>
+                  <a:srgbClr val="2A00FF"/>
+                </a:solidFill>
+                <a:latin typeface="Consolas" panose="020B0609020204030204" pitchFamily="49" charset="0"/>
+              </a:rPr>
+              <a:t>"</a:t>
+            </a:r>
+            <a:r>
+              <a:rPr lang="en-US" sz="1800" dirty="0" err="1">
+                <a:solidFill>
+                  <a:srgbClr val="2A00FF"/>
+                </a:solidFill>
+                <a:latin typeface="Consolas" panose="020B0609020204030204" pitchFamily="49" charset="0"/>
+              </a:rPr>
+              <a:t>emp_name</a:t>
+            </a:r>
+            <a:r>
+              <a:rPr lang="en-US" sz="1800" dirty="0">
+                <a:solidFill>
+                  <a:srgbClr val="2A00FF"/>
+                </a:solidFill>
+                <a:latin typeface="Consolas" panose="020B0609020204030204" pitchFamily="49" charset="0"/>
+              </a:rPr>
+              <a:t>=?, "</a:t>
+            </a:r>
+          </a:p>
+          <a:p>
+            <a:pPr algn="l"/>
+            <a:r>
+              <a:rPr lang="en-US" sz="1800" dirty="0">
+                <a:solidFill>
+                  <a:srgbClr val="000000"/>
+                </a:solidFill>
+                <a:latin typeface="Consolas" panose="020B0609020204030204" pitchFamily="49" charset="0"/>
+              </a:rPr>
+              <a:t>                + </a:t>
+            </a:r>
+            <a:r>
+              <a:rPr lang="en-US" sz="1800" dirty="0">
+                <a:solidFill>
+                  <a:srgbClr val="2A00FF"/>
+                </a:solidFill>
+                <a:latin typeface="Consolas" panose="020B0609020204030204" pitchFamily="49" charset="0"/>
+              </a:rPr>
+              <a:t>"</a:t>
+            </a:r>
+            <a:r>
+              <a:rPr lang="en-US" sz="1800" dirty="0" err="1">
+                <a:solidFill>
+                  <a:srgbClr val="2A00FF"/>
+                </a:solidFill>
+                <a:latin typeface="Consolas" panose="020B0609020204030204" pitchFamily="49" charset="0"/>
+              </a:rPr>
+              <a:t>emp_title</a:t>
+            </a:r>
+            <a:r>
+              <a:rPr lang="en-US" sz="1800" dirty="0">
+                <a:solidFill>
+                  <a:srgbClr val="2A00FF"/>
+                </a:solidFill>
+                <a:latin typeface="Consolas" panose="020B0609020204030204" pitchFamily="49" charset="0"/>
+              </a:rPr>
+              <a:t>=?, "</a:t>
+            </a:r>
+          </a:p>
+          <a:p>
+            <a:pPr algn="l"/>
+            <a:r>
+              <a:rPr lang="en-US" sz="1800" dirty="0">
+                <a:solidFill>
+                  <a:srgbClr val="000000"/>
+                </a:solidFill>
+                <a:latin typeface="Consolas" panose="020B0609020204030204" pitchFamily="49" charset="0"/>
+              </a:rPr>
+              <a:t>                + </a:t>
+            </a:r>
+            <a:r>
+              <a:rPr lang="en-US" sz="1800" dirty="0">
+                <a:solidFill>
+                  <a:srgbClr val="2A00FF"/>
+                </a:solidFill>
+                <a:latin typeface="Consolas" panose="020B0609020204030204" pitchFamily="49" charset="0"/>
+              </a:rPr>
+              <a:t>"</a:t>
+            </a:r>
+            <a:r>
+              <a:rPr lang="en-US" sz="1800" dirty="0" err="1">
+                <a:solidFill>
+                  <a:srgbClr val="2A00FF"/>
+                </a:solidFill>
+                <a:latin typeface="Consolas" panose="020B0609020204030204" pitchFamily="49" charset="0"/>
+              </a:rPr>
+              <a:t>emp_salary</a:t>
+            </a:r>
+            <a:r>
+              <a:rPr lang="en-US" sz="1800" dirty="0">
+                <a:solidFill>
+                  <a:srgbClr val="2A00FF"/>
+                </a:solidFill>
+                <a:latin typeface="Consolas" panose="020B0609020204030204" pitchFamily="49" charset="0"/>
+              </a:rPr>
+              <a:t>=?, "</a:t>
+            </a:r>
+          </a:p>
+          <a:p>
+            <a:pPr algn="l"/>
+            <a:r>
+              <a:rPr lang="en-US" sz="1800" dirty="0">
+                <a:solidFill>
+                  <a:srgbClr val="000000"/>
+                </a:solidFill>
+                <a:latin typeface="Consolas" panose="020B0609020204030204" pitchFamily="49" charset="0"/>
+              </a:rPr>
+              <a:t>                + </a:t>
+            </a:r>
+            <a:r>
+              <a:rPr lang="en-US" sz="1800" dirty="0">
+                <a:solidFill>
+                  <a:srgbClr val="2A00FF"/>
+                </a:solidFill>
+                <a:latin typeface="Consolas" panose="020B0609020204030204" pitchFamily="49" charset="0"/>
+              </a:rPr>
+              <a:t>"</a:t>
+            </a:r>
+            <a:r>
+              <a:rPr lang="en-US" sz="1800" dirty="0" err="1">
+                <a:solidFill>
+                  <a:srgbClr val="2A00FF"/>
+                </a:solidFill>
+                <a:latin typeface="Consolas" panose="020B0609020204030204" pitchFamily="49" charset="0"/>
+              </a:rPr>
+              <a:t>login_id</a:t>
+            </a:r>
+            <a:r>
+              <a:rPr lang="en-US" sz="1800" dirty="0">
+                <a:solidFill>
+                  <a:srgbClr val="2A00FF"/>
+                </a:solidFill>
+                <a:latin typeface="Consolas" panose="020B0609020204030204" pitchFamily="49" charset="0"/>
+              </a:rPr>
+              <a:t>=?"</a:t>
+            </a:r>
+          </a:p>
+          <a:p>
+            <a:pPr algn="l"/>
+            <a:r>
+              <a:rPr lang="en-US" sz="1800" dirty="0">
+                <a:solidFill>
+                  <a:srgbClr val="000000"/>
+                </a:solidFill>
+                <a:latin typeface="Consolas" panose="020B0609020204030204" pitchFamily="49" charset="0"/>
+              </a:rPr>
+              <a:t>                + </a:t>
+            </a:r>
+            <a:r>
+              <a:rPr lang="en-US" sz="1800" dirty="0">
+                <a:solidFill>
+                  <a:srgbClr val="2A00FF"/>
+                </a:solidFill>
+                <a:latin typeface="Consolas" panose="020B0609020204030204" pitchFamily="49" charset="0"/>
+              </a:rPr>
+              <a:t>"WHERE </a:t>
+            </a:r>
+            <a:r>
+              <a:rPr lang="en-US" sz="1800" dirty="0" err="1">
+                <a:solidFill>
+                  <a:srgbClr val="2A00FF"/>
+                </a:solidFill>
+                <a:latin typeface="Consolas" panose="020B0609020204030204" pitchFamily="49" charset="0"/>
+              </a:rPr>
+              <a:t>emp_id</a:t>
+            </a:r>
+            <a:r>
+              <a:rPr lang="en-US" sz="1800" dirty="0">
+                <a:solidFill>
+                  <a:srgbClr val="2A00FF"/>
+                </a:solidFill>
+                <a:latin typeface="Consolas" panose="020B0609020204030204" pitchFamily="49" charset="0"/>
+              </a:rPr>
+              <a:t>=?"</a:t>
+            </a:r>
+            <a:r>
+              <a:rPr lang="en-US" sz="1800" dirty="0">
+                <a:solidFill>
+                  <a:srgbClr val="000000"/>
+                </a:solidFill>
+                <a:latin typeface="Consolas" panose="020B0609020204030204" pitchFamily="49" charset="0"/>
+              </a:rPr>
+              <a:t>;</a:t>
+            </a:r>
+          </a:p>
+          <a:p>
+            <a:pPr algn="l"/>
+            <a:r>
+              <a:rPr lang="en-US" sz="1800" dirty="0">
+                <a:solidFill>
+                  <a:srgbClr val="6A3E3E"/>
+                </a:solidFill>
+                <a:latin typeface="Consolas" panose="020B0609020204030204" pitchFamily="49" charset="0"/>
+              </a:rPr>
+              <a:t>            </a:t>
+            </a:r>
+            <a:r>
+              <a:rPr lang="en-US" sz="1800" dirty="0" err="1">
+                <a:solidFill>
+                  <a:srgbClr val="6A3E3E"/>
+                </a:solidFill>
+                <a:latin typeface="Consolas" panose="020B0609020204030204" pitchFamily="49" charset="0"/>
+              </a:rPr>
+              <a:t>ps</a:t>
+            </a:r>
+            <a:r>
+              <a:rPr lang="en-US" sz="1800" dirty="0">
+                <a:solidFill>
+                  <a:srgbClr val="000000"/>
+                </a:solidFill>
+                <a:latin typeface="Consolas" panose="020B0609020204030204" pitchFamily="49" charset="0"/>
+              </a:rPr>
+              <a:t> = </a:t>
+            </a:r>
+            <a:r>
+              <a:rPr lang="en-US" sz="1800" dirty="0" err="1">
+                <a:solidFill>
+                  <a:srgbClr val="6A3E3E"/>
+                </a:solidFill>
+                <a:latin typeface="Consolas" panose="020B0609020204030204" pitchFamily="49" charset="0"/>
+              </a:rPr>
+              <a:t>conn</a:t>
+            </a:r>
+            <a:r>
+              <a:rPr lang="en-US" sz="1800" dirty="0" err="1">
+                <a:solidFill>
+                  <a:srgbClr val="000000"/>
+                </a:solidFill>
+                <a:latin typeface="Consolas" panose="020B0609020204030204" pitchFamily="49" charset="0"/>
+              </a:rPr>
+              <a:t>.prepareStatement</a:t>
+            </a:r>
+            <a:r>
+              <a:rPr lang="en-US" sz="1800" dirty="0">
+                <a:solidFill>
+                  <a:srgbClr val="000000"/>
+                </a:solidFill>
+                <a:latin typeface="Consolas" panose="020B0609020204030204" pitchFamily="49" charset="0"/>
+              </a:rPr>
+              <a:t>(</a:t>
+            </a:r>
+            <a:r>
+              <a:rPr lang="en-US" sz="1800" dirty="0">
+                <a:solidFill>
+                  <a:srgbClr val="6A3E3E"/>
+                </a:solidFill>
+                <a:latin typeface="Consolas" panose="020B0609020204030204" pitchFamily="49" charset="0"/>
+              </a:rPr>
+              <a:t>query</a:t>
+            </a:r>
+            <a:r>
+              <a:rPr lang="en-US" sz="1800" dirty="0">
+                <a:solidFill>
+                  <a:srgbClr val="000000"/>
+                </a:solidFill>
+                <a:latin typeface="Consolas" panose="020B0609020204030204" pitchFamily="49" charset="0"/>
+              </a:rPr>
+              <a:t>);</a:t>
+            </a:r>
+          </a:p>
+          <a:p>
+            <a:pPr algn="l"/>
+            <a:endParaRPr lang="en-US" sz="1800" dirty="0">
+              <a:latin typeface="Consolas" panose="020B0609020204030204" pitchFamily="49" charset="0"/>
+            </a:endParaRPr>
+          </a:p>
+          <a:p>
+            <a:pPr algn="l"/>
+            <a:r>
+              <a:rPr lang="nl-NL" sz="1800" dirty="0">
+                <a:solidFill>
+                  <a:srgbClr val="6A3E3E"/>
+                </a:solidFill>
+                <a:latin typeface="Consolas" panose="020B0609020204030204" pitchFamily="49" charset="0"/>
+              </a:rPr>
+              <a:t>            ps</a:t>
+            </a:r>
+            <a:r>
+              <a:rPr lang="nl-NL" sz="1800" dirty="0">
+                <a:solidFill>
+                  <a:srgbClr val="000000"/>
+                </a:solidFill>
+                <a:latin typeface="Consolas" panose="020B0609020204030204" pitchFamily="49" charset="0"/>
+              </a:rPr>
+              <a:t>.setString(1, </a:t>
+            </a:r>
+            <a:r>
+              <a:rPr lang="nl-NL" sz="1800" dirty="0">
+                <a:solidFill>
+                  <a:srgbClr val="6A3E3E"/>
+                </a:solidFill>
+                <a:latin typeface="Consolas" panose="020B0609020204030204" pitchFamily="49" charset="0"/>
+              </a:rPr>
+              <a:t>emp</a:t>
+            </a:r>
+            <a:r>
+              <a:rPr lang="nl-NL" sz="1800" dirty="0">
+                <a:solidFill>
+                  <a:srgbClr val="000000"/>
+                </a:solidFill>
+                <a:latin typeface="Consolas" panose="020B0609020204030204" pitchFamily="49" charset="0"/>
+              </a:rPr>
+              <a:t>.getEmp_name());</a:t>
+            </a:r>
+          </a:p>
+          <a:p>
+            <a:pPr algn="l"/>
+            <a:r>
+              <a:rPr lang="en-US" sz="1800" dirty="0">
+                <a:solidFill>
+                  <a:srgbClr val="6A3E3E"/>
+                </a:solidFill>
+                <a:latin typeface="Consolas" panose="020B0609020204030204" pitchFamily="49" charset="0"/>
+              </a:rPr>
+              <a:t>            </a:t>
+            </a:r>
+            <a:r>
+              <a:rPr lang="en-US" sz="1800" dirty="0" err="1">
+                <a:solidFill>
+                  <a:srgbClr val="6A3E3E"/>
+                </a:solidFill>
+                <a:latin typeface="Consolas" panose="020B0609020204030204" pitchFamily="49" charset="0"/>
+              </a:rPr>
+              <a:t>ps</a:t>
+            </a:r>
+            <a:r>
+              <a:rPr lang="en-US" sz="1800" dirty="0" err="1">
+                <a:solidFill>
+                  <a:srgbClr val="000000"/>
+                </a:solidFill>
+                <a:latin typeface="Consolas" panose="020B0609020204030204" pitchFamily="49" charset="0"/>
+              </a:rPr>
+              <a:t>.setString</a:t>
+            </a:r>
+            <a:r>
+              <a:rPr lang="en-US" sz="1800" dirty="0">
+                <a:solidFill>
+                  <a:srgbClr val="000000"/>
+                </a:solidFill>
+                <a:latin typeface="Consolas" panose="020B0609020204030204" pitchFamily="49" charset="0"/>
+              </a:rPr>
+              <a:t>(2, </a:t>
+            </a:r>
+            <a:r>
+              <a:rPr lang="en-US" sz="1800" dirty="0" err="1">
+                <a:solidFill>
+                  <a:srgbClr val="6A3E3E"/>
+                </a:solidFill>
+                <a:latin typeface="Consolas" panose="020B0609020204030204" pitchFamily="49" charset="0"/>
+              </a:rPr>
+              <a:t>emp</a:t>
+            </a:r>
+            <a:r>
+              <a:rPr lang="en-US" sz="1800" dirty="0" err="1">
+                <a:solidFill>
+                  <a:srgbClr val="000000"/>
+                </a:solidFill>
+                <a:latin typeface="Consolas" panose="020B0609020204030204" pitchFamily="49" charset="0"/>
+              </a:rPr>
+              <a:t>.getEmp_title</a:t>
+            </a:r>
+            <a:r>
+              <a:rPr lang="en-US" sz="1800" dirty="0">
+                <a:solidFill>
+                  <a:srgbClr val="000000"/>
+                </a:solidFill>
+                <a:latin typeface="Consolas" panose="020B0609020204030204" pitchFamily="49" charset="0"/>
+              </a:rPr>
+              <a:t>());</a:t>
+            </a:r>
+          </a:p>
+          <a:p>
+            <a:pPr algn="l"/>
+            <a:r>
+              <a:rPr lang="en-US" sz="1800" dirty="0">
+                <a:solidFill>
+                  <a:srgbClr val="6A3E3E"/>
+                </a:solidFill>
+                <a:latin typeface="Consolas" panose="020B0609020204030204" pitchFamily="49" charset="0"/>
+              </a:rPr>
+              <a:t>            </a:t>
+            </a:r>
+            <a:r>
+              <a:rPr lang="en-US" sz="1800" dirty="0" err="1">
+                <a:solidFill>
+                  <a:srgbClr val="6A3E3E"/>
+                </a:solidFill>
+                <a:latin typeface="Consolas" panose="020B0609020204030204" pitchFamily="49" charset="0"/>
+              </a:rPr>
+              <a:t>ps</a:t>
+            </a:r>
+            <a:r>
+              <a:rPr lang="en-US" sz="1800" dirty="0" err="1">
+                <a:solidFill>
+                  <a:srgbClr val="000000"/>
+                </a:solidFill>
+                <a:latin typeface="Consolas" panose="020B0609020204030204" pitchFamily="49" charset="0"/>
+              </a:rPr>
+              <a:t>.setDouble</a:t>
+            </a:r>
+            <a:r>
+              <a:rPr lang="en-US" sz="1800" dirty="0">
+                <a:solidFill>
+                  <a:srgbClr val="000000"/>
+                </a:solidFill>
+                <a:latin typeface="Consolas" panose="020B0609020204030204" pitchFamily="49" charset="0"/>
+              </a:rPr>
+              <a:t>(3, </a:t>
+            </a:r>
+            <a:r>
+              <a:rPr lang="en-US" sz="1800" dirty="0" err="1">
+                <a:solidFill>
+                  <a:srgbClr val="6A3E3E"/>
+                </a:solidFill>
+                <a:latin typeface="Consolas" panose="020B0609020204030204" pitchFamily="49" charset="0"/>
+              </a:rPr>
+              <a:t>emp</a:t>
+            </a:r>
+            <a:r>
+              <a:rPr lang="en-US" sz="1800" dirty="0" err="1">
+                <a:solidFill>
+                  <a:srgbClr val="000000"/>
+                </a:solidFill>
+                <a:latin typeface="Consolas" panose="020B0609020204030204" pitchFamily="49" charset="0"/>
+              </a:rPr>
+              <a:t>.getEmp_salary</a:t>
+            </a:r>
+            <a:r>
+              <a:rPr lang="en-US" sz="1800" dirty="0">
+                <a:solidFill>
+                  <a:srgbClr val="000000"/>
+                </a:solidFill>
+                <a:latin typeface="Consolas" panose="020B0609020204030204" pitchFamily="49" charset="0"/>
+              </a:rPr>
+              <a:t>());</a:t>
+            </a:r>
+          </a:p>
+          <a:p>
+            <a:pPr algn="l"/>
+            <a:r>
+              <a:rPr lang="en-US" sz="1800" dirty="0">
+                <a:solidFill>
+                  <a:srgbClr val="6A3E3E"/>
+                </a:solidFill>
+                <a:latin typeface="Consolas" panose="020B0609020204030204" pitchFamily="49" charset="0"/>
+              </a:rPr>
+              <a:t>            </a:t>
+            </a:r>
+            <a:r>
+              <a:rPr lang="en-US" sz="1800" dirty="0" err="1">
+                <a:solidFill>
+                  <a:srgbClr val="6A3E3E"/>
+                </a:solidFill>
+                <a:latin typeface="Consolas" panose="020B0609020204030204" pitchFamily="49" charset="0"/>
+              </a:rPr>
+              <a:t>ps</a:t>
+            </a:r>
+            <a:r>
+              <a:rPr lang="en-US" sz="1800" dirty="0" err="1">
+                <a:solidFill>
+                  <a:srgbClr val="000000"/>
+                </a:solidFill>
+                <a:latin typeface="Consolas" panose="020B0609020204030204" pitchFamily="49" charset="0"/>
+              </a:rPr>
+              <a:t>.setInt</a:t>
+            </a:r>
+            <a:r>
+              <a:rPr lang="en-US" sz="1800" dirty="0">
+                <a:solidFill>
+                  <a:srgbClr val="000000"/>
+                </a:solidFill>
+                <a:latin typeface="Consolas" panose="020B0609020204030204" pitchFamily="49" charset="0"/>
+              </a:rPr>
+              <a:t>(4, </a:t>
+            </a:r>
+            <a:r>
+              <a:rPr lang="en-US" sz="1800" dirty="0" err="1">
+                <a:solidFill>
+                  <a:srgbClr val="6A3E3E"/>
+                </a:solidFill>
+                <a:latin typeface="Consolas" panose="020B0609020204030204" pitchFamily="49" charset="0"/>
+              </a:rPr>
+              <a:t>emp</a:t>
+            </a:r>
+            <a:r>
+              <a:rPr lang="en-US" sz="1800" dirty="0" err="1">
+                <a:solidFill>
+                  <a:srgbClr val="000000"/>
+                </a:solidFill>
+                <a:latin typeface="Consolas" panose="020B0609020204030204" pitchFamily="49" charset="0"/>
+              </a:rPr>
+              <a:t>.getLogin_id</a:t>
+            </a:r>
+            <a:r>
+              <a:rPr lang="en-US" sz="1800" dirty="0">
+                <a:solidFill>
+                  <a:srgbClr val="000000"/>
+                </a:solidFill>
+                <a:latin typeface="Consolas" panose="020B0609020204030204" pitchFamily="49" charset="0"/>
+              </a:rPr>
+              <a:t>());</a:t>
+            </a:r>
+          </a:p>
+          <a:p>
+            <a:pPr algn="l"/>
+            <a:r>
+              <a:rPr lang="en-US" sz="1800" dirty="0">
+                <a:solidFill>
+                  <a:srgbClr val="6A3E3E"/>
+                </a:solidFill>
+                <a:latin typeface="Consolas" panose="020B0609020204030204" pitchFamily="49" charset="0"/>
+              </a:rPr>
+              <a:t>            </a:t>
+            </a:r>
+            <a:r>
+              <a:rPr lang="en-US" sz="1800" dirty="0" err="1">
+                <a:solidFill>
+                  <a:srgbClr val="6A3E3E"/>
+                </a:solidFill>
+                <a:latin typeface="Consolas" panose="020B0609020204030204" pitchFamily="49" charset="0"/>
+              </a:rPr>
+              <a:t>ps</a:t>
+            </a:r>
+            <a:r>
+              <a:rPr lang="en-US" sz="1800" dirty="0" err="1">
+                <a:solidFill>
+                  <a:srgbClr val="000000"/>
+                </a:solidFill>
+                <a:latin typeface="Consolas" panose="020B0609020204030204" pitchFamily="49" charset="0"/>
+              </a:rPr>
+              <a:t>.setInt</a:t>
+            </a:r>
+            <a:r>
+              <a:rPr lang="en-US" sz="1800" dirty="0">
+                <a:solidFill>
+                  <a:srgbClr val="000000"/>
+                </a:solidFill>
+                <a:latin typeface="Consolas" panose="020B0609020204030204" pitchFamily="49" charset="0"/>
+              </a:rPr>
+              <a:t>(5, </a:t>
+            </a:r>
+            <a:r>
+              <a:rPr lang="en-US" sz="1800" dirty="0" err="1">
+                <a:solidFill>
+                  <a:srgbClr val="6A3E3E"/>
+                </a:solidFill>
+                <a:latin typeface="Consolas" panose="020B0609020204030204" pitchFamily="49" charset="0"/>
+              </a:rPr>
+              <a:t>emp</a:t>
+            </a:r>
+            <a:r>
+              <a:rPr lang="en-US" sz="1800" dirty="0" err="1">
+                <a:solidFill>
+                  <a:srgbClr val="000000"/>
+                </a:solidFill>
+                <a:latin typeface="Consolas" panose="020B0609020204030204" pitchFamily="49" charset="0"/>
+              </a:rPr>
+              <a:t>.getEmp_id</a:t>
+            </a:r>
+            <a:r>
+              <a:rPr lang="en-US" sz="1800" dirty="0">
+                <a:solidFill>
+                  <a:srgbClr val="000000"/>
+                </a:solidFill>
+                <a:latin typeface="Consolas" panose="020B0609020204030204" pitchFamily="49" charset="0"/>
+              </a:rPr>
+              <a:t>());</a:t>
+            </a:r>
+          </a:p>
+          <a:p>
+            <a:pPr algn="l"/>
+            <a:endParaRPr lang="en-US" sz="1800" dirty="0">
+              <a:latin typeface="Consolas" panose="020B0609020204030204" pitchFamily="49" charset="0"/>
+            </a:endParaRPr>
+          </a:p>
+          <a:p>
+            <a:pPr algn="l"/>
+            <a:r>
+              <a:rPr lang="en-US" sz="1800" dirty="0">
+                <a:solidFill>
+                  <a:srgbClr val="6A3E3E"/>
+                </a:solidFill>
+                <a:latin typeface="Consolas" panose="020B0609020204030204" pitchFamily="49" charset="0"/>
+              </a:rPr>
+              <a:t>            </a:t>
+            </a:r>
+            <a:r>
+              <a:rPr lang="en-US" sz="1800" dirty="0" err="1">
+                <a:solidFill>
+                  <a:srgbClr val="6A3E3E"/>
+                </a:solidFill>
+                <a:latin typeface="Consolas" panose="020B0609020204030204" pitchFamily="49" charset="0"/>
+              </a:rPr>
+              <a:t>ps</a:t>
+            </a:r>
+            <a:r>
+              <a:rPr lang="en-US" sz="1800" dirty="0" err="1">
+                <a:solidFill>
+                  <a:srgbClr val="000000"/>
+                </a:solidFill>
+                <a:latin typeface="Consolas" panose="020B0609020204030204" pitchFamily="49" charset="0"/>
+              </a:rPr>
+              <a:t>.executeUpdate</a:t>
+            </a:r>
+            <a:r>
+              <a:rPr lang="en-US" sz="1800" dirty="0">
+                <a:solidFill>
+                  <a:srgbClr val="000000"/>
+                </a:solidFill>
+                <a:latin typeface="Consolas" panose="020B0609020204030204" pitchFamily="49" charset="0"/>
+              </a:rPr>
+              <a:t>();</a:t>
+            </a:r>
+          </a:p>
+          <a:p>
+            <a:pPr algn="l"/>
+            <a:endParaRPr lang="en-US" sz="1800" dirty="0">
+              <a:latin typeface="Consolas" panose="020B0609020204030204" pitchFamily="49" charset="0"/>
+            </a:endParaRPr>
+          </a:p>
+          <a:p>
+            <a:pPr algn="l"/>
+            <a:r>
+              <a:rPr lang="en-US" sz="1800" dirty="0">
+                <a:solidFill>
+                  <a:srgbClr val="000000"/>
+                </a:solidFill>
+                <a:latin typeface="Consolas" panose="020B0609020204030204" pitchFamily="49" charset="0"/>
+              </a:rPr>
+              <a:t>        } </a:t>
+            </a:r>
+            <a:r>
+              <a:rPr lang="en-US" sz="1800" b="1" dirty="0">
+                <a:solidFill>
+                  <a:srgbClr val="7F0055"/>
+                </a:solidFill>
+                <a:latin typeface="Consolas" panose="020B0609020204030204" pitchFamily="49" charset="0"/>
+              </a:rPr>
+              <a:t>catch</a:t>
+            </a:r>
+            <a:r>
+              <a:rPr lang="en-US" sz="1800" b="1" dirty="0">
+                <a:solidFill>
+                  <a:srgbClr val="000000"/>
+                </a:solidFill>
+                <a:latin typeface="Consolas" panose="020B0609020204030204" pitchFamily="49" charset="0"/>
+              </a:rPr>
+              <a:t> (</a:t>
+            </a:r>
+            <a:r>
+              <a:rPr lang="en-US" sz="1800" b="1" dirty="0" err="1">
+                <a:solidFill>
+                  <a:srgbClr val="000000"/>
+                </a:solidFill>
+                <a:latin typeface="Consolas" panose="020B0609020204030204" pitchFamily="49" charset="0"/>
+              </a:rPr>
+              <a:t>SQLException</a:t>
+            </a:r>
+            <a:r>
+              <a:rPr lang="en-US" sz="1800" b="1" dirty="0">
+                <a:solidFill>
+                  <a:srgbClr val="000000"/>
+                </a:solidFill>
+                <a:latin typeface="Consolas" panose="020B0609020204030204" pitchFamily="49" charset="0"/>
+              </a:rPr>
+              <a:t> </a:t>
+            </a:r>
+            <a:r>
+              <a:rPr lang="en-US" sz="1800" b="1" dirty="0">
+                <a:solidFill>
+                  <a:srgbClr val="6A3E3E"/>
+                </a:solidFill>
+                <a:latin typeface="Consolas" panose="020B0609020204030204" pitchFamily="49" charset="0"/>
+              </a:rPr>
+              <a:t>e</a:t>
+            </a:r>
+            <a:r>
+              <a:rPr lang="en-US" sz="1800" b="1" dirty="0">
+                <a:solidFill>
+                  <a:srgbClr val="000000"/>
+                </a:solidFill>
+                <a:latin typeface="Consolas" panose="020B0609020204030204" pitchFamily="49" charset="0"/>
+              </a:rPr>
+              <a:t>) {</a:t>
+            </a:r>
+          </a:p>
+          <a:p>
+            <a:pPr algn="l"/>
+            <a:r>
+              <a:rPr lang="en-US" sz="1800" dirty="0">
+                <a:solidFill>
+                  <a:srgbClr val="3F7F5F"/>
+                </a:solidFill>
+                <a:latin typeface="Consolas" panose="020B0609020204030204" pitchFamily="49" charset="0"/>
+              </a:rPr>
+              <a:t>            // </a:t>
+            </a:r>
+            <a:r>
+              <a:rPr lang="en-US" sz="1800" b="1" dirty="0">
+                <a:solidFill>
+                  <a:srgbClr val="7F9FBF"/>
+                </a:solidFill>
+                <a:latin typeface="Consolas" panose="020B0609020204030204" pitchFamily="49" charset="0"/>
+              </a:rPr>
+              <a:t>TODO</a:t>
+            </a:r>
+            <a:r>
+              <a:rPr lang="en-US" sz="1800" b="1" dirty="0">
+                <a:solidFill>
+                  <a:srgbClr val="3F7F5F"/>
+                </a:solidFill>
+                <a:latin typeface="Consolas" panose="020B0609020204030204" pitchFamily="49" charset="0"/>
+              </a:rPr>
+              <a:t> Auto-generated catch block</a:t>
+            </a:r>
+          </a:p>
+          <a:p>
+            <a:pPr algn="l"/>
+            <a:r>
+              <a:rPr lang="en-US" sz="1800" dirty="0">
+                <a:solidFill>
+                  <a:srgbClr val="6A3E3E"/>
+                </a:solidFill>
+                <a:latin typeface="Consolas" panose="020B0609020204030204" pitchFamily="49" charset="0"/>
+              </a:rPr>
+              <a:t>            </a:t>
+            </a:r>
+            <a:r>
+              <a:rPr lang="en-US" sz="1800" dirty="0" err="1">
+                <a:solidFill>
+                  <a:srgbClr val="6A3E3E"/>
+                </a:solidFill>
+                <a:latin typeface="Consolas" panose="020B0609020204030204" pitchFamily="49" charset="0"/>
+              </a:rPr>
+              <a:t>e</a:t>
+            </a:r>
+            <a:r>
+              <a:rPr lang="en-US" sz="1800" dirty="0" err="1">
+                <a:solidFill>
+                  <a:srgbClr val="000000"/>
+                </a:solidFill>
+                <a:latin typeface="Consolas" panose="020B0609020204030204" pitchFamily="49" charset="0"/>
+              </a:rPr>
+              <a:t>.printStackTrace</a:t>
+            </a:r>
+            <a:r>
+              <a:rPr lang="en-US" sz="1800" dirty="0">
+                <a:solidFill>
+                  <a:srgbClr val="000000"/>
+                </a:solidFill>
+                <a:latin typeface="Consolas" panose="020B0609020204030204" pitchFamily="49" charset="0"/>
+              </a:rPr>
+              <a:t>();</a:t>
+            </a:r>
+          </a:p>
+          <a:p>
+            <a:pPr algn="l"/>
+            <a:r>
+              <a:rPr lang="en-US" sz="1800" b="1" dirty="0">
+                <a:solidFill>
+                  <a:srgbClr val="7F0055"/>
+                </a:solidFill>
+                <a:latin typeface="Consolas" panose="020B0609020204030204" pitchFamily="49" charset="0"/>
+              </a:rPr>
+              <a:t>            return</a:t>
+            </a:r>
+            <a:r>
+              <a:rPr lang="en-US" sz="1800" b="1" dirty="0">
+                <a:solidFill>
+                  <a:srgbClr val="000000"/>
+                </a:solidFill>
+                <a:latin typeface="Consolas" panose="020B0609020204030204" pitchFamily="49" charset="0"/>
+              </a:rPr>
+              <a:t> </a:t>
+            </a:r>
+            <a:r>
+              <a:rPr lang="en-US" sz="1800" b="1" dirty="0">
+                <a:solidFill>
+                  <a:srgbClr val="7F0055"/>
+                </a:solidFill>
+                <a:latin typeface="Consolas" panose="020B0609020204030204" pitchFamily="49" charset="0"/>
+              </a:rPr>
+              <a:t>false</a:t>
+            </a:r>
+            <a:r>
+              <a:rPr lang="en-US" sz="1800" b="1" dirty="0">
+                <a:solidFill>
+                  <a:srgbClr val="000000"/>
+                </a:solidFill>
+                <a:latin typeface="Consolas" panose="020B0609020204030204" pitchFamily="49" charset="0"/>
+              </a:rPr>
+              <a:t>;</a:t>
+            </a:r>
+          </a:p>
+          <a:p>
+            <a:pPr algn="l"/>
+            <a:r>
+              <a:rPr lang="en-US" sz="1800" dirty="0">
+                <a:solidFill>
+                  <a:srgbClr val="000000"/>
+                </a:solidFill>
+                <a:latin typeface="Consolas" panose="020B0609020204030204" pitchFamily="49" charset="0"/>
+              </a:rPr>
+              <a:t>        }</a:t>
+            </a:r>
+          </a:p>
+          <a:p>
+            <a:pPr algn="l"/>
+            <a:endParaRPr lang="en-US" sz="1800" dirty="0">
+              <a:latin typeface="Consolas" panose="020B0609020204030204" pitchFamily="49" charset="0"/>
+            </a:endParaRPr>
+          </a:p>
+          <a:p>
+            <a:pPr algn="l"/>
+            <a:r>
+              <a:rPr lang="en-US" sz="1800" b="1" dirty="0">
+                <a:solidFill>
+                  <a:srgbClr val="7F0055"/>
+                </a:solidFill>
+                <a:latin typeface="Consolas" panose="020B0609020204030204" pitchFamily="49" charset="0"/>
+              </a:rPr>
+              <a:t>        return</a:t>
+            </a:r>
+            <a:r>
+              <a:rPr lang="en-US" sz="1800" b="1" dirty="0">
+                <a:solidFill>
+                  <a:srgbClr val="000000"/>
+                </a:solidFill>
+                <a:latin typeface="Consolas" panose="020B0609020204030204" pitchFamily="49" charset="0"/>
+              </a:rPr>
+              <a:t> </a:t>
+            </a:r>
+            <a:r>
+              <a:rPr lang="en-US" sz="1800" b="1" dirty="0">
+                <a:solidFill>
+                  <a:srgbClr val="7F0055"/>
+                </a:solidFill>
+                <a:latin typeface="Consolas" panose="020B0609020204030204" pitchFamily="49" charset="0"/>
+              </a:rPr>
+              <a:t>true</a:t>
+            </a:r>
+            <a:r>
+              <a:rPr lang="en-US" sz="1800" b="1" dirty="0">
+                <a:solidFill>
+                  <a:srgbClr val="000000"/>
+                </a:solidFill>
+                <a:latin typeface="Consolas" panose="020B0609020204030204" pitchFamily="49" charset="0"/>
+              </a:rPr>
+              <a:t>;</a:t>
+            </a:r>
+          </a:p>
+          <a:p>
+            <a:pPr algn="l"/>
+            <a:r>
+              <a:rPr lang="en-US" sz="1800" dirty="0">
+                <a:solidFill>
+                  <a:srgbClr val="000000"/>
+                </a:solidFill>
+                <a:latin typeface="Consolas" panose="020B0609020204030204" pitchFamily="49" charset="0"/>
+              </a:rPr>
+              <a:t>    }</a:t>
+            </a:r>
+          </a:p>
+          <a:p>
+            <a:endParaRPr lang="en-US" sz="1800" dirty="0">
+              <a:solidFill>
+                <a:srgbClr val="3F7F5F"/>
+              </a:solidFill>
+              <a:latin typeface="Consolas" panose="020B0609020204030204" pitchFamily="49" charset="0"/>
+            </a:endParaRPr>
+          </a:p>
+          <a:p>
+            <a:r>
+              <a:rPr lang="en-US" sz="1800" dirty="0">
+                <a:solidFill>
+                  <a:srgbClr val="3F7F5F"/>
+                </a:solidFill>
+                <a:latin typeface="Consolas" panose="020B0609020204030204" pitchFamily="49" charset="0"/>
+              </a:rPr>
+              <a:t>// other code...</a:t>
+            </a:r>
+          </a:p>
+          <a:p>
+            <a:pPr algn="l"/>
+            <a:endParaRPr lang="en-US" sz="1800" dirty="0">
+              <a:solidFill>
+                <a:srgbClr val="000000"/>
+              </a:solidFill>
+              <a:latin typeface="Consolas" panose="020B0609020204030204" pitchFamily="49" charset="0"/>
+            </a:endParaRPr>
+          </a:p>
+          <a:p>
+            <a:pPr algn="l"/>
+            <a:r>
+              <a:rPr lang="en-US" sz="1800" dirty="0">
+                <a:solidFill>
+                  <a:srgbClr val="000000"/>
+                </a:solidFill>
+                <a:latin typeface="Consolas" panose="020B0609020204030204" pitchFamily="49" charset="0"/>
+              </a:rPr>
+              <a:t>}</a:t>
+            </a:r>
+            <a:endParaRPr lang="en-US" sz="2000" dirty="0">
+              <a:latin typeface="+mj-lt"/>
+              <a:cs typeface="Courier New" panose="02070309020205020404" pitchFamily="49" charset="0"/>
+            </a:endParaRPr>
+          </a:p>
+        </p:txBody>
+      </p:sp>
+    </p:spTree>
+    <p:extLst>
+      <p:ext uri="{BB962C8B-B14F-4D97-AF65-F5344CB8AC3E}">
+        <p14:creationId xmlns:p14="http://schemas.microsoft.com/office/powerpoint/2010/main" val="882436506"/>
+      </p:ext>
+    </p:extLst>
+  </p:cSld>
+  <p:clrMapOvr>
+    <a:masterClrMapping/>
+  </p:clrMapOvr>
+</p:sld>
+</file>
+
+<file path=ppt/slides/slide14.xml><?xml version="1.0" encoding="utf-8"?>
+<p:sld xmlns:a="http://schemas.openxmlformats.org/drawingml/2006/main" xmlns:r="http://schemas.openxmlformats.org/officeDocument/2006/relationships" xmlns:p="http://schemas.openxmlformats.org/presentationml/2006/main">
+  <p:cSld>
+    <p:spTree>
+      <p:nvGrpSpPr>
+        <p:cNvPr id="1" name=""/>
+        <p:cNvGrpSpPr/>
+        <p:nvPr/>
+      </p:nvGrpSpPr>
+      <p:grpSpPr>
+        <a:xfrm>
+          <a:off x="0" y="0"/>
+          <a:ext cx="0" cy="0"/>
+          <a:chOff x="0" y="0"/>
+          <a:chExt cx="0" cy="0"/>
+        </a:xfrm>
+      </p:grpSpPr>
+      <p:sp>
+        <p:nvSpPr>
+          <p:cNvPr id="2" name="Title 1">
+            <a:extLst>
+              <a:ext uri="{FF2B5EF4-FFF2-40B4-BE49-F238E27FC236}">
+                <a16:creationId xmlns:a16="http://schemas.microsoft.com/office/drawing/2014/main" id="{03BFDB46-CB77-43BD-8935-38A4C3F6FA6B}"/>
+              </a:ext>
+            </a:extLst>
+          </p:cNvPr>
+          <p:cNvSpPr>
+            <a:spLocks noGrp="1"/>
+          </p:cNvSpPr>
+          <p:nvPr>
+            <p:ph type="title"/>
+          </p:nvPr>
+        </p:nvSpPr>
+        <p:spPr/>
+        <p:txBody>
+          <a:bodyPr/>
+          <a:lstStyle/>
+          <a:p>
+            <a:r>
+              <a:rPr lang="en-US" dirty="0"/>
+              <a:t>DAO Implementation – Remove (delete)</a:t>
+            </a:r>
+          </a:p>
+        </p:txBody>
+      </p:sp>
+      <p:sp>
+        <p:nvSpPr>
+          <p:cNvPr id="4" name="Slide Number Placeholder 3">
+            <a:extLst>
+              <a:ext uri="{FF2B5EF4-FFF2-40B4-BE49-F238E27FC236}">
+                <a16:creationId xmlns:a16="http://schemas.microsoft.com/office/drawing/2014/main" id="{9B226E6F-12C5-41EC-BF9D-EAF162B65B12}"/>
+              </a:ext>
+            </a:extLst>
+          </p:cNvPr>
+          <p:cNvSpPr>
+            <a:spLocks noGrp="1"/>
+          </p:cNvSpPr>
+          <p:nvPr>
+            <p:ph type="sldNum" idx="12"/>
+          </p:nvPr>
+        </p:nvSpPr>
+        <p:spPr/>
+        <p:txBody>
+          <a:bodyPr/>
+          <a:lstStyle/>
+          <a:p>
+            <a:pPr marL="0" lvl="0" indent="0" algn="r" rtl="0">
+              <a:spcBef>
+                <a:spcPts val="0"/>
+              </a:spcBef>
+              <a:spcAft>
+                <a:spcPts val="0"/>
+              </a:spcAft>
+              <a:buNone/>
+            </a:pPr>
+            <a:fld id="{00000000-1234-1234-1234-123412341234}" type="slidenum">
+              <a:rPr lang="en-US" smtClean="0"/>
+              <a:t>13</a:t>
+            </a:fld>
+            <a:endParaRPr lang="en-US"/>
+          </a:p>
+        </p:txBody>
+      </p:sp>
+      <p:sp>
+        <p:nvSpPr>
+          <p:cNvPr id="6" name="Rectangle 5">
+            <a:extLst>
+              <a:ext uri="{FF2B5EF4-FFF2-40B4-BE49-F238E27FC236}">
+                <a16:creationId xmlns:a16="http://schemas.microsoft.com/office/drawing/2014/main" id="{D775F1D3-12A3-4B81-A8B5-236F6E5D1734}"/>
+              </a:ext>
+            </a:extLst>
+          </p:cNvPr>
+          <p:cNvSpPr/>
+          <p:nvPr/>
+        </p:nvSpPr>
+        <p:spPr>
+          <a:xfrm>
+            <a:off x="589037" y="1568741"/>
+            <a:ext cx="7964555" cy="4714614"/>
+          </a:xfrm>
+          <a:prstGeom prst="rect">
+            <a:avLst/>
+          </a:prstGeom>
+        </p:spPr>
+        <p:style>
+          <a:lnRef idx="1">
+            <a:schemeClr val="accent2"/>
+          </a:lnRef>
+          <a:fillRef idx="2">
+            <a:schemeClr val="accent2"/>
+          </a:fillRef>
+          <a:effectRef idx="1">
+            <a:schemeClr val="accent2"/>
+          </a:effectRef>
+          <a:fontRef idx="minor">
+            <a:schemeClr val="dk1"/>
+          </a:fontRef>
+        </p:style>
+        <p:txBody>
+          <a:bodyPr rtlCol="0" anchor="ctr">
+            <a:normAutofit fontScale="85000" lnSpcReduction="20000"/>
+          </a:bodyPr>
+          <a:lstStyle/>
+          <a:p>
+            <a:pPr algn="l"/>
+            <a:r>
+              <a:rPr lang="en-US" sz="1800" b="1" dirty="0">
+                <a:solidFill>
+                  <a:srgbClr val="7F0055"/>
+                </a:solidFill>
+                <a:latin typeface="Consolas" panose="020B0609020204030204" pitchFamily="49" charset="0"/>
+              </a:rPr>
+              <a:t>public</a:t>
+            </a:r>
+            <a:r>
+              <a:rPr lang="en-US" sz="1800" b="1" dirty="0">
+                <a:solidFill>
+                  <a:srgbClr val="000000"/>
+                </a:solidFill>
+                <a:latin typeface="Consolas" panose="020B0609020204030204" pitchFamily="49" charset="0"/>
+              </a:rPr>
+              <a:t> </a:t>
+            </a:r>
+            <a:r>
+              <a:rPr lang="en-US" sz="1800" b="1" dirty="0">
+                <a:solidFill>
+                  <a:srgbClr val="7F0055"/>
+                </a:solidFill>
+                <a:latin typeface="Consolas" panose="020B0609020204030204" pitchFamily="49" charset="0"/>
+              </a:rPr>
+              <a:t>class</a:t>
+            </a:r>
+            <a:r>
+              <a:rPr lang="en-US" sz="1800" b="1" dirty="0">
+                <a:solidFill>
+                  <a:srgbClr val="000000"/>
+                </a:solidFill>
+                <a:latin typeface="Consolas" panose="020B0609020204030204" pitchFamily="49" charset="0"/>
+              </a:rPr>
+              <a:t> </a:t>
+            </a:r>
+            <a:r>
+              <a:rPr lang="en-US" sz="1800" b="1" dirty="0" err="1">
+                <a:solidFill>
+                  <a:srgbClr val="000000"/>
+                </a:solidFill>
+                <a:latin typeface="Consolas" panose="020B0609020204030204" pitchFamily="49" charset="0"/>
+              </a:rPr>
+              <a:t>EmployeeDAOImpl</a:t>
+            </a:r>
+            <a:r>
+              <a:rPr lang="en-US" sz="1800" b="1" dirty="0">
+                <a:solidFill>
+                  <a:srgbClr val="000000"/>
+                </a:solidFill>
+                <a:latin typeface="Consolas" panose="020B0609020204030204" pitchFamily="49" charset="0"/>
+              </a:rPr>
+              <a:t> </a:t>
+            </a:r>
+            <a:r>
+              <a:rPr lang="en-US" sz="1800" b="1" dirty="0">
+                <a:solidFill>
+                  <a:srgbClr val="7F0055"/>
+                </a:solidFill>
+                <a:latin typeface="Consolas" panose="020B0609020204030204" pitchFamily="49" charset="0"/>
+              </a:rPr>
+              <a:t>implements</a:t>
+            </a:r>
+            <a:r>
+              <a:rPr lang="en-US" sz="1800" b="1" dirty="0">
+                <a:solidFill>
+                  <a:srgbClr val="000000"/>
+                </a:solidFill>
+                <a:latin typeface="Consolas" panose="020B0609020204030204" pitchFamily="49" charset="0"/>
+              </a:rPr>
+              <a:t> </a:t>
+            </a:r>
+            <a:r>
+              <a:rPr lang="en-US" sz="1800" b="1" dirty="0" err="1">
+                <a:solidFill>
+                  <a:srgbClr val="000000"/>
+                </a:solidFill>
+                <a:latin typeface="Consolas" panose="020B0609020204030204" pitchFamily="49" charset="0"/>
+              </a:rPr>
+              <a:t>EmployeeDAO</a:t>
+            </a:r>
+            <a:r>
+              <a:rPr lang="en-US" sz="1800" b="1" dirty="0">
+                <a:solidFill>
+                  <a:srgbClr val="000000"/>
+                </a:solidFill>
+                <a:latin typeface="Consolas" panose="020B0609020204030204" pitchFamily="49" charset="0"/>
+              </a:rPr>
+              <a:t> {</a:t>
+            </a:r>
+          </a:p>
+          <a:p>
+            <a:endParaRPr lang="en-US" sz="1800" dirty="0">
+              <a:solidFill>
+                <a:srgbClr val="3F7F5F"/>
+              </a:solidFill>
+              <a:latin typeface="Consolas" panose="020B0609020204030204" pitchFamily="49" charset="0"/>
+            </a:endParaRPr>
+          </a:p>
+          <a:p>
+            <a:r>
+              <a:rPr lang="en-US" sz="1800" dirty="0">
+                <a:solidFill>
+                  <a:srgbClr val="3F7F5F"/>
+                </a:solidFill>
+                <a:latin typeface="Consolas" panose="020B0609020204030204" pitchFamily="49" charset="0"/>
+              </a:rPr>
+              <a:t>// other code...</a:t>
+            </a:r>
+            <a:endParaRPr lang="en-US" sz="1800" dirty="0">
+              <a:latin typeface="Consolas" panose="020B0609020204030204" pitchFamily="49" charset="0"/>
+            </a:endParaRPr>
+          </a:p>
+          <a:p>
+            <a:pPr algn="l"/>
+            <a:endParaRPr lang="en-US" sz="1800" dirty="0">
+              <a:latin typeface="Consolas" panose="020B0609020204030204" pitchFamily="49" charset="0"/>
+            </a:endParaRPr>
+          </a:p>
+          <a:p>
+            <a:pPr algn="l"/>
+            <a:r>
+              <a:rPr lang="en-US" sz="1800" dirty="0">
+                <a:solidFill>
+                  <a:srgbClr val="646464"/>
+                </a:solidFill>
+                <a:latin typeface="Consolas" panose="020B0609020204030204" pitchFamily="49" charset="0"/>
+              </a:rPr>
+              <a:t>    @Override</a:t>
+            </a:r>
+          </a:p>
+          <a:p>
+            <a:pPr algn="l"/>
+            <a:r>
+              <a:rPr lang="en-US" sz="1800" b="1" dirty="0">
+                <a:solidFill>
+                  <a:srgbClr val="7F0055"/>
+                </a:solidFill>
+                <a:latin typeface="Consolas" panose="020B0609020204030204" pitchFamily="49" charset="0"/>
+              </a:rPr>
+              <a:t>    public</a:t>
+            </a:r>
+            <a:r>
+              <a:rPr lang="en-US" sz="1800" b="1" dirty="0">
+                <a:solidFill>
+                  <a:srgbClr val="000000"/>
+                </a:solidFill>
+                <a:latin typeface="Consolas" panose="020B0609020204030204" pitchFamily="49" charset="0"/>
+              </a:rPr>
+              <a:t> </a:t>
+            </a:r>
+            <a:r>
+              <a:rPr lang="en-US" sz="1800" b="1" dirty="0" err="1">
+                <a:solidFill>
+                  <a:srgbClr val="7F0055"/>
+                </a:solidFill>
+                <a:latin typeface="Consolas" panose="020B0609020204030204" pitchFamily="49" charset="0"/>
+              </a:rPr>
+              <a:t>boolean</a:t>
+            </a:r>
+            <a:r>
+              <a:rPr lang="en-US" sz="1800" b="1" dirty="0">
+                <a:solidFill>
+                  <a:srgbClr val="000000"/>
+                </a:solidFill>
+                <a:latin typeface="Consolas" panose="020B0609020204030204" pitchFamily="49" charset="0"/>
+              </a:rPr>
+              <a:t> </a:t>
+            </a:r>
+            <a:r>
+              <a:rPr lang="en-US" sz="1800" b="1" dirty="0" err="1">
+                <a:solidFill>
+                  <a:srgbClr val="000000"/>
+                </a:solidFill>
+                <a:latin typeface="Consolas" panose="020B0609020204030204" pitchFamily="49" charset="0"/>
+              </a:rPr>
+              <a:t>deleteEmployee</a:t>
+            </a:r>
+            <a:r>
+              <a:rPr lang="en-US" sz="1800" b="1" dirty="0">
+                <a:solidFill>
+                  <a:srgbClr val="000000"/>
+                </a:solidFill>
+                <a:latin typeface="Consolas" panose="020B0609020204030204" pitchFamily="49" charset="0"/>
+              </a:rPr>
+              <a:t>(Employee </a:t>
+            </a:r>
+            <a:r>
+              <a:rPr lang="en-US" sz="1800" b="1" dirty="0">
+                <a:solidFill>
+                  <a:srgbClr val="6A3E3E"/>
+                </a:solidFill>
+                <a:latin typeface="Consolas" panose="020B0609020204030204" pitchFamily="49" charset="0"/>
+              </a:rPr>
+              <a:t>emp</a:t>
+            </a:r>
+            <a:r>
+              <a:rPr lang="en-US" sz="1800" b="1" dirty="0">
+                <a:solidFill>
+                  <a:srgbClr val="000000"/>
+                </a:solidFill>
+                <a:latin typeface="Consolas" panose="020B0609020204030204" pitchFamily="49" charset="0"/>
+              </a:rPr>
+              <a:t>) {</a:t>
+            </a:r>
+          </a:p>
+          <a:p>
+            <a:pPr algn="l"/>
+            <a:r>
+              <a:rPr lang="en-US" sz="1800" dirty="0">
+                <a:solidFill>
+                  <a:srgbClr val="000000"/>
+                </a:solidFill>
+                <a:latin typeface="Consolas" panose="020B0609020204030204" pitchFamily="49" charset="0"/>
+              </a:rPr>
+              <a:t>        </a:t>
+            </a:r>
+            <a:r>
+              <a:rPr lang="en-US" sz="1800" dirty="0" err="1">
+                <a:solidFill>
+                  <a:srgbClr val="000000"/>
+                </a:solidFill>
+                <a:latin typeface="Consolas" panose="020B0609020204030204" pitchFamily="49" charset="0"/>
+              </a:rPr>
+              <a:t>PreparedStatement</a:t>
+            </a:r>
+            <a:r>
+              <a:rPr lang="en-US" sz="1800" dirty="0">
+                <a:solidFill>
+                  <a:srgbClr val="000000"/>
+                </a:solidFill>
+                <a:latin typeface="Consolas" panose="020B0609020204030204" pitchFamily="49" charset="0"/>
+              </a:rPr>
+              <a:t> </a:t>
+            </a:r>
+            <a:r>
+              <a:rPr lang="en-US" sz="1800" dirty="0" err="1">
+                <a:solidFill>
+                  <a:srgbClr val="6A3E3E"/>
+                </a:solidFill>
+                <a:latin typeface="Consolas" panose="020B0609020204030204" pitchFamily="49" charset="0"/>
+              </a:rPr>
+              <a:t>ps</a:t>
+            </a:r>
+            <a:r>
+              <a:rPr lang="en-US" sz="1800" dirty="0">
+                <a:solidFill>
+                  <a:srgbClr val="000000"/>
+                </a:solidFill>
+                <a:latin typeface="Consolas" panose="020B0609020204030204" pitchFamily="49" charset="0"/>
+              </a:rPr>
+              <a:t> = </a:t>
+            </a:r>
+            <a:r>
+              <a:rPr lang="en-US" sz="1800" b="1" dirty="0">
+                <a:solidFill>
+                  <a:srgbClr val="7F0055"/>
+                </a:solidFill>
+                <a:latin typeface="Consolas" panose="020B0609020204030204" pitchFamily="49" charset="0"/>
+              </a:rPr>
+              <a:t>null</a:t>
+            </a:r>
+            <a:r>
+              <a:rPr lang="en-US" sz="1800" b="1" dirty="0">
+                <a:solidFill>
+                  <a:srgbClr val="000000"/>
+                </a:solidFill>
+                <a:latin typeface="Consolas" panose="020B0609020204030204" pitchFamily="49" charset="0"/>
+              </a:rPr>
+              <a:t>;</a:t>
+            </a:r>
+          </a:p>
+          <a:p>
+            <a:pPr algn="l"/>
+            <a:r>
+              <a:rPr lang="en-US" sz="1800" b="1" dirty="0">
+                <a:solidFill>
+                  <a:srgbClr val="7F0055"/>
+                </a:solidFill>
+                <a:latin typeface="Consolas" panose="020B0609020204030204" pitchFamily="49" charset="0"/>
+              </a:rPr>
+              <a:t>        try</a:t>
+            </a:r>
+            <a:r>
+              <a:rPr lang="en-US" sz="1800" b="1" dirty="0">
+                <a:solidFill>
+                  <a:srgbClr val="000000"/>
+                </a:solidFill>
+                <a:latin typeface="Consolas" panose="020B0609020204030204" pitchFamily="49" charset="0"/>
+              </a:rPr>
+              <a:t> (Connection </a:t>
+            </a:r>
+            <a:r>
+              <a:rPr lang="en-US" sz="1800" b="1" dirty="0">
+                <a:solidFill>
+                  <a:srgbClr val="6A3E3E"/>
+                </a:solidFill>
+                <a:latin typeface="Consolas" panose="020B0609020204030204" pitchFamily="49" charset="0"/>
+              </a:rPr>
+              <a:t>conn</a:t>
+            </a:r>
+            <a:r>
+              <a:rPr lang="en-US" sz="1800" b="1" dirty="0">
+                <a:solidFill>
+                  <a:srgbClr val="000000"/>
+                </a:solidFill>
+                <a:latin typeface="Consolas" panose="020B0609020204030204" pitchFamily="49" charset="0"/>
+              </a:rPr>
+              <a:t> = </a:t>
+            </a:r>
+            <a:r>
+              <a:rPr lang="en-US" sz="1800" b="1" dirty="0" err="1">
+                <a:solidFill>
+                  <a:srgbClr val="000000"/>
+                </a:solidFill>
+                <a:latin typeface="Consolas" panose="020B0609020204030204" pitchFamily="49" charset="0"/>
+              </a:rPr>
+              <a:t>ConnectionUtil.</a:t>
+            </a:r>
+            <a:r>
+              <a:rPr lang="en-US" sz="1800" b="1" i="1" dirty="0" err="1">
+                <a:solidFill>
+                  <a:srgbClr val="000000"/>
+                </a:solidFill>
+                <a:latin typeface="Consolas" panose="020B0609020204030204" pitchFamily="49" charset="0"/>
+              </a:rPr>
+              <a:t>getConnection</a:t>
+            </a:r>
+            <a:r>
+              <a:rPr lang="en-US" sz="1800" b="1" i="1" dirty="0">
+                <a:solidFill>
+                  <a:srgbClr val="000000"/>
+                </a:solidFill>
+                <a:latin typeface="Consolas" panose="020B0609020204030204" pitchFamily="49" charset="0"/>
+              </a:rPr>
+              <a:t>()</a:t>
+            </a:r>
+            <a:r>
+              <a:rPr lang="en-US" sz="1800" b="1" dirty="0">
+                <a:solidFill>
+                  <a:srgbClr val="000000"/>
+                </a:solidFill>
+                <a:latin typeface="Consolas" panose="020B0609020204030204" pitchFamily="49" charset="0"/>
+              </a:rPr>
+              <a:t>) {</a:t>
+            </a:r>
+          </a:p>
+          <a:p>
+            <a:pPr algn="l"/>
+            <a:r>
+              <a:rPr lang="en-US" sz="1800" dirty="0">
+                <a:solidFill>
+                  <a:srgbClr val="000000"/>
+                </a:solidFill>
+                <a:latin typeface="Consolas" panose="020B0609020204030204" pitchFamily="49" charset="0"/>
+              </a:rPr>
+              <a:t>            String </a:t>
+            </a:r>
+            <a:r>
+              <a:rPr lang="en-US" sz="1800" dirty="0">
+                <a:solidFill>
+                  <a:srgbClr val="6A3E3E"/>
+                </a:solidFill>
+                <a:latin typeface="Consolas" panose="020B0609020204030204" pitchFamily="49" charset="0"/>
+              </a:rPr>
+              <a:t>query</a:t>
+            </a:r>
+            <a:r>
+              <a:rPr lang="en-US" sz="1800" dirty="0">
+                <a:solidFill>
+                  <a:srgbClr val="000000"/>
+                </a:solidFill>
+                <a:latin typeface="Consolas" panose="020B0609020204030204" pitchFamily="49" charset="0"/>
+              </a:rPr>
+              <a:t> = </a:t>
+            </a:r>
+            <a:r>
+              <a:rPr lang="en-US" sz="1800" dirty="0">
+                <a:solidFill>
+                  <a:srgbClr val="2A00FF"/>
+                </a:solidFill>
+                <a:latin typeface="Consolas" panose="020B0609020204030204" pitchFamily="49" charset="0"/>
+              </a:rPr>
+              <a:t>"DELETE FROM </a:t>
+            </a:r>
+            <a:r>
+              <a:rPr lang="en-US" sz="1800" dirty="0" err="1">
+                <a:solidFill>
+                  <a:srgbClr val="2A00FF"/>
+                </a:solidFill>
+                <a:latin typeface="Consolas" panose="020B0609020204030204" pitchFamily="49" charset="0"/>
+              </a:rPr>
+              <a:t>bankapp.employees</a:t>
+            </a:r>
+            <a:r>
+              <a:rPr lang="en-US" sz="1800" dirty="0">
+                <a:solidFill>
+                  <a:srgbClr val="2A00FF"/>
+                </a:solidFill>
+                <a:latin typeface="Consolas" panose="020B0609020204030204" pitchFamily="49" charset="0"/>
+              </a:rPr>
+              <a:t> WHERE </a:t>
+            </a:r>
+            <a:r>
+              <a:rPr lang="en-US" sz="1800" dirty="0" err="1">
+                <a:solidFill>
+                  <a:srgbClr val="2A00FF"/>
+                </a:solidFill>
+                <a:latin typeface="Consolas" panose="020B0609020204030204" pitchFamily="49" charset="0"/>
+              </a:rPr>
+              <a:t>emp_id</a:t>
+            </a:r>
+            <a:r>
+              <a:rPr lang="en-US" sz="1800" dirty="0">
+                <a:solidFill>
+                  <a:srgbClr val="2A00FF"/>
+                </a:solidFill>
+                <a:latin typeface="Consolas" panose="020B0609020204030204" pitchFamily="49" charset="0"/>
+              </a:rPr>
+              <a:t>=?"</a:t>
+            </a:r>
+            <a:r>
+              <a:rPr lang="en-US" sz="1800" dirty="0">
+                <a:solidFill>
+                  <a:srgbClr val="000000"/>
+                </a:solidFill>
+                <a:latin typeface="Consolas" panose="020B0609020204030204" pitchFamily="49" charset="0"/>
+              </a:rPr>
+              <a:t>;</a:t>
+            </a:r>
+          </a:p>
+          <a:p>
+            <a:pPr algn="l"/>
+            <a:r>
+              <a:rPr lang="en-US" sz="1800" dirty="0">
+                <a:solidFill>
+                  <a:srgbClr val="6A3E3E"/>
+                </a:solidFill>
+                <a:latin typeface="Consolas" panose="020B0609020204030204" pitchFamily="49" charset="0"/>
+              </a:rPr>
+              <a:t>            </a:t>
+            </a:r>
+            <a:r>
+              <a:rPr lang="en-US" sz="1800" dirty="0" err="1">
+                <a:solidFill>
+                  <a:srgbClr val="6A3E3E"/>
+                </a:solidFill>
+                <a:latin typeface="Consolas" panose="020B0609020204030204" pitchFamily="49" charset="0"/>
+              </a:rPr>
+              <a:t>ps</a:t>
+            </a:r>
+            <a:r>
+              <a:rPr lang="en-US" sz="1800" dirty="0">
+                <a:solidFill>
+                  <a:srgbClr val="000000"/>
+                </a:solidFill>
+                <a:latin typeface="Consolas" panose="020B0609020204030204" pitchFamily="49" charset="0"/>
+              </a:rPr>
+              <a:t> = </a:t>
+            </a:r>
+            <a:r>
+              <a:rPr lang="en-US" sz="1800" dirty="0" err="1">
+                <a:solidFill>
+                  <a:srgbClr val="6A3E3E"/>
+                </a:solidFill>
+                <a:latin typeface="Consolas" panose="020B0609020204030204" pitchFamily="49" charset="0"/>
+              </a:rPr>
+              <a:t>conn</a:t>
+            </a:r>
+            <a:r>
+              <a:rPr lang="en-US" sz="1800" dirty="0" err="1">
+                <a:solidFill>
+                  <a:srgbClr val="000000"/>
+                </a:solidFill>
+                <a:latin typeface="Consolas" panose="020B0609020204030204" pitchFamily="49" charset="0"/>
+              </a:rPr>
+              <a:t>.prepareStatement</a:t>
+            </a:r>
+            <a:r>
+              <a:rPr lang="en-US" sz="1800" dirty="0">
+                <a:solidFill>
+                  <a:srgbClr val="000000"/>
+                </a:solidFill>
+                <a:latin typeface="Consolas" panose="020B0609020204030204" pitchFamily="49" charset="0"/>
+              </a:rPr>
+              <a:t>(</a:t>
+            </a:r>
+            <a:r>
+              <a:rPr lang="en-US" sz="1800" dirty="0">
+                <a:solidFill>
+                  <a:srgbClr val="6A3E3E"/>
+                </a:solidFill>
+                <a:latin typeface="Consolas" panose="020B0609020204030204" pitchFamily="49" charset="0"/>
+              </a:rPr>
+              <a:t>query</a:t>
+            </a:r>
+            <a:r>
+              <a:rPr lang="en-US" sz="1800" dirty="0">
+                <a:solidFill>
+                  <a:srgbClr val="000000"/>
+                </a:solidFill>
+                <a:latin typeface="Consolas" panose="020B0609020204030204" pitchFamily="49" charset="0"/>
+              </a:rPr>
+              <a:t>);</a:t>
+            </a:r>
+          </a:p>
+          <a:p>
+            <a:pPr algn="l"/>
+            <a:endParaRPr lang="en-US" sz="1800" dirty="0">
+              <a:latin typeface="Consolas" panose="020B0609020204030204" pitchFamily="49" charset="0"/>
+            </a:endParaRPr>
+          </a:p>
+          <a:p>
+            <a:pPr algn="l"/>
+            <a:r>
+              <a:rPr lang="en-US" sz="1800" dirty="0">
+                <a:solidFill>
+                  <a:srgbClr val="6A3E3E"/>
+                </a:solidFill>
+                <a:latin typeface="Consolas" panose="020B0609020204030204" pitchFamily="49" charset="0"/>
+              </a:rPr>
+              <a:t>            </a:t>
+            </a:r>
+            <a:r>
+              <a:rPr lang="en-US" sz="1800" dirty="0" err="1">
+                <a:solidFill>
+                  <a:srgbClr val="6A3E3E"/>
+                </a:solidFill>
+                <a:latin typeface="Consolas" panose="020B0609020204030204" pitchFamily="49" charset="0"/>
+              </a:rPr>
+              <a:t>ps</a:t>
+            </a:r>
+            <a:r>
+              <a:rPr lang="en-US" sz="1800" dirty="0" err="1">
+                <a:solidFill>
+                  <a:srgbClr val="000000"/>
+                </a:solidFill>
+                <a:latin typeface="Consolas" panose="020B0609020204030204" pitchFamily="49" charset="0"/>
+              </a:rPr>
+              <a:t>.setInt</a:t>
+            </a:r>
+            <a:r>
+              <a:rPr lang="en-US" sz="1800" dirty="0">
+                <a:solidFill>
+                  <a:srgbClr val="000000"/>
+                </a:solidFill>
+                <a:latin typeface="Consolas" panose="020B0609020204030204" pitchFamily="49" charset="0"/>
+              </a:rPr>
+              <a:t>(1, </a:t>
+            </a:r>
+            <a:r>
+              <a:rPr lang="en-US" sz="1800" dirty="0" err="1">
+                <a:solidFill>
+                  <a:srgbClr val="6A3E3E"/>
+                </a:solidFill>
+                <a:latin typeface="Consolas" panose="020B0609020204030204" pitchFamily="49" charset="0"/>
+              </a:rPr>
+              <a:t>emp</a:t>
+            </a:r>
+            <a:r>
+              <a:rPr lang="en-US" sz="1800" dirty="0" err="1">
+                <a:solidFill>
+                  <a:srgbClr val="000000"/>
+                </a:solidFill>
+                <a:latin typeface="Consolas" panose="020B0609020204030204" pitchFamily="49" charset="0"/>
+              </a:rPr>
+              <a:t>.getEmp_id</a:t>
+            </a:r>
+            <a:r>
+              <a:rPr lang="en-US" sz="1800" dirty="0">
+                <a:solidFill>
+                  <a:srgbClr val="000000"/>
+                </a:solidFill>
+                <a:latin typeface="Consolas" panose="020B0609020204030204" pitchFamily="49" charset="0"/>
+              </a:rPr>
+              <a:t>());</a:t>
+            </a:r>
+          </a:p>
+          <a:p>
+            <a:pPr algn="l"/>
+            <a:endParaRPr lang="en-US" sz="1800" dirty="0">
+              <a:latin typeface="Consolas" panose="020B0609020204030204" pitchFamily="49" charset="0"/>
+            </a:endParaRPr>
+          </a:p>
+          <a:p>
+            <a:pPr algn="l"/>
+            <a:r>
+              <a:rPr lang="en-US" sz="1800" dirty="0">
+                <a:solidFill>
+                  <a:srgbClr val="6A3E3E"/>
+                </a:solidFill>
+                <a:latin typeface="Consolas" panose="020B0609020204030204" pitchFamily="49" charset="0"/>
+              </a:rPr>
+              <a:t>            </a:t>
+            </a:r>
+            <a:r>
+              <a:rPr lang="en-US" sz="1800" dirty="0" err="1">
+                <a:solidFill>
+                  <a:srgbClr val="6A3E3E"/>
+                </a:solidFill>
+                <a:latin typeface="Consolas" panose="020B0609020204030204" pitchFamily="49" charset="0"/>
+              </a:rPr>
+              <a:t>ps</a:t>
+            </a:r>
+            <a:r>
+              <a:rPr lang="en-US" sz="1800" dirty="0" err="1">
+                <a:solidFill>
+                  <a:srgbClr val="000000"/>
+                </a:solidFill>
+                <a:latin typeface="Consolas" panose="020B0609020204030204" pitchFamily="49" charset="0"/>
+              </a:rPr>
+              <a:t>.executeQuery</a:t>
+            </a:r>
+            <a:r>
+              <a:rPr lang="en-US" sz="1800" dirty="0">
+                <a:solidFill>
+                  <a:srgbClr val="000000"/>
+                </a:solidFill>
+                <a:latin typeface="Consolas" panose="020B0609020204030204" pitchFamily="49" charset="0"/>
+              </a:rPr>
+              <a:t>();</a:t>
+            </a:r>
+          </a:p>
+          <a:p>
+            <a:pPr algn="l"/>
+            <a:endParaRPr lang="en-US" sz="1800" dirty="0">
+              <a:latin typeface="Consolas" panose="020B0609020204030204" pitchFamily="49" charset="0"/>
+            </a:endParaRPr>
+          </a:p>
+          <a:p>
+            <a:pPr algn="l"/>
+            <a:r>
+              <a:rPr lang="en-US" sz="1800" dirty="0">
+                <a:solidFill>
+                  <a:srgbClr val="000000"/>
+                </a:solidFill>
+                <a:latin typeface="Consolas" panose="020B0609020204030204" pitchFamily="49" charset="0"/>
+              </a:rPr>
+              <a:t>        } </a:t>
+            </a:r>
+            <a:r>
+              <a:rPr lang="en-US" sz="1800" b="1" dirty="0">
+                <a:solidFill>
+                  <a:srgbClr val="7F0055"/>
+                </a:solidFill>
+                <a:latin typeface="Consolas" panose="020B0609020204030204" pitchFamily="49" charset="0"/>
+              </a:rPr>
+              <a:t>catch</a:t>
+            </a:r>
+            <a:r>
+              <a:rPr lang="en-US" sz="1800" b="1" dirty="0">
+                <a:solidFill>
+                  <a:srgbClr val="000000"/>
+                </a:solidFill>
+                <a:latin typeface="Consolas" panose="020B0609020204030204" pitchFamily="49" charset="0"/>
+              </a:rPr>
+              <a:t> (</a:t>
+            </a:r>
+            <a:r>
+              <a:rPr lang="en-US" sz="1800" b="1" dirty="0" err="1">
+                <a:solidFill>
+                  <a:srgbClr val="000000"/>
+                </a:solidFill>
+                <a:latin typeface="Consolas" panose="020B0609020204030204" pitchFamily="49" charset="0"/>
+              </a:rPr>
+              <a:t>SQLException</a:t>
+            </a:r>
+            <a:r>
+              <a:rPr lang="en-US" sz="1800" b="1" dirty="0">
+                <a:solidFill>
+                  <a:srgbClr val="000000"/>
+                </a:solidFill>
+                <a:latin typeface="Consolas" panose="020B0609020204030204" pitchFamily="49" charset="0"/>
+              </a:rPr>
+              <a:t> </a:t>
+            </a:r>
+            <a:r>
+              <a:rPr lang="en-US" sz="1800" b="1" dirty="0">
+                <a:solidFill>
+                  <a:srgbClr val="6A3E3E"/>
+                </a:solidFill>
+                <a:latin typeface="Consolas" panose="020B0609020204030204" pitchFamily="49" charset="0"/>
+              </a:rPr>
+              <a:t>e</a:t>
+            </a:r>
+            <a:r>
+              <a:rPr lang="en-US" sz="1800" b="1" dirty="0">
+                <a:solidFill>
+                  <a:srgbClr val="000000"/>
+                </a:solidFill>
+                <a:latin typeface="Consolas" panose="020B0609020204030204" pitchFamily="49" charset="0"/>
+              </a:rPr>
+              <a:t>) {</a:t>
+            </a:r>
+          </a:p>
+          <a:p>
+            <a:pPr algn="l"/>
+            <a:r>
+              <a:rPr lang="en-US" sz="1800" dirty="0">
+                <a:solidFill>
+                  <a:srgbClr val="6A3E3E"/>
+                </a:solidFill>
+                <a:latin typeface="Consolas" panose="020B0609020204030204" pitchFamily="49" charset="0"/>
+              </a:rPr>
+              <a:t>            </a:t>
+            </a:r>
+            <a:r>
+              <a:rPr lang="en-US" sz="1800" dirty="0" err="1">
+                <a:solidFill>
+                  <a:srgbClr val="6A3E3E"/>
+                </a:solidFill>
+                <a:latin typeface="Consolas" panose="020B0609020204030204" pitchFamily="49" charset="0"/>
+              </a:rPr>
+              <a:t>e</a:t>
+            </a:r>
+            <a:r>
+              <a:rPr lang="en-US" sz="1800" dirty="0" err="1">
+                <a:solidFill>
+                  <a:srgbClr val="000000"/>
+                </a:solidFill>
+                <a:latin typeface="Consolas" panose="020B0609020204030204" pitchFamily="49" charset="0"/>
+              </a:rPr>
+              <a:t>.printStackTrace</a:t>
+            </a:r>
+            <a:r>
+              <a:rPr lang="en-US" sz="1800" dirty="0">
+                <a:solidFill>
+                  <a:srgbClr val="000000"/>
+                </a:solidFill>
+                <a:latin typeface="Consolas" panose="020B0609020204030204" pitchFamily="49" charset="0"/>
+              </a:rPr>
+              <a:t>();</a:t>
+            </a:r>
+          </a:p>
+          <a:p>
+            <a:pPr algn="l"/>
+            <a:r>
+              <a:rPr lang="en-US" sz="1800" b="1" dirty="0">
+                <a:solidFill>
+                  <a:srgbClr val="7F0055"/>
+                </a:solidFill>
+                <a:latin typeface="Consolas" panose="020B0609020204030204" pitchFamily="49" charset="0"/>
+              </a:rPr>
+              <a:t>            return</a:t>
+            </a:r>
+            <a:r>
+              <a:rPr lang="en-US" sz="1800" b="1" dirty="0">
+                <a:solidFill>
+                  <a:srgbClr val="000000"/>
+                </a:solidFill>
+                <a:latin typeface="Consolas" panose="020B0609020204030204" pitchFamily="49" charset="0"/>
+              </a:rPr>
+              <a:t> </a:t>
+            </a:r>
+            <a:r>
+              <a:rPr lang="en-US" sz="1800" b="1" dirty="0">
+                <a:solidFill>
+                  <a:srgbClr val="7F0055"/>
+                </a:solidFill>
+                <a:latin typeface="Consolas" panose="020B0609020204030204" pitchFamily="49" charset="0"/>
+              </a:rPr>
+              <a:t>false</a:t>
+            </a:r>
+            <a:r>
+              <a:rPr lang="en-US" sz="1800" b="1" dirty="0">
+                <a:solidFill>
+                  <a:srgbClr val="000000"/>
+                </a:solidFill>
+                <a:latin typeface="Consolas" panose="020B0609020204030204" pitchFamily="49" charset="0"/>
+              </a:rPr>
+              <a:t>;</a:t>
+            </a:r>
+          </a:p>
+          <a:p>
+            <a:pPr algn="l"/>
+            <a:r>
+              <a:rPr lang="en-US" sz="1800" dirty="0">
+                <a:solidFill>
+                  <a:srgbClr val="000000"/>
+                </a:solidFill>
+                <a:latin typeface="Consolas" panose="020B0609020204030204" pitchFamily="49" charset="0"/>
+              </a:rPr>
+              <a:t>        }</a:t>
+            </a:r>
+          </a:p>
+          <a:p>
+            <a:pPr algn="l"/>
+            <a:r>
+              <a:rPr lang="en-US" sz="1800" b="1" dirty="0">
+                <a:solidFill>
+                  <a:srgbClr val="7F0055"/>
+                </a:solidFill>
+                <a:latin typeface="Consolas" panose="020B0609020204030204" pitchFamily="49" charset="0"/>
+              </a:rPr>
+              <a:t>        return</a:t>
+            </a:r>
+            <a:r>
+              <a:rPr lang="en-US" sz="1800" b="1" dirty="0">
+                <a:solidFill>
+                  <a:srgbClr val="000000"/>
+                </a:solidFill>
+                <a:latin typeface="Consolas" panose="020B0609020204030204" pitchFamily="49" charset="0"/>
+              </a:rPr>
+              <a:t> </a:t>
+            </a:r>
+            <a:r>
+              <a:rPr lang="en-US" sz="1800" b="1" dirty="0">
+                <a:solidFill>
+                  <a:srgbClr val="7F0055"/>
+                </a:solidFill>
+                <a:latin typeface="Consolas" panose="020B0609020204030204" pitchFamily="49" charset="0"/>
+              </a:rPr>
+              <a:t>true</a:t>
+            </a:r>
+            <a:r>
+              <a:rPr lang="en-US" sz="1800" b="1" dirty="0">
+                <a:solidFill>
+                  <a:srgbClr val="000000"/>
+                </a:solidFill>
+                <a:latin typeface="Consolas" panose="020B0609020204030204" pitchFamily="49" charset="0"/>
+              </a:rPr>
+              <a:t>;</a:t>
+            </a:r>
+          </a:p>
+          <a:p>
+            <a:pPr algn="l"/>
+            <a:r>
+              <a:rPr lang="en-US" sz="1800" dirty="0">
+                <a:solidFill>
+                  <a:srgbClr val="000000"/>
+                </a:solidFill>
+                <a:latin typeface="Consolas" panose="020B0609020204030204" pitchFamily="49" charset="0"/>
+              </a:rPr>
+              <a:t>    }</a:t>
+            </a:r>
+          </a:p>
+          <a:p>
+            <a:endParaRPr lang="en-US" sz="1800" dirty="0">
+              <a:solidFill>
+                <a:srgbClr val="3F7F5F"/>
+              </a:solidFill>
+              <a:latin typeface="Consolas" panose="020B0609020204030204" pitchFamily="49" charset="0"/>
+            </a:endParaRPr>
+          </a:p>
+          <a:p>
+            <a:r>
+              <a:rPr lang="en-US" sz="1800" dirty="0">
+                <a:solidFill>
+                  <a:srgbClr val="3F7F5F"/>
+                </a:solidFill>
+                <a:latin typeface="Consolas" panose="020B0609020204030204" pitchFamily="49" charset="0"/>
+              </a:rPr>
+              <a:t>// other code...</a:t>
+            </a:r>
+            <a:endParaRPr lang="en-US" sz="1800" dirty="0">
+              <a:latin typeface="Consolas" panose="020B0609020204030204" pitchFamily="49" charset="0"/>
+            </a:endParaRPr>
+          </a:p>
+          <a:p>
+            <a:pPr algn="l"/>
+            <a:endParaRPr lang="en-US" sz="1800" dirty="0">
+              <a:solidFill>
+                <a:srgbClr val="000000"/>
+              </a:solidFill>
+              <a:latin typeface="Consolas" panose="020B0609020204030204" pitchFamily="49" charset="0"/>
+            </a:endParaRPr>
+          </a:p>
+          <a:p>
+            <a:pPr algn="l"/>
+            <a:r>
+              <a:rPr lang="en-US" sz="1800" dirty="0">
+                <a:solidFill>
+                  <a:srgbClr val="000000"/>
+                </a:solidFill>
+                <a:latin typeface="Consolas" panose="020B0609020204030204" pitchFamily="49" charset="0"/>
+              </a:rPr>
+              <a:t>}</a:t>
+            </a:r>
+            <a:endParaRPr lang="en-US" sz="2000" dirty="0">
+              <a:latin typeface="+mj-lt"/>
+              <a:cs typeface="Courier New" panose="02070309020205020404" pitchFamily="49" charset="0"/>
+            </a:endParaRPr>
+          </a:p>
+        </p:txBody>
+      </p:sp>
+    </p:spTree>
+    <p:extLst>
+      <p:ext uri="{BB962C8B-B14F-4D97-AF65-F5344CB8AC3E}">
+        <p14:creationId xmlns:p14="http://schemas.microsoft.com/office/powerpoint/2010/main" val="3695685048"/>
+      </p:ext>
+    </p:extLst>
+  </p:cSld>
+  <p:clrMapOvr>
+    <a:masterClrMapping/>
+  </p:clrMapOvr>
+</p:sld>
+</file>
+
+<file path=ppt/slides/slide15.xml><?xml version="1.0" encoding="utf-8"?>
+<p:sld xmlns:a="http://schemas.openxmlformats.org/drawingml/2006/main" xmlns:r="http://schemas.openxmlformats.org/officeDocument/2006/relationships" xmlns:p="http://schemas.openxmlformats.org/presentationml/2006/main">
+  <p:cSld>
+    <p:spTree>
+      <p:nvGrpSpPr>
+        <p:cNvPr id="1" name="Shape 308"/>
+        <p:cNvGrpSpPr/>
+        <p:nvPr/>
+      </p:nvGrpSpPr>
+      <p:grpSpPr>
+        <a:xfrm>
+          <a:off x="0" y="0"/>
+          <a:ext cx="0" cy="0"/>
+          <a:chOff x="0" y="0"/>
+          <a:chExt cx="0" cy="0"/>
+        </a:xfrm>
+      </p:grpSpPr>
+      <p:sp>
+        <p:nvSpPr>
+          <p:cNvPr id="309" name="Google Shape;309;p29"/>
+          <p:cNvSpPr txBox="1">
+            <a:spLocks noGrp="1"/>
+          </p:cNvSpPr>
+          <p:nvPr>
+            <p:ph type="title"/>
+          </p:nvPr>
+        </p:nvSpPr>
+        <p:spPr>
+          <a:xfrm>
+            <a:off x="380010" y="-4950"/>
+            <a:ext cx="6222671" cy="1224150"/>
+          </a:xfrm>
+          <a:prstGeom prst="rect">
+            <a:avLst/>
+          </a:prstGeom>
+          <a:noFill/>
+          <a:ln>
+            <a:noFill/>
+          </a:ln>
+        </p:spPr>
+        <p:txBody>
+          <a:bodyPr spcFirstLastPara="1" wrap="square" lIns="91425" tIns="45700" rIns="91425" bIns="45700" anchor="ctr" anchorCtr="0">
+            <a:noAutofit/>
+          </a:bodyPr>
+          <a:lstStyle/>
+          <a:p>
+            <a:pPr marL="0" lvl="0" indent="0" algn="l" rtl="0">
+              <a:spcBef>
+                <a:spcPts val="0"/>
+              </a:spcBef>
+              <a:spcAft>
+                <a:spcPts val="0"/>
+              </a:spcAft>
+              <a:buClr>
+                <a:schemeClr val="dk2"/>
+              </a:buClr>
+              <a:buSzPts val="2400"/>
+              <a:buFont typeface="Arial"/>
+              <a:buNone/>
+            </a:pPr>
+            <a:endParaRPr/>
+          </a:p>
+        </p:txBody>
+      </p:sp>
+      <p:sp>
+        <p:nvSpPr>
+          <p:cNvPr id="310" name="Google Shape;310;p29"/>
+          <p:cNvSpPr txBox="1">
+            <a:spLocks noGrp="1"/>
+          </p:cNvSpPr>
+          <p:nvPr>
+            <p:ph type="sldNum" idx="12"/>
+          </p:nvPr>
+        </p:nvSpPr>
+        <p:spPr>
+          <a:xfrm>
+            <a:off x="8122757" y="6363712"/>
+            <a:ext cx="861671" cy="365125"/>
+          </a:xfrm>
+          <a:prstGeom prst="rect">
+            <a:avLst/>
+          </a:prstGeom>
+          <a:noFill/>
+          <a:ln>
+            <a:noFill/>
+          </a:ln>
+        </p:spPr>
+        <p:txBody>
+          <a:bodyPr spcFirstLastPara="1" wrap="square" lIns="91425" tIns="45700" rIns="91425" bIns="45700" anchor="ctr" anchorCtr="0">
+            <a:noAutofit/>
+          </a:bodyPr>
+          <a:lstStyle/>
+          <a:p>
+            <a:pPr marL="0" lvl="0" indent="0" algn="r" rtl="0">
+              <a:spcBef>
+                <a:spcPts val="0"/>
+              </a:spcBef>
+              <a:spcAft>
+                <a:spcPts val="0"/>
+              </a:spcAft>
+              <a:buNone/>
+            </a:pPr>
+            <a:fld id="{00000000-1234-1234-1234-123412341234}" type="slidenum">
+              <a:rPr lang="en-US"/>
+              <a:t>14</a:t>
+            </a:fld>
+            <a:endParaRPr/>
+          </a:p>
+        </p:txBody>
+      </p:sp>
+    </p:spTree>
+  </p:cSld>
+  <p:clrMapOvr>
+    <a:masterClrMapping/>
+  </p:clrMapOvr>
+</p:sld>
+</file>
+
 <file path=ppt/slides/slide2.xml><?xml version="1.0" encoding="utf-8"?>
 <p:sld xmlns:a="http://schemas.openxmlformats.org/drawingml/2006/main" xmlns:r="http://schemas.openxmlformats.org/officeDocument/2006/relationships" xmlns:p="http://schemas.openxmlformats.org/presentationml/2006/main">
   <p:cSld>
@@ -29209,7 +36093,7 @@
   <p:cSld>
     <p:spTree>
       <p:nvGrpSpPr>
-        <p:cNvPr id="1" name="Shape 308"/>
+        <p:cNvPr id="1" name=""/>
         <p:cNvGrpSpPr/>
         <p:nvPr/>
       </p:nvGrpSpPr>
@@ -29223,98 +36107,817 @@
       </p:grpSpPr>
       <p:sp>
         <p:nvSpPr>
-          <p:cNvPr id="309" name="Google Shape;309;p29"/>
-          <p:cNvSpPr txBox="1">
+          <p:cNvPr id="2" name="Title 1">
+            <a:extLst>
+              <a:ext uri="{FF2B5EF4-FFF2-40B4-BE49-F238E27FC236}">
+                <a16:creationId xmlns:a16="http://schemas.microsoft.com/office/drawing/2014/main" id="{437930B4-E996-4435-B9F1-D407853E2C03}"/>
+              </a:ext>
+            </a:extLst>
+          </p:cNvPr>
+          <p:cNvSpPr>
             <a:spLocks noGrp="1"/>
           </p:cNvSpPr>
           <p:nvPr>
             <p:ph type="title"/>
           </p:nvPr>
         </p:nvSpPr>
-        <p:spPr>
-          <a:xfrm>
-            <a:off x="380010" y="-4950"/>
-            <a:ext cx="6222671" cy="1224150"/>
-          </a:xfrm>
-          <a:prstGeom prst="rect">
-            <a:avLst/>
-          </a:prstGeom>
-          <a:noFill/>
-          <a:ln>
-            <a:noFill/>
-          </a:ln>
-        </p:spPr>
+        <p:spPr/>
         <p:txBody>
-          <a:bodyPr spcFirstLastPara="1" wrap="square" lIns="91425" tIns="45700" rIns="91425" bIns="45700" anchor="ctr" anchorCtr="0">
-            <a:noAutofit/>
-          </a:bodyPr>
+          <a:bodyPr/>
           <a:lstStyle/>
           <a:p>
-            <a:pPr marL="0" lvl="0" indent="0" algn="l" rtl="0">
-              <a:spcBef>
-                <a:spcPts val="0"/>
-              </a:spcBef>
-              <a:spcAft>
-                <a:spcPts val="0"/>
-              </a:spcAft>
-              <a:buClr>
-                <a:schemeClr val="dk2"/>
-              </a:buClr>
-              <a:buSzPts val="2400"/>
-              <a:buFont typeface="Arial"/>
-              <a:buNone/>
-            </a:pPr>
-            <a:endParaRPr/>
+            <a:r>
+              <a:rPr lang="en-US" dirty="0"/>
+              <a:t>Design Patterns – DAO</a:t>
+            </a:r>
           </a:p>
         </p:txBody>
       </p:sp>
       <p:sp>
         <p:nvSpPr>
-          <p:cNvPr id="310" name="Google Shape;310;p29"/>
-          <p:cNvSpPr txBox="1">
+          <p:cNvPr id="3" name="Text Placeholder 2">
+            <a:extLst>
+              <a:ext uri="{FF2B5EF4-FFF2-40B4-BE49-F238E27FC236}">
+                <a16:creationId xmlns:a16="http://schemas.microsoft.com/office/drawing/2014/main" id="{0C6BA468-B2FB-4410-8CC4-82872A4103B6}"/>
+              </a:ext>
+            </a:extLst>
+          </p:cNvPr>
+          <p:cNvSpPr>
+            <a:spLocks noGrp="1"/>
+          </p:cNvSpPr>
+          <p:nvPr>
+            <p:ph type="body" idx="1"/>
+          </p:nvPr>
+        </p:nvSpPr>
+        <p:spPr>
+          <a:xfrm>
+            <a:off x="380010" y="1481446"/>
+            <a:ext cx="8383980" cy="5065128"/>
+          </a:xfrm>
+        </p:spPr>
+        <p:txBody>
+          <a:bodyPr>
+            <a:normAutofit fontScale="92500" lnSpcReduction="10000"/>
+          </a:bodyPr>
+          <a:lstStyle/>
+          <a:p>
+            <a:r>
+              <a:rPr lang="en-US" dirty="0"/>
+              <a:t>Generally, full stack applications should handle business logic and database logic separately to create a more modular structure.</a:t>
+            </a:r>
+          </a:p>
+          <a:p>
+            <a:r>
+              <a:rPr lang="en-US" dirty="0"/>
+              <a:t>When database interaction is required, a logical separation in code can be created using </a:t>
+            </a:r>
+            <a:r>
+              <a:rPr lang="en-US" b="1" i="1" dirty="0"/>
+              <a:t>Data Access Object </a:t>
+            </a:r>
+            <a:r>
+              <a:rPr lang="en-US" dirty="0"/>
+              <a:t>or </a:t>
+            </a:r>
+            <a:r>
+              <a:rPr lang="en-US" b="1" i="1" dirty="0"/>
+              <a:t>DAO</a:t>
+            </a:r>
+            <a:r>
+              <a:rPr lang="en-US" dirty="0"/>
+              <a:t>s</a:t>
+            </a:r>
+          </a:p>
+          <a:p>
+            <a:r>
+              <a:rPr lang="en-US" dirty="0"/>
+              <a:t>A DAO pattern is implemented by performing the following:</a:t>
+            </a:r>
+          </a:p>
+          <a:p>
+            <a:pPr lvl="1"/>
+            <a:r>
+              <a:rPr lang="en-US" dirty="0"/>
+              <a:t>Define an interface which declares methods through which the database will be queried.</a:t>
+            </a:r>
+          </a:p>
+          <a:p>
+            <a:pPr lvl="1"/>
+            <a:r>
+              <a:rPr lang="en-US" dirty="0"/>
+              <a:t>Create concrete implementation classes which contain the access logic and return required data as retrieved from the database.</a:t>
+            </a:r>
+          </a:p>
+        </p:txBody>
+      </p:sp>
+      <p:sp>
+        <p:nvSpPr>
+          <p:cNvPr id="4" name="Slide Number Placeholder 3">
+            <a:extLst>
+              <a:ext uri="{FF2B5EF4-FFF2-40B4-BE49-F238E27FC236}">
+                <a16:creationId xmlns:a16="http://schemas.microsoft.com/office/drawing/2014/main" id="{483A7CCD-D4F0-4527-9651-963B2389435E}"/>
+              </a:ext>
+            </a:extLst>
+          </p:cNvPr>
+          <p:cNvSpPr>
             <a:spLocks noGrp="1"/>
           </p:cNvSpPr>
           <p:nvPr>
             <p:ph type="sldNum" idx="12"/>
           </p:nvPr>
         </p:nvSpPr>
+        <p:spPr/>
+        <p:txBody>
+          <a:bodyPr/>
+          <a:lstStyle/>
+          <a:p>
+            <a:pPr marL="0" lvl="0" indent="0" algn="r" rtl="0">
+              <a:spcBef>
+                <a:spcPts val="0"/>
+              </a:spcBef>
+              <a:spcAft>
+                <a:spcPts val="0"/>
+              </a:spcAft>
+              <a:buNone/>
+            </a:pPr>
+            <a:fld id="{00000000-1234-1234-1234-123412341234}" type="slidenum">
+              <a:rPr lang="en-US" smtClean="0"/>
+              <a:t>7</a:t>
+            </a:fld>
+            <a:endParaRPr lang="en-US"/>
+          </a:p>
+        </p:txBody>
+      </p:sp>
+    </p:spTree>
+    <p:extLst>
+      <p:ext uri="{BB962C8B-B14F-4D97-AF65-F5344CB8AC3E}">
+        <p14:creationId xmlns:p14="http://schemas.microsoft.com/office/powerpoint/2010/main" val="1080592621"/>
+      </p:ext>
+    </p:extLst>
+  </p:cSld>
+  <p:clrMapOvr>
+    <a:masterClrMapping/>
+  </p:clrMapOvr>
+</p:sld>
+</file>
+
+<file path=ppt/slides/slide9.xml><?xml version="1.0" encoding="utf-8"?>
+<p:sld xmlns:a="http://schemas.openxmlformats.org/drawingml/2006/main" xmlns:r="http://schemas.openxmlformats.org/officeDocument/2006/relationships" xmlns:p="http://schemas.openxmlformats.org/presentationml/2006/main">
+  <p:cSld>
+    <p:spTree>
+      <p:nvGrpSpPr>
+        <p:cNvPr id="1" name=""/>
+        <p:cNvGrpSpPr/>
+        <p:nvPr/>
+      </p:nvGrpSpPr>
+      <p:grpSpPr>
+        <a:xfrm>
+          <a:off x="0" y="0"/>
+          <a:ext cx="0" cy="0"/>
+          <a:chOff x="0" y="0"/>
+          <a:chExt cx="0" cy="0"/>
+        </a:xfrm>
+      </p:grpSpPr>
+      <p:sp>
+        <p:nvSpPr>
+          <p:cNvPr id="2" name="Title 1">
+            <a:extLst>
+              <a:ext uri="{FF2B5EF4-FFF2-40B4-BE49-F238E27FC236}">
+                <a16:creationId xmlns:a16="http://schemas.microsoft.com/office/drawing/2014/main" id="{03BFDB46-CB77-43BD-8935-38A4C3F6FA6B}"/>
+              </a:ext>
+            </a:extLst>
+          </p:cNvPr>
+          <p:cNvSpPr>
+            <a:spLocks noGrp="1"/>
+          </p:cNvSpPr>
+          <p:nvPr>
+            <p:ph type="title"/>
+          </p:nvPr>
+        </p:nvSpPr>
+        <p:spPr/>
+        <p:txBody>
+          <a:bodyPr/>
+          <a:lstStyle/>
+          <a:p>
+            <a:r>
+              <a:rPr lang="en-US" dirty="0"/>
+              <a:t>DAO - Interface</a:t>
+            </a:r>
+          </a:p>
+        </p:txBody>
+      </p:sp>
+      <p:sp>
+        <p:nvSpPr>
+          <p:cNvPr id="4" name="Slide Number Placeholder 3">
+            <a:extLst>
+              <a:ext uri="{FF2B5EF4-FFF2-40B4-BE49-F238E27FC236}">
+                <a16:creationId xmlns:a16="http://schemas.microsoft.com/office/drawing/2014/main" id="{9B226E6F-12C5-41EC-BF9D-EAF162B65B12}"/>
+              </a:ext>
+            </a:extLst>
+          </p:cNvPr>
+          <p:cNvSpPr>
+            <a:spLocks noGrp="1"/>
+          </p:cNvSpPr>
+          <p:nvPr>
+            <p:ph type="sldNum" idx="12"/>
+          </p:nvPr>
+        </p:nvSpPr>
+        <p:spPr/>
+        <p:txBody>
+          <a:bodyPr/>
+          <a:lstStyle/>
+          <a:p>
+            <a:pPr marL="0" lvl="0" indent="0" algn="r" rtl="0">
+              <a:spcBef>
+                <a:spcPts val="0"/>
+              </a:spcBef>
+              <a:spcAft>
+                <a:spcPts val="0"/>
+              </a:spcAft>
+              <a:buNone/>
+            </a:pPr>
+            <a:fld id="{00000000-1234-1234-1234-123412341234}" type="slidenum">
+              <a:rPr lang="en-US" smtClean="0"/>
+              <a:t>8</a:t>
+            </a:fld>
+            <a:endParaRPr lang="en-US"/>
+          </a:p>
+        </p:txBody>
+      </p:sp>
+      <p:sp>
+        <p:nvSpPr>
+          <p:cNvPr id="5" name="Rectangle 4">
+            <a:extLst>
+              <a:ext uri="{FF2B5EF4-FFF2-40B4-BE49-F238E27FC236}">
+                <a16:creationId xmlns:a16="http://schemas.microsoft.com/office/drawing/2014/main" id="{A82A11AC-4036-4F2B-957E-7FF331372FA4}"/>
+              </a:ext>
+            </a:extLst>
+          </p:cNvPr>
+          <p:cNvSpPr/>
+          <p:nvPr/>
+        </p:nvSpPr>
         <p:spPr>
           <a:xfrm>
-            <a:off x="8122757" y="6363712"/>
-            <a:ext cx="861671" cy="365125"/>
+            <a:off x="415292" y="2113032"/>
+            <a:ext cx="8313415" cy="3737113"/>
           </a:xfrm>
           <a:prstGeom prst="rect">
             <a:avLst/>
           </a:prstGeom>
-          <a:noFill/>
-          <a:ln>
-            <a:noFill/>
-          </a:ln>
         </p:spPr>
+        <p:style>
+          <a:lnRef idx="1">
+            <a:schemeClr val="accent2"/>
+          </a:lnRef>
+          <a:fillRef idx="2">
+            <a:schemeClr val="accent2"/>
+          </a:fillRef>
+          <a:effectRef idx="1">
+            <a:schemeClr val="accent2"/>
+          </a:effectRef>
+          <a:fontRef idx="minor">
+            <a:schemeClr val="dk1"/>
+          </a:fontRef>
+        </p:style>
         <p:txBody>
-          <a:bodyPr spcFirstLastPara="1" wrap="square" lIns="91425" tIns="45700" rIns="91425" bIns="45700" anchor="ctr" anchorCtr="0">
-            <a:noAutofit/>
+          <a:bodyPr rtlCol="0" anchor="ctr">
+            <a:normAutofit/>
           </a:bodyPr>
           <a:lstStyle/>
           <a:p>
-            <a:pPr marL="0" lvl="0" indent="0" algn="r" rtl="0">
-              <a:spcBef>
-                <a:spcPts val="0"/>
-              </a:spcBef>
-              <a:spcAft>
-                <a:spcPts val="0"/>
-              </a:spcAft>
-              <a:buNone/>
-            </a:pPr>
-            <a:fld id="{00000000-1234-1234-1234-123412341234}" type="slidenum">
-              <a:rPr lang="en-US"/>
-              <a:t>7</a:t>
-            </a:fld>
-            <a:endParaRPr/>
+            <a:pPr algn="l"/>
+            <a:r>
+              <a:rPr lang="en-US" sz="1800" b="1" dirty="0">
+                <a:solidFill>
+                  <a:srgbClr val="7F0055"/>
+                </a:solidFill>
+                <a:latin typeface="Consolas" panose="020B0609020204030204" pitchFamily="49" charset="0"/>
+              </a:rPr>
+              <a:t>package</a:t>
+            </a:r>
+            <a:r>
+              <a:rPr lang="en-US" sz="1800" b="1" dirty="0">
+                <a:solidFill>
+                  <a:srgbClr val="000000"/>
+                </a:solidFill>
+                <a:latin typeface="Consolas" panose="020B0609020204030204" pitchFamily="49" charset="0"/>
+              </a:rPr>
+              <a:t> </a:t>
+            </a:r>
+            <a:r>
+              <a:rPr lang="en-US" sz="1800" b="1" dirty="0" err="1">
+                <a:solidFill>
+                  <a:srgbClr val="000000"/>
+                </a:solidFill>
+                <a:latin typeface="Consolas" panose="020B0609020204030204" pitchFamily="49" charset="0"/>
+              </a:rPr>
+              <a:t>com.revature.dao</a:t>
+            </a:r>
+            <a:r>
+              <a:rPr lang="en-US" sz="1800" b="1" dirty="0">
+                <a:solidFill>
+                  <a:srgbClr val="000000"/>
+                </a:solidFill>
+                <a:latin typeface="Consolas" panose="020B0609020204030204" pitchFamily="49" charset="0"/>
+              </a:rPr>
+              <a:t>;</a:t>
+            </a:r>
+          </a:p>
+          <a:p>
+            <a:pPr algn="l"/>
+            <a:endParaRPr lang="en-US" sz="1800" dirty="0">
+              <a:latin typeface="Consolas" panose="020B0609020204030204" pitchFamily="49" charset="0"/>
+            </a:endParaRPr>
+          </a:p>
+          <a:p>
+            <a:pPr algn="l"/>
+            <a:r>
+              <a:rPr lang="en-US" sz="1800" b="1" dirty="0">
+                <a:solidFill>
+                  <a:srgbClr val="7F0055"/>
+                </a:solidFill>
+                <a:latin typeface="Consolas" panose="020B0609020204030204" pitchFamily="49" charset="0"/>
+              </a:rPr>
+              <a:t>import</a:t>
+            </a:r>
+            <a:r>
+              <a:rPr lang="en-US" sz="1800" b="1" dirty="0">
+                <a:solidFill>
+                  <a:srgbClr val="000000"/>
+                </a:solidFill>
+                <a:latin typeface="Consolas" panose="020B0609020204030204" pitchFamily="49" charset="0"/>
+              </a:rPr>
+              <a:t> </a:t>
+            </a:r>
+            <a:r>
+              <a:rPr lang="en-US" sz="1800" b="1" dirty="0" err="1">
+                <a:solidFill>
+                  <a:srgbClr val="000000"/>
+                </a:solidFill>
+                <a:latin typeface="Consolas" panose="020B0609020204030204" pitchFamily="49" charset="0"/>
+              </a:rPr>
+              <a:t>java.util.List</a:t>
+            </a:r>
+            <a:r>
+              <a:rPr lang="en-US" sz="1800" b="1" dirty="0">
+                <a:solidFill>
+                  <a:srgbClr val="000000"/>
+                </a:solidFill>
+                <a:latin typeface="Consolas" panose="020B0609020204030204" pitchFamily="49" charset="0"/>
+              </a:rPr>
+              <a:t>;</a:t>
+            </a:r>
+          </a:p>
+          <a:p>
+            <a:pPr algn="l"/>
+            <a:r>
+              <a:rPr lang="en-US" sz="1800" b="1" dirty="0">
+                <a:solidFill>
+                  <a:srgbClr val="7F0055"/>
+                </a:solidFill>
+                <a:latin typeface="Consolas" panose="020B0609020204030204" pitchFamily="49" charset="0"/>
+              </a:rPr>
+              <a:t>import</a:t>
+            </a:r>
+            <a:r>
+              <a:rPr lang="en-US" sz="1800" b="1" dirty="0">
+                <a:solidFill>
+                  <a:srgbClr val="000000"/>
+                </a:solidFill>
+                <a:latin typeface="Consolas" panose="020B0609020204030204" pitchFamily="49" charset="0"/>
+              </a:rPr>
+              <a:t> </a:t>
+            </a:r>
+            <a:r>
+              <a:rPr lang="en-US" sz="1800" b="1" dirty="0" err="1">
+                <a:solidFill>
+                  <a:srgbClr val="000000"/>
+                </a:solidFill>
+                <a:latin typeface="Consolas" panose="020B0609020204030204" pitchFamily="49" charset="0"/>
+              </a:rPr>
+              <a:t>com.revature.models.Employee</a:t>
+            </a:r>
+            <a:r>
+              <a:rPr lang="en-US" sz="1800" b="1" dirty="0">
+                <a:solidFill>
+                  <a:srgbClr val="000000"/>
+                </a:solidFill>
+                <a:latin typeface="Consolas" panose="020B0609020204030204" pitchFamily="49" charset="0"/>
+              </a:rPr>
+              <a:t>;</a:t>
+            </a:r>
+          </a:p>
+          <a:p>
+            <a:pPr algn="l"/>
+            <a:endParaRPr lang="en-US" sz="1800" b="1" dirty="0">
+              <a:solidFill>
+                <a:srgbClr val="7F0055"/>
+              </a:solidFill>
+              <a:latin typeface="Consolas" panose="020B0609020204030204" pitchFamily="49" charset="0"/>
+            </a:endParaRPr>
+          </a:p>
+          <a:p>
+            <a:pPr algn="l"/>
+            <a:r>
+              <a:rPr lang="en-US" sz="1800" b="1" dirty="0">
+                <a:solidFill>
+                  <a:srgbClr val="7F0055"/>
+                </a:solidFill>
+                <a:latin typeface="Consolas" panose="020B0609020204030204" pitchFamily="49" charset="0"/>
+              </a:rPr>
+              <a:t>public</a:t>
+            </a:r>
+            <a:r>
+              <a:rPr lang="en-US" sz="1800" b="1" dirty="0">
+                <a:solidFill>
+                  <a:srgbClr val="000000"/>
+                </a:solidFill>
+                <a:latin typeface="Consolas" panose="020B0609020204030204" pitchFamily="49" charset="0"/>
+              </a:rPr>
+              <a:t> </a:t>
+            </a:r>
+            <a:r>
+              <a:rPr lang="en-US" sz="1800" b="1" dirty="0">
+                <a:solidFill>
+                  <a:srgbClr val="7F0055"/>
+                </a:solidFill>
+                <a:latin typeface="Consolas" panose="020B0609020204030204" pitchFamily="49" charset="0"/>
+              </a:rPr>
+              <a:t>interface</a:t>
+            </a:r>
+            <a:r>
+              <a:rPr lang="en-US" sz="1800" b="1" dirty="0">
+                <a:solidFill>
+                  <a:srgbClr val="000000"/>
+                </a:solidFill>
+                <a:latin typeface="Consolas" panose="020B0609020204030204" pitchFamily="49" charset="0"/>
+              </a:rPr>
+              <a:t> </a:t>
+            </a:r>
+            <a:r>
+              <a:rPr lang="en-US" sz="1800" b="1" dirty="0" err="1">
+                <a:solidFill>
+                  <a:srgbClr val="000000"/>
+                </a:solidFill>
+                <a:latin typeface="Consolas" panose="020B0609020204030204" pitchFamily="49" charset="0"/>
+              </a:rPr>
+              <a:t>EmployeeDAO</a:t>
+            </a:r>
+            <a:r>
+              <a:rPr lang="en-US" sz="1800" b="1" dirty="0">
+                <a:solidFill>
+                  <a:srgbClr val="000000"/>
+                </a:solidFill>
+                <a:latin typeface="Consolas" panose="020B0609020204030204" pitchFamily="49" charset="0"/>
+              </a:rPr>
+              <a:t> {</a:t>
+            </a:r>
+          </a:p>
+          <a:p>
+            <a:pPr algn="l"/>
+            <a:r>
+              <a:rPr lang="en-US" sz="1800" b="1" dirty="0">
+                <a:solidFill>
+                  <a:srgbClr val="7F0055"/>
+                </a:solidFill>
+                <a:latin typeface="Consolas" panose="020B0609020204030204" pitchFamily="49" charset="0"/>
+              </a:rPr>
+              <a:t>    public</a:t>
+            </a:r>
+            <a:r>
+              <a:rPr lang="en-US" sz="1800" b="1" dirty="0">
+                <a:solidFill>
+                  <a:srgbClr val="000000"/>
+                </a:solidFill>
+                <a:latin typeface="Consolas" panose="020B0609020204030204" pitchFamily="49" charset="0"/>
+              </a:rPr>
+              <a:t> Employee </a:t>
+            </a:r>
+            <a:r>
+              <a:rPr lang="en-US" sz="1800" b="1" dirty="0" err="1">
+                <a:solidFill>
+                  <a:srgbClr val="000000"/>
+                </a:solidFill>
+                <a:latin typeface="Consolas" panose="020B0609020204030204" pitchFamily="49" charset="0"/>
+              </a:rPr>
+              <a:t>selectEmployee</a:t>
+            </a:r>
+            <a:r>
+              <a:rPr lang="en-US" sz="1800" b="1" dirty="0">
+                <a:solidFill>
+                  <a:srgbClr val="000000"/>
+                </a:solidFill>
+                <a:latin typeface="Consolas" panose="020B0609020204030204" pitchFamily="49" charset="0"/>
+              </a:rPr>
+              <a:t>(Integer </a:t>
+            </a:r>
+            <a:r>
+              <a:rPr lang="en-US" sz="1800" b="1" dirty="0">
+                <a:solidFill>
+                  <a:srgbClr val="6A3E3E"/>
+                </a:solidFill>
+                <a:latin typeface="Consolas" panose="020B0609020204030204" pitchFamily="49" charset="0"/>
+              </a:rPr>
+              <a:t>id</a:t>
+            </a:r>
+            <a:r>
+              <a:rPr lang="en-US" sz="1800" b="1" dirty="0">
+                <a:solidFill>
+                  <a:srgbClr val="000000"/>
+                </a:solidFill>
+                <a:latin typeface="Consolas" panose="020B0609020204030204" pitchFamily="49" charset="0"/>
+              </a:rPr>
+              <a:t>);</a:t>
+            </a:r>
+          </a:p>
+          <a:p>
+            <a:pPr algn="l"/>
+            <a:r>
+              <a:rPr lang="en-US" sz="1800" b="1" dirty="0">
+                <a:solidFill>
+                  <a:srgbClr val="7F0055"/>
+                </a:solidFill>
+                <a:latin typeface="Consolas" panose="020B0609020204030204" pitchFamily="49" charset="0"/>
+              </a:rPr>
+              <a:t>    public</a:t>
+            </a:r>
+            <a:r>
+              <a:rPr lang="en-US" sz="1800" b="1" dirty="0">
+                <a:solidFill>
+                  <a:srgbClr val="000000"/>
+                </a:solidFill>
+                <a:latin typeface="Consolas" panose="020B0609020204030204" pitchFamily="49" charset="0"/>
+              </a:rPr>
+              <a:t> List&lt;Employee&gt; </a:t>
+            </a:r>
+            <a:r>
+              <a:rPr lang="en-US" sz="1800" b="1" dirty="0" err="1">
+                <a:solidFill>
+                  <a:srgbClr val="000000"/>
+                </a:solidFill>
+                <a:latin typeface="Consolas" panose="020B0609020204030204" pitchFamily="49" charset="0"/>
+              </a:rPr>
+              <a:t>selectAllEmployees</a:t>
+            </a:r>
+            <a:r>
+              <a:rPr lang="en-US" sz="1800" b="1" dirty="0">
+                <a:solidFill>
+                  <a:srgbClr val="000000"/>
+                </a:solidFill>
+                <a:latin typeface="Consolas" panose="020B0609020204030204" pitchFamily="49" charset="0"/>
+              </a:rPr>
+              <a:t>();</a:t>
+            </a:r>
+          </a:p>
+          <a:p>
+            <a:pPr algn="l"/>
+            <a:r>
+              <a:rPr lang="en-US" sz="1800" b="1" dirty="0">
+                <a:solidFill>
+                  <a:srgbClr val="7F0055"/>
+                </a:solidFill>
+                <a:latin typeface="Consolas" panose="020B0609020204030204" pitchFamily="49" charset="0"/>
+              </a:rPr>
+              <a:t>    public</a:t>
+            </a:r>
+            <a:r>
+              <a:rPr lang="en-US" sz="1800" b="1" dirty="0">
+                <a:solidFill>
+                  <a:srgbClr val="000000"/>
+                </a:solidFill>
+                <a:latin typeface="Consolas" panose="020B0609020204030204" pitchFamily="49" charset="0"/>
+              </a:rPr>
+              <a:t> </a:t>
+            </a:r>
+            <a:r>
+              <a:rPr lang="en-US" sz="1800" b="1" dirty="0" err="1">
+                <a:solidFill>
+                  <a:srgbClr val="7F0055"/>
+                </a:solidFill>
+                <a:latin typeface="Consolas" panose="020B0609020204030204" pitchFamily="49" charset="0"/>
+              </a:rPr>
+              <a:t>boolean</a:t>
+            </a:r>
+            <a:r>
+              <a:rPr lang="en-US" sz="1800" b="1" dirty="0">
+                <a:solidFill>
+                  <a:srgbClr val="000000"/>
+                </a:solidFill>
+                <a:latin typeface="Consolas" panose="020B0609020204030204" pitchFamily="49" charset="0"/>
+              </a:rPr>
+              <a:t> </a:t>
+            </a:r>
+            <a:r>
+              <a:rPr lang="en-US" sz="1800" b="1" dirty="0" err="1">
+                <a:solidFill>
+                  <a:srgbClr val="000000"/>
+                </a:solidFill>
+                <a:latin typeface="Consolas" panose="020B0609020204030204" pitchFamily="49" charset="0"/>
+              </a:rPr>
+              <a:t>insertIntoEmployees</a:t>
+            </a:r>
+            <a:r>
+              <a:rPr lang="en-US" sz="1800" b="1" dirty="0">
+                <a:solidFill>
+                  <a:srgbClr val="000000"/>
+                </a:solidFill>
+                <a:latin typeface="Consolas" panose="020B0609020204030204" pitchFamily="49" charset="0"/>
+              </a:rPr>
+              <a:t>(Employee </a:t>
+            </a:r>
+            <a:r>
+              <a:rPr lang="en-US" sz="1800" b="1" dirty="0">
+                <a:solidFill>
+                  <a:srgbClr val="6A3E3E"/>
+                </a:solidFill>
+                <a:latin typeface="Consolas" panose="020B0609020204030204" pitchFamily="49" charset="0"/>
+              </a:rPr>
+              <a:t>emp</a:t>
+            </a:r>
+            <a:r>
+              <a:rPr lang="en-US" sz="1800" b="1" dirty="0">
+                <a:solidFill>
+                  <a:srgbClr val="000000"/>
+                </a:solidFill>
+                <a:latin typeface="Consolas" panose="020B0609020204030204" pitchFamily="49" charset="0"/>
+              </a:rPr>
+              <a:t>);</a:t>
+            </a:r>
+          </a:p>
+          <a:p>
+            <a:pPr algn="l"/>
+            <a:r>
+              <a:rPr lang="en-US" sz="1800" b="1" dirty="0">
+                <a:solidFill>
+                  <a:srgbClr val="7F0055"/>
+                </a:solidFill>
+                <a:latin typeface="Consolas" panose="020B0609020204030204" pitchFamily="49" charset="0"/>
+              </a:rPr>
+              <a:t>    public</a:t>
+            </a:r>
+            <a:r>
+              <a:rPr lang="en-US" sz="1800" b="1" dirty="0">
+                <a:solidFill>
+                  <a:srgbClr val="000000"/>
+                </a:solidFill>
+                <a:latin typeface="Consolas" panose="020B0609020204030204" pitchFamily="49" charset="0"/>
+              </a:rPr>
+              <a:t> </a:t>
+            </a:r>
+            <a:r>
+              <a:rPr lang="en-US" sz="1800" b="1" dirty="0" err="1">
+                <a:solidFill>
+                  <a:srgbClr val="7F0055"/>
+                </a:solidFill>
+                <a:latin typeface="Consolas" panose="020B0609020204030204" pitchFamily="49" charset="0"/>
+              </a:rPr>
+              <a:t>boolean</a:t>
+            </a:r>
+            <a:r>
+              <a:rPr lang="en-US" sz="1800" b="1" dirty="0">
+                <a:solidFill>
+                  <a:srgbClr val="000000"/>
+                </a:solidFill>
+                <a:latin typeface="Consolas" panose="020B0609020204030204" pitchFamily="49" charset="0"/>
+              </a:rPr>
+              <a:t> </a:t>
+            </a:r>
+            <a:r>
+              <a:rPr lang="en-US" sz="1800" b="1" dirty="0" err="1">
+                <a:solidFill>
+                  <a:srgbClr val="000000"/>
+                </a:solidFill>
+                <a:latin typeface="Consolas" panose="020B0609020204030204" pitchFamily="49" charset="0"/>
+              </a:rPr>
+              <a:t>updateEmployee</a:t>
+            </a:r>
+            <a:r>
+              <a:rPr lang="en-US" sz="1800" b="1" dirty="0">
+                <a:solidFill>
+                  <a:srgbClr val="000000"/>
+                </a:solidFill>
+                <a:latin typeface="Consolas" panose="020B0609020204030204" pitchFamily="49" charset="0"/>
+              </a:rPr>
+              <a:t>(Employee </a:t>
+            </a:r>
+            <a:r>
+              <a:rPr lang="en-US" sz="1800" b="1" dirty="0">
+                <a:solidFill>
+                  <a:srgbClr val="6A3E3E"/>
+                </a:solidFill>
+                <a:latin typeface="Consolas" panose="020B0609020204030204" pitchFamily="49" charset="0"/>
+              </a:rPr>
+              <a:t>emp</a:t>
+            </a:r>
+            <a:r>
+              <a:rPr lang="en-US" sz="1800" b="1" dirty="0">
+                <a:solidFill>
+                  <a:srgbClr val="000000"/>
+                </a:solidFill>
+                <a:latin typeface="Consolas" panose="020B0609020204030204" pitchFamily="49" charset="0"/>
+              </a:rPr>
+              <a:t>);</a:t>
+            </a:r>
+          </a:p>
+          <a:p>
+            <a:pPr algn="l"/>
+            <a:r>
+              <a:rPr lang="en-US" sz="1800" b="1" dirty="0">
+                <a:solidFill>
+                  <a:srgbClr val="7F0055"/>
+                </a:solidFill>
+                <a:latin typeface="Consolas" panose="020B0609020204030204" pitchFamily="49" charset="0"/>
+              </a:rPr>
+              <a:t>    public</a:t>
+            </a:r>
+            <a:r>
+              <a:rPr lang="en-US" sz="1800" b="1" dirty="0">
+                <a:solidFill>
+                  <a:srgbClr val="000000"/>
+                </a:solidFill>
+                <a:latin typeface="Consolas" panose="020B0609020204030204" pitchFamily="49" charset="0"/>
+              </a:rPr>
+              <a:t> </a:t>
+            </a:r>
+            <a:r>
+              <a:rPr lang="en-US" sz="1800" b="1" dirty="0" err="1">
+                <a:solidFill>
+                  <a:srgbClr val="7F0055"/>
+                </a:solidFill>
+                <a:latin typeface="Consolas" panose="020B0609020204030204" pitchFamily="49" charset="0"/>
+              </a:rPr>
+              <a:t>boolean</a:t>
+            </a:r>
+            <a:r>
+              <a:rPr lang="en-US" sz="1800" b="1" dirty="0">
+                <a:solidFill>
+                  <a:srgbClr val="000000"/>
+                </a:solidFill>
+                <a:latin typeface="Consolas" panose="020B0609020204030204" pitchFamily="49" charset="0"/>
+              </a:rPr>
+              <a:t> </a:t>
+            </a:r>
+            <a:r>
+              <a:rPr lang="en-US" sz="1800" b="1" dirty="0" err="1">
+                <a:solidFill>
+                  <a:srgbClr val="000000"/>
+                </a:solidFill>
+                <a:latin typeface="Consolas" panose="020B0609020204030204" pitchFamily="49" charset="0"/>
+              </a:rPr>
+              <a:t>deleteEmployee</a:t>
+            </a:r>
+            <a:r>
+              <a:rPr lang="en-US" sz="1800" b="1" dirty="0">
+                <a:solidFill>
+                  <a:srgbClr val="000000"/>
+                </a:solidFill>
+                <a:latin typeface="Consolas" panose="020B0609020204030204" pitchFamily="49" charset="0"/>
+              </a:rPr>
+              <a:t>(Employee </a:t>
+            </a:r>
+            <a:r>
+              <a:rPr lang="en-US" sz="1800" b="1" dirty="0">
+                <a:solidFill>
+                  <a:srgbClr val="6A3E3E"/>
+                </a:solidFill>
+                <a:latin typeface="Consolas" panose="020B0609020204030204" pitchFamily="49" charset="0"/>
+              </a:rPr>
+              <a:t>emp</a:t>
+            </a:r>
+            <a:r>
+              <a:rPr lang="en-US" sz="1800" b="1" dirty="0">
+                <a:solidFill>
+                  <a:srgbClr val="000000"/>
+                </a:solidFill>
+                <a:latin typeface="Consolas" panose="020B0609020204030204" pitchFamily="49" charset="0"/>
+              </a:rPr>
+              <a:t>);</a:t>
+            </a:r>
+          </a:p>
+          <a:p>
+            <a:pPr algn="l"/>
+            <a:r>
+              <a:rPr lang="en-US" sz="1800" b="1" dirty="0">
+                <a:solidFill>
+                  <a:srgbClr val="000000"/>
+                </a:solidFill>
+                <a:latin typeface="Consolas" panose="020B0609020204030204" pitchFamily="49" charset="0"/>
+              </a:rPr>
+              <a:t>}</a:t>
+            </a:r>
+            <a:endParaRPr lang="en-US" sz="2000" b="1" dirty="0">
+              <a:latin typeface="+mj-lt"/>
+              <a:cs typeface="Courier New" panose="02070309020205020404" pitchFamily="49" charset="0"/>
+            </a:endParaRPr>
           </a:p>
         </p:txBody>
       </p:sp>
     </p:spTree>
+    <p:extLst>
+      <p:ext uri="{BB962C8B-B14F-4D97-AF65-F5344CB8AC3E}">
+        <p14:creationId xmlns:p14="http://schemas.microsoft.com/office/powerpoint/2010/main" val="2585449366"/>
+      </p:ext>
+    </p:extLst>
   </p:cSld>
   <p:clrMapOvr>
     <a:masterClrMapping/>

--- a/powerpoints/Day_26.pptx
+++ b/powerpoints/Day_26.pptx
@@ -28300,7 +28300,7 @@
                 </a:solidFill>
                 <a:latin typeface="Consolas" panose="020B0609020204030204" pitchFamily="49" charset="0"/>
               </a:rPr>
-              <a:t>bankapp.employee</a:t>
+              <a:t>bankapp.employees</a:t>
             </a:r>
             <a:r>
               <a:rPr lang="en-US" sz="1800" dirty="0">

--- a/powerpoints/Day_26.pptx
+++ b/powerpoints/Day_26.pptx
@@ -31591,7 +31591,7 @@
                 </a:solidFill>
                 <a:latin typeface="Consolas" panose="020B0609020204030204" pitchFamily="49" charset="0"/>
               </a:rPr>
-              <a:t>.executeQuery</a:t>
+              <a:t>.executeUpdate</a:t>
             </a:r>
             <a:r>
               <a:rPr lang="en-US" sz="1800" dirty="0">
